--- a/宣道詩/(宣道詩114)讚美讚美.pptx
+++ b/宣道詩/(宣道詩114)讚美讚美.pptx
@@ -12,7 +12,7 @@
     <p:sldId id="261" r:id="rId6"/>
     <p:sldId id="262" r:id="rId7"/>
   </p:sldIdLst>
-  <p:sldSz cx="9144000" cy="6858000" type="screen4x3"/>
+  <p:sldSz cx="9144000" cy="5143500" type="screen16x9"/>
   <p:notesSz cx="6858000" cy="9144000"/>
   <p:defaultTextStyle>
     <a:defPPr>
@@ -141,8 +141,8 @@
         </p:nvSpPr>
         <p:spPr>
           <a:xfrm>
-            <a:off x="685800" y="2130425"/>
-            <a:ext cx="7772400" cy="1470025"/>
+            <a:off x="685800" y="1597819"/>
+            <a:ext cx="7772400" cy="1102519"/>
           </a:xfrm>
         </p:spPr>
         <p:txBody>
@@ -169,8 +169,8 @@
         </p:nvSpPr>
         <p:spPr>
           <a:xfrm>
-            <a:off x="1371600" y="3886200"/>
-            <a:ext cx="6400800" cy="1752600"/>
+            <a:off x="1371600" y="2914650"/>
+            <a:ext cx="6400800" cy="1314450"/>
           </a:xfrm>
         </p:spPr>
         <p:txBody>
@@ -294,7 +294,7 @@
             <a:fld id="{CE2478EC-4E2B-4BB2-B91A-703F61575733}" type="datetimeFigureOut">
               <a:rPr lang="zh-TW" altLang="en-US" smtClean="0"/>
               <a:pPr/>
-              <a:t>2017/7/2</a:t>
+              <a:t>2020/8/20</a:t>
             </a:fld>
             <a:endParaRPr lang="zh-TW" altLang="en-US"/>
           </a:p>
@@ -461,7 +461,7 @@
             <a:fld id="{CE2478EC-4E2B-4BB2-B91A-703F61575733}" type="datetimeFigureOut">
               <a:rPr lang="zh-TW" altLang="en-US" smtClean="0"/>
               <a:pPr/>
-              <a:t>2017/7/2</a:t>
+              <a:t>2020/8/20</a:t>
             </a:fld>
             <a:endParaRPr lang="zh-TW" altLang="en-US"/>
           </a:p>
@@ -547,8 +547,8 @@
         </p:nvSpPr>
         <p:spPr>
           <a:xfrm>
-            <a:off x="6629400" y="274638"/>
-            <a:ext cx="2057400" cy="5851525"/>
+            <a:off x="6629400" y="205979"/>
+            <a:ext cx="2057400" cy="4388644"/>
           </a:xfrm>
         </p:spPr>
         <p:txBody>
@@ -575,8 +575,8 @@
         </p:nvSpPr>
         <p:spPr>
           <a:xfrm>
-            <a:off x="457200" y="274638"/>
-            <a:ext cx="6019800" cy="5851525"/>
+            <a:off x="457200" y="205979"/>
+            <a:ext cx="6019800" cy="4388644"/>
           </a:xfrm>
         </p:spPr>
         <p:txBody>
@@ -638,7 +638,7 @@
             <a:fld id="{CE2478EC-4E2B-4BB2-B91A-703F61575733}" type="datetimeFigureOut">
               <a:rPr lang="zh-TW" altLang="en-US" smtClean="0"/>
               <a:pPr/>
-              <a:t>2017/7/2</a:t>
+              <a:t>2020/8/20</a:t>
             </a:fld>
             <a:endParaRPr lang="zh-TW" altLang="en-US"/>
           </a:p>
@@ -805,7 +805,7 @@
             <a:fld id="{CE2478EC-4E2B-4BB2-B91A-703F61575733}" type="datetimeFigureOut">
               <a:rPr lang="zh-TW" altLang="en-US" smtClean="0"/>
               <a:pPr/>
-              <a:t>2017/7/2</a:t>
+              <a:t>2020/8/20</a:t>
             </a:fld>
             <a:endParaRPr lang="zh-TW" altLang="en-US"/>
           </a:p>
@@ -891,8 +891,8 @@
         </p:nvSpPr>
         <p:spPr>
           <a:xfrm>
-            <a:off x="722313" y="4406900"/>
-            <a:ext cx="7772400" cy="1362075"/>
+            <a:off x="722313" y="3305176"/>
+            <a:ext cx="7772400" cy="1021556"/>
           </a:xfrm>
         </p:spPr>
         <p:txBody>
@@ -923,8 +923,8 @@
         </p:nvSpPr>
         <p:spPr>
           <a:xfrm>
-            <a:off x="722313" y="2906713"/>
-            <a:ext cx="7772400" cy="1500187"/>
+            <a:off x="722313" y="2180035"/>
+            <a:ext cx="7772400" cy="1125140"/>
           </a:xfrm>
         </p:spPr>
         <p:txBody>
@@ -1048,7 +1048,7 @@
             <a:fld id="{CE2478EC-4E2B-4BB2-B91A-703F61575733}" type="datetimeFigureOut">
               <a:rPr lang="zh-TW" altLang="en-US" smtClean="0"/>
               <a:pPr/>
-              <a:t>2017/7/2</a:t>
+              <a:t>2020/8/20</a:t>
             </a:fld>
             <a:endParaRPr lang="zh-TW" altLang="en-US"/>
           </a:p>
@@ -1157,8 +1157,8 @@
         </p:nvSpPr>
         <p:spPr>
           <a:xfrm>
-            <a:off x="457200" y="1600200"/>
-            <a:ext cx="4038600" cy="4525963"/>
+            <a:off x="457200" y="1200151"/>
+            <a:ext cx="4038600" cy="3394472"/>
           </a:xfrm>
         </p:spPr>
         <p:txBody>
@@ -1242,8 +1242,8 @@
         </p:nvSpPr>
         <p:spPr>
           <a:xfrm>
-            <a:off x="4648200" y="1600200"/>
-            <a:ext cx="4038600" cy="4525963"/>
+            <a:off x="4648200" y="1200151"/>
+            <a:ext cx="4038600" cy="3394472"/>
           </a:xfrm>
         </p:spPr>
         <p:txBody>
@@ -1333,7 +1333,7 @@
             <a:fld id="{CE2478EC-4E2B-4BB2-B91A-703F61575733}" type="datetimeFigureOut">
               <a:rPr lang="zh-TW" altLang="en-US" smtClean="0"/>
               <a:pPr/>
-              <a:t>2017/7/2</a:t>
+              <a:t>2020/8/20</a:t>
             </a:fld>
             <a:endParaRPr lang="zh-TW" altLang="en-US"/>
           </a:p>
@@ -1446,8 +1446,8 @@
         </p:nvSpPr>
         <p:spPr>
           <a:xfrm>
-            <a:off x="457200" y="1535113"/>
-            <a:ext cx="4040188" cy="639762"/>
+            <a:off x="457200" y="1151335"/>
+            <a:ext cx="4040188" cy="479822"/>
           </a:xfrm>
         </p:spPr>
         <p:txBody>
@@ -1511,8 +1511,8 @@
         </p:nvSpPr>
         <p:spPr>
           <a:xfrm>
-            <a:off x="457200" y="2174875"/>
-            <a:ext cx="4040188" cy="3951288"/>
+            <a:off x="457200" y="1631156"/>
+            <a:ext cx="4040188" cy="2963466"/>
           </a:xfrm>
         </p:spPr>
         <p:txBody>
@@ -1596,8 +1596,8 @@
         </p:nvSpPr>
         <p:spPr>
           <a:xfrm>
-            <a:off x="4645025" y="1535113"/>
-            <a:ext cx="4041775" cy="639762"/>
+            <a:off x="4645026" y="1151335"/>
+            <a:ext cx="4041775" cy="479822"/>
           </a:xfrm>
         </p:spPr>
         <p:txBody>
@@ -1661,8 +1661,8 @@
         </p:nvSpPr>
         <p:spPr>
           <a:xfrm>
-            <a:off x="4645025" y="2174875"/>
-            <a:ext cx="4041775" cy="3951288"/>
+            <a:off x="4645026" y="1631156"/>
+            <a:ext cx="4041775" cy="2963466"/>
           </a:xfrm>
         </p:spPr>
         <p:txBody>
@@ -1752,7 +1752,7 @@
             <a:fld id="{CE2478EC-4E2B-4BB2-B91A-703F61575733}" type="datetimeFigureOut">
               <a:rPr lang="zh-TW" altLang="en-US" smtClean="0"/>
               <a:pPr/>
-              <a:t>2017/7/2</a:t>
+              <a:t>2020/8/20</a:t>
             </a:fld>
             <a:endParaRPr lang="zh-TW" altLang="en-US"/>
           </a:p>
@@ -1867,7 +1867,7 @@
             <a:fld id="{CE2478EC-4E2B-4BB2-B91A-703F61575733}" type="datetimeFigureOut">
               <a:rPr lang="zh-TW" altLang="en-US" smtClean="0"/>
               <a:pPr/>
-              <a:t>2017/7/2</a:t>
+              <a:t>2020/8/20</a:t>
             </a:fld>
             <a:endParaRPr lang="zh-TW" altLang="en-US"/>
           </a:p>
@@ -1959,7 +1959,7 @@
             <a:fld id="{CE2478EC-4E2B-4BB2-B91A-703F61575733}" type="datetimeFigureOut">
               <a:rPr lang="zh-TW" altLang="en-US" smtClean="0"/>
               <a:pPr/>
-              <a:t>2017/7/2</a:t>
+              <a:t>2020/8/20</a:t>
             </a:fld>
             <a:endParaRPr lang="zh-TW" altLang="en-US"/>
           </a:p>
@@ -2045,8 +2045,8 @@
         </p:nvSpPr>
         <p:spPr>
           <a:xfrm>
-            <a:off x="457200" y="273050"/>
-            <a:ext cx="3008313" cy="1162050"/>
+            <a:off x="457201" y="204787"/>
+            <a:ext cx="3008313" cy="871538"/>
           </a:xfrm>
         </p:spPr>
         <p:txBody>
@@ -2077,8 +2077,8 @@
         </p:nvSpPr>
         <p:spPr>
           <a:xfrm>
-            <a:off x="3575050" y="273050"/>
-            <a:ext cx="5111750" cy="5853113"/>
+            <a:off x="3575050" y="204788"/>
+            <a:ext cx="5111750" cy="4389835"/>
           </a:xfrm>
         </p:spPr>
         <p:txBody>
@@ -2162,8 +2162,8 @@
         </p:nvSpPr>
         <p:spPr>
           <a:xfrm>
-            <a:off x="457200" y="1435100"/>
-            <a:ext cx="3008313" cy="4691063"/>
+            <a:off x="457201" y="1076326"/>
+            <a:ext cx="3008313" cy="3518297"/>
           </a:xfrm>
         </p:spPr>
         <p:txBody>
@@ -2233,7 +2233,7 @@
             <a:fld id="{CE2478EC-4E2B-4BB2-B91A-703F61575733}" type="datetimeFigureOut">
               <a:rPr lang="zh-TW" altLang="en-US" smtClean="0"/>
               <a:pPr/>
-              <a:t>2017/7/2</a:t>
+              <a:t>2020/8/20</a:t>
             </a:fld>
             <a:endParaRPr lang="zh-TW" altLang="en-US"/>
           </a:p>
@@ -2319,8 +2319,8 @@
         </p:nvSpPr>
         <p:spPr>
           <a:xfrm>
-            <a:off x="1792288" y="4800600"/>
-            <a:ext cx="5486400" cy="566738"/>
+            <a:off x="1792288" y="3600450"/>
+            <a:ext cx="5486400" cy="425054"/>
           </a:xfrm>
         </p:spPr>
         <p:txBody>
@@ -2351,8 +2351,8 @@
         </p:nvSpPr>
         <p:spPr>
           <a:xfrm>
-            <a:off x="1792288" y="612775"/>
-            <a:ext cx="5486400" cy="4114800"/>
+            <a:off x="1792288" y="459581"/>
+            <a:ext cx="5486400" cy="3086100"/>
           </a:xfrm>
         </p:spPr>
         <p:txBody>
@@ -2416,8 +2416,8 @@
         </p:nvSpPr>
         <p:spPr>
           <a:xfrm>
-            <a:off x="1792288" y="5367338"/>
-            <a:ext cx="5486400" cy="804862"/>
+            <a:off x="1792288" y="4025503"/>
+            <a:ext cx="5486400" cy="603647"/>
           </a:xfrm>
         </p:spPr>
         <p:txBody>
@@ -2487,7 +2487,7 @@
             <a:fld id="{CE2478EC-4E2B-4BB2-B91A-703F61575733}" type="datetimeFigureOut">
               <a:rPr lang="zh-TW" altLang="en-US" smtClean="0"/>
               <a:pPr/>
-              <a:t>2017/7/2</a:t>
+              <a:t>2020/8/20</a:t>
             </a:fld>
             <a:endParaRPr lang="zh-TW" altLang="en-US"/>
           </a:p>
@@ -2583,8 +2583,8 @@
         </p:nvSpPr>
         <p:spPr>
           <a:xfrm>
-            <a:off x="457200" y="274638"/>
-            <a:ext cx="8229600" cy="1143000"/>
+            <a:off x="457200" y="205978"/>
+            <a:ext cx="8229600" cy="857250"/>
           </a:xfrm>
           <a:prstGeom prst="rect">
             <a:avLst/>
@@ -2616,8 +2616,8 @@
         </p:nvSpPr>
         <p:spPr>
           <a:xfrm>
-            <a:off x="457200" y="1600200"/>
-            <a:ext cx="8229600" cy="4525963"/>
+            <a:off x="457200" y="1200151"/>
+            <a:ext cx="8229600" cy="3394472"/>
           </a:xfrm>
           <a:prstGeom prst="rect">
             <a:avLst/>
@@ -2678,8 +2678,8 @@
         </p:nvSpPr>
         <p:spPr>
           <a:xfrm>
-            <a:off x="457200" y="6356350"/>
-            <a:ext cx="2133600" cy="365125"/>
+            <a:off x="457200" y="4767263"/>
+            <a:ext cx="2133600" cy="273844"/>
           </a:xfrm>
           <a:prstGeom prst="rect">
             <a:avLst/>
@@ -2702,7 +2702,7 @@
             <a:fld id="{CE2478EC-4E2B-4BB2-B91A-703F61575733}" type="datetimeFigureOut">
               <a:rPr lang="zh-TW" altLang="en-US" smtClean="0"/>
               <a:pPr/>
-              <a:t>2017/7/2</a:t>
+              <a:t>2020/8/20</a:t>
             </a:fld>
             <a:endParaRPr lang="zh-TW" altLang="en-US"/>
           </a:p>
@@ -2720,8 +2720,8 @@
         </p:nvSpPr>
         <p:spPr>
           <a:xfrm>
-            <a:off x="3124200" y="6356350"/>
-            <a:ext cx="2895600" cy="365125"/>
+            <a:off x="3124200" y="4767263"/>
+            <a:ext cx="2895600" cy="273844"/>
           </a:xfrm>
           <a:prstGeom prst="rect">
             <a:avLst/>
@@ -2757,8 +2757,8 @@
         </p:nvSpPr>
         <p:spPr>
           <a:xfrm>
-            <a:off x="6553200" y="6356350"/>
-            <a:ext cx="2133600" cy="365125"/>
+            <a:off x="6553200" y="4767263"/>
+            <a:ext cx="2133600" cy="273844"/>
           </a:xfrm>
           <a:prstGeom prst="rect">
             <a:avLst/>
@@ -3120,8 +3120,8 @@
         </p:nvSpPr>
         <p:spPr>
           <a:xfrm>
-            <a:off x="0" y="1600200"/>
-            <a:ext cx="9144000" cy="5257800"/>
+            <a:off x="0" y="1200150"/>
+            <a:ext cx="9144000" cy="3943350"/>
           </a:xfrm>
         </p:spPr>
         <p:txBody>
@@ -3357,8 +3357,8 @@
         </p:nvSpPr>
         <p:spPr>
           <a:xfrm>
-            <a:off x="0" y="1600200"/>
-            <a:ext cx="9144000" cy="5257800"/>
+            <a:off x="0" y="1200150"/>
+            <a:ext cx="9144000" cy="3943350"/>
           </a:xfrm>
         </p:spPr>
         <p:txBody>
@@ -3544,17 +3544,7 @@
                 <a:latin typeface="微軟正黑體" pitchFamily="34" charset="-120"/>
                 <a:ea typeface="微軟正黑體" pitchFamily="34" charset="-120"/>
               </a:rPr>
-              <a:t>讚美讚美 頌揚</a:t>
-            </a:r>
-            <a:r>
-              <a:rPr lang="zh-TW" altLang="en-US" sz="5400" b="1" cap="all" dirty="0" smtClean="0">
-                <a:solidFill>
-                  <a:srgbClr val="002060"/>
-                </a:solidFill>
-                <a:latin typeface="微軟正黑體" pitchFamily="34" charset="-120"/>
-                <a:ea typeface="微軟正黑體" pitchFamily="34" charset="-120"/>
-              </a:rPr>
-              <a:t>主</a:t>
+              <a:t>讚美讚美 頌揚主</a:t>
             </a:r>
             <a:r>
               <a:rPr lang="zh-CN" altLang="en-US" sz="5400" b="1" cap="all" smtClean="0">
@@ -3658,8 +3648,8 @@
         </p:nvSpPr>
         <p:spPr>
           <a:xfrm>
-            <a:off x="0" y="1600200"/>
-            <a:ext cx="9144000" cy="5257800"/>
+            <a:off x="0" y="1200150"/>
+            <a:ext cx="9144000" cy="3943350"/>
           </a:xfrm>
         </p:spPr>
         <p:txBody>
@@ -3899,8 +3889,8 @@
         </p:nvSpPr>
         <p:spPr>
           <a:xfrm>
-            <a:off x="0" y="1285860"/>
-            <a:ext cx="9144000" cy="5572140"/>
+            <a:off x="0" y="964395"/>
+            <a:ext cx="9144000" cy="4179105"/>
           </a:xfrm>
         </p:spPr>
         <p:txBody>
@@ -4123,8 +4113,8 @@
         </p:nvSpPr>
         <p:spPr>
           <a:xfrm>
-            <a:off x="0" y="1600200"/>
-            <a:ext cx="9144000" cy="5257800"/>
+            <a:off x="0" y="1200150"/>
+            <a:ext cx="9144000" cy="3943350"/>
           </a:xfrm>
         </p:spPr>
         <p:txBody>
@@ -4394,8 +4384,8 @@
         </p:nvSpPr>
         <p:spPr>
           <a:xfrm>
-            <a:off x="0" y="1285860"/>
-            <a:ext cx="9144000" cy="5572140"/>
+            <a:off x="0" y="964395"/>
+            <a:ext cx="9144000" cy="4179105"/>
           </a:xfrm>
         </p:spPr>
         <p:txBody>

--- a/宣道詩/(宣道詩114)讚美讚美.pptx
+++ b/宣道詩/(宣道詩114)讚美讚美.pptx
@@ -5,12 +5,19 @@
     <p:sldMasterId id="2147483660" r:id="rId1"/>
   </p:sldMasterIdLst>
   <p:sldIdLst>
-    <p:sldId id="257" r:id="rId2"/>
-    <p:sldId id="263" r:id="rId3"/>
-    <p:sldId id="259" r:id="rId4"/>
-    <p:sldId id="260" r:id="rId5"/>
-    <p:sldId id="261" r:id="rId6"/>
-    <p:sldId id="262" r:id="rId7"/>
+    <p:sldId id="256" r:id="rId2"/>
+    <p:sldId id="257" r:id="rId3"/>
+    <p:sldId id="258" r:id="rId4"/>
+    <p:sldId id="259" r:id="rId5"/>
+    <p:sldId id="260" r:id="rId6"/>
+    <p:sldId id="261" r:id="rId7"/>
+    <p:sldId id="262" r:id="rId8"/>
+    <p:sldId id="263" r:id="rId9"/>
+    <p:sldId id="264" r:id="rId10"/>
+    <p:sldId id="265" r:id="rId11"/>
+    <p:sldId id="266" r:id="rId12"/>
+    <p:sldId id="267" r:id="rId13"/>
+    <p:sldId id="268" r:id="rId14"/>
   </p:sldIdLst>
   <p:sldSz cx="9144000" cy="5143500" type="screen16x9"/>
   <p:notesSz cx="6858000" cy="9144000"/>
@@ -109,6 +116,22 @@
       </a:defRPr>
     </a:lvl9pPr>
   </p:defaultTextStyle>
+  <p:extLst>
+    <p:ext uri="{EFAFB233-063F-42B5-8137-9DF3F51BA10A}">
+      <p15:sldGuideLst xmlns:p15="http://schemas.microsoft.com/office/powerpoint/2012/main">
+        <p15:guide id="1" orient="horz" pos="1620">
+          <p15:clr>
+            <a:srgbClr val="A4A3A4"/>
+          </p15:clr>
+        </p15:guide>
+        <p15:guide id="2" pos="2880">
+          <p15:clr>
+            <a:srgbClr val="A4A3A4"/>
+          </p15:clr>
+        </p15:guide>
+      </p15:sldGuideLst>
+    </p:ext>
+  </p:extLst>
 </p:presentation>
 </file>
 
@@ -294,7 +317,7 @@
             <a:fld id="{CE2478EC-4E2B-4BB2-B91A-703F61575733}" type="datetimeFigureOut">
               <a:rPr lang="zh-TW" altLang="en-US" smtClean="0"/>
               <a:pPr/>
-              <a:t>2020/8/20</a:t>
+              <a:t>2020/12/4</a:t>
             </a:fld>
             <a:endParaRPr lang="zh-TW" altLang="en-US"/>
           </a:p>
@@ -461,7 +484,7 @@
             <a:fld id="{CE2478EC-4E2B-4BB2-B91A-703F61575733}" type="datetimeFigureOut">
               <a:rPr lang="zh-TW" altLang="en-US" smtClean="0"/>
               <a:pPr/>
-              <a:t>2020/8/20</a:t>
+              <a:t>2020/12/4</a:t>
             </a:fld>
             <a:endParaRPr lang="zh-TW" altLang="en-US"/>
           </a:p>
@@ -638,7 +661,7 @@
             <a:fld id="{CE2478EC-4E2B-4BB2-B91A-703F61575733}" type="datetimeFigureOut">
               <a:rPr lang="zh-TW" altLang="en-US" smtClean="0"/>
               <a:pPr/>
-              <a:t>2020/8/20</a:t>
+              <a:t>2020/12/4</a:t>
             </a:fld>
             <a:endParaRPr lang="zh-TW" altLang="en-US"/>
           </a:p>
@@ -805,7 +828,7 @@
             <a:fld id="{CE2478EC-4E2B-4BB2-B91A-703F61575733}" type="datetimeFigureOut">
               <a:rPr lang="zh-TW" altLang="en-US" smtClean="0"/>
               <a:pPr/>
-              <a:t>2020/8/20</a:t>
+              <a:t>2020/12/4</a:t>
             </a:fld>
             <a:endParaRPr lang="zh-TW" altLang="en-US"/>
           </a:p>
@@ -1048,7 +1071,7 @@
             <a:fld id="{CE2478EC-4E2B-4BB2-B91A-703F61575733}" type="datetimeFigureOut">
               <a:rPr lang="zh-TW" altLang="en-US" smtClean="0"/>
               <a:pPr/>
-              <a:t>2020/8/20</a:t>
+              <a:t>2020/12/4</a:t>
             </a:fld>
             <a:endParaRPr lang="zh-TW" altLang="en-US"/>
           </a:p>
@@ -1333,7 +1356,7 @@
             <a:fld id="{CE2478EC-4E2B-4BB2-B91A-703F61575733}" type="datetimeFigureOut">
               <a:rPr lang="zh-TW" altLang="en-US" smtClean="0"/>
               <a:pPr/>
-              <a:t>2020/8/20</a:t>
+              <a:t>2020/12/4</a:t>
             </a:fld>
             <a:endParaRPr lang="zh-TW" altLang="en-US"/>
           </a:p>
@@ -1752,7 +1775,7 @@
             <a:fld id="{CE2478EC-4E2B-4BB2-B91A-703F61575733}" type="datetimeFigureOut">
               <a:rPr lang="zh-TW" altLang="en-US" smtClean="0"/>
               <a:pPr/>
-              <a:t>2020/8/20</a:t>
+              <a:t>2020/12/4</a:t>
             </a:fld>
             <a:endParaRPr lang="zh-TW" altLang="en-US"/>
           </a:p>
@@ -1867,7 +1890,7 @@
             <a:fld id="{CE2478EC-4E2B-4BB2-B91A-703F61575733}" type="datetimeFigureOut">
               <a:rPr lang="zh-TW" altLang="en-US" smtClean="0"/>
               <a:pPr/>
-              <a:t>2020/8/20</a:t>
+              <a:t>2020/12/4</a:t>
             </a:fld>
             <a:endParaRPr lang="zh-TW" altLang="en-US"/>
           </a:p>
@@ -1959,7 +1982,7 @@
             <a:fld id="{CE2478EC-4E2B-4BB2-B91A-703F61575733}" type="datetimeFigureOut">
               <a:rPr lang="zh-TW" altLang="en-US" smtClean="0"/>
               <a:pPr/>
-              <a:t>2020/8/20</a:t>
+              <a:t>2020/12/4</a:t>
             </a:fld>
             <a:endParaRPr lang="zh-TW" altLang="en-US"/>
           </a:p>
@@ -2233,7 +2256,7 @@
             <a:fld id="{CE2478EC-4E2B-4BB2-B91A-703F61575733}" type="datetimeFigureOut">
               <a:rPr lang="zh-TW" altLang="en-US" smtClean="0"/>
               <a:pPr/>
-              <a:t>2020/8/20</a:t>
+              <a:t>2020/12/4</a:t>
             </a:fld>
             <a:endParaRPr lang="zh-TW" altLang="en-US"/>
           </a:p>
@@ -2487,7 +2510,7 @@
             <a:fld id="{CE2478EC-4E2B-4BB2-B91A-703F61575733}" type="datetimeFigureOut">
               <a:rPr lang="zh-TW" altLang="en-US" smtClean="0"/>
               <a:pPr/>
-              <a:t>2020/8/20</a:t>
+              <a:t>2020/12/4</a:t>
             </a:fld>
             <a:endParaRPr lang="zh-TW" altLang="en-US"/>
           </a:p>
@@ -2702,7 +2725,7 @@
             <a:fld id="{CE2478EC-4E2B-4BB2-B91A-703F61575733}" type="datetimeFigureOut">
               <a:rPr lang="zh-TW" altLang="en-US" smtClean="0"/>
               <a:pPr/>
-              <a:t>2020/8/20</a:t>
+              <a:t>2020/12/4</a:t>
             </a:fld>
             <a:endParaRPr lang="zh-TW" altLang="en-US"/>
           </a:p>
@@ -3075,7 +3098,7 @@
       </p:grpSpPr>
       <p:sp>
         <p:nvSpPr>
-          <p:cNvPr id="2" name="標題 1"/>
+          <p:cNvPr id="4" name="標題 3"/>
           <p:cNvSpPr>
             <a:spLocks noGrp="1"/>
           </p:cNvSpPr>
@@ -3083,141 +3106,414 @@
             <p:ph type="title"/>
           </p:nvPr>
         </p:nvSpPr>
-        <p:spPr/>
-        <p:txBody>
-          <a:bodyPr/>
-          <a:lstStyle/>
-          <a:p>
-            <a:r>
-              <a:rPr lang="zh-CN" altLang="en-US" b="1" dirty="0" smtClean="0">
-                <a:solidFill>
-                  <a:srgbClr val="002060"/>
-                </a:solidFill>
-                <a:latin typeface="微軟正黑體" pitchFamily="34" charset="-120"/>
-                <a:ea typeface="微軟正黑體" pitchFamily="34" charset="-120"/>
-              </a:rPr>
-              <a:t>讚美讚美</a:t>
-            </a:r>
-            <a:endParaRPr lang="zh-TW" altLang="en-US" b="1" dirty="0">
+        <p:spPr>
+          <a:xfrm>
+            <a:off x="0" y="2143135"/>
+            <a:ext cx="9144000" cy="857250"/>
+          </a:xfrm>
+        </p:spPr>
+        <p:txBody>
+          <a:bodyPr>
+            <a:noAutofit/>
+          </a:bodyPr>
+          <a:lstStyle/>
+          <a:p>
+            <a:r>
+              <a:rPr lang="zh-CN" altLang="en-US" sz="4000" b="1" u="sng" dirty="0" smtClean="0">
+                <a:solidFill>
+                  <a:srgbClr val="660033"/>
+                </a:solidFill>
+                <a:effectLst>
+                  <a:outerShdw blurRad="38100" dist="38100" dir="2700000" algn="tl">
+                    <a:srgbClr val="000000">
+                      <a:alpha val="43137"/>
+                    </a:srgbClr>
+                  </a:outerShdw>
+                </a:effectLst>
+                <a:latin typeface="微軟正黑體" pitchFamily="34" charset="-120"/>
+                <a:ea typeface="微軟正黑體" pitchFamily="34" charset="-120"/>
+              </a:rPr>
+              <a:t>宣道詩 </a:t>
+            </a:r>
+            <a:r>
+              <a:rPr lang="en-US" altLang="zh-CN" sz="4000" b="1" u="sng" dirty="0" smtClean="0">
+                <a:solidFill>
+                  <a:srgbClr val="660033"/>
+                </a:solidFill>
+                <a:effectLst>
+                  <a:outerShdw blurRad="38100" dist="38100" dir="2700000" algn="tl">
+                    <a:srgbClr val="000000">
+                      <a:alpha val="43137"/>
+                    </a:srgbClr>
+                  </a:outerShdw>
+                </a:effectLst>
+                <a:latin typeface="微軟正黑體" pitchFamily="34" charset="-120"/>
+                <a:ea typeface="微軟正黑體" pitchFamily="34" charset="-120"/>
+              </a:rPr>
+              <a:t>114</a:t>
+            </a:r>
+            <a:r>
+              <a:rPr lang="en-US" altLang="zh-CN" sz="5400" b="1" i="1" dirty="0" smtClean="0">
+                <a:solidFill>
+                  <a:srgbClr val="660033"/>
+                </a:solidFill>
+                <a:effectLst>
+                  <a:outerShdw blurRad="38100" dist="38100" dir="2700000" algn="tl">
+                    <a:srgbClr val="000000">
+                      <a:alpha val="43137"/>
+                    </a:srgbClr>
+                  </a:outerShdw>
+                </a:effectLst>
+                <a:latin typeface="微軟正黑體" pitchFamily="34" charset="-120"/>
+                <a:ea typeface="微軟正黑體" pitchFamily="34" charset="-120"/>
+              </a:rPr>
+              <a:t/>
+            </a:r>
+            <a:br>
+              <a:rPr lang="en-US" altLang="zh-CN" sz="5400" b="1" i="1" dirty="0" smtClean="0">
+                <a:solidFill>
+                  <a:srgbClr val="660033"/>
+                </a:solidFill>
+                <a:effectLst>
+                  <a:outerShdw blurRad="38100" dist="38100" dir="2700000" algn="tl">
+                    <a:srgbClr val="000000">
+                      <a:alpha val="43137"/>
+                    </a:srgbClr>
+                  </a:outerShdw>
+                </a:effectLst>
+                <a:latin typeface="微軟正黑體" pitchFamily="34" charset="-120"/>
+                <a:ea typeface="微軟正黑體" pitchFamily="34" charset="-120"/>
+              </a:rPr>
+            </a:br>
+            <a:r>
+              <a:rPr lang="zh-CN" altLang="en-US" sz="6000" b="1" dirty="0" smtClean="0">
+                <a:solidFill>
+                  <a:srgbClr val="000066"/>
+                </a:solidFill>
+                <a:effectLst>
+                  <a:outerShdw blurRad="38100" dist="38100" dir="2700000" algn="tl">
+                    <a:srgbClr val="000000">
+                      <a:alpha val="43137"/>
+                    </a:srgbClr>
+                  </a:outerShdw>
+                </a:effectLst>
+                <a:latin typeface="微軟正黑體" pitchFamily="34" charset="-120"/>
+                <a:ea typeface="微軟正黑體" pitchFamily="34" charset="-120"/>
+              </a:rPr>
+              <a:t>讚</a:t>
+            </a:r>
+            <a:r>
+              <a:rPr lang="zh-CN" altLang="en-US" sz="6000" b="1" dirty="0">
+                <a:solidFill>
+                  <a:srgbClr val="000066"/>
+                </a:solidFill>
+                <a:effectLst>
+                  <a:outerShdw blurRad="38100" dist="38100" dir="2700000" algn="tl">
+                    <a:srgbClr val="000000">
+                      <a:alpha val="43137"/>
+                    </a:srgbClr>
+                  </a:outerShdw>
+                </a:effectLst>
+                <a:latin typeface="微軟正黑體" pitchFamily="34" charset="-120"/>
+                <a:ea typeface="微軟正黑體" pitchFamily="34" charset="-120"/>
+              </a:rPr>
+              <a:t>美讚美</a:t>
+            </a:r>
+            <a:endParaRPr lang="zh-TW" altLang="en-US" sz="6000" b="1" dirty="0">
               <a:solidFill>
-                <a:srgbClr val="002060"/>
+                <a:srgbClr val="000066"/>
+              </a:solidFill>
+              <a:effectLst>
+                <a:outerShdw blurRad="38100" dist="38100" dir="2700000" algn="tl">
+                  <a:srgbClr val="000000">
+                    <a:alpha val="43137"/>
+                  </a:srgbClr>
+                </a:outerShdw>
+              </a:effectLst>
+              <a:latin typeface="微軟正黑體" pitchFamily="34" charset="-120"/>
+              <a:ea typeface="微軟正黑體" pitchFamily="34" charset="-120"/>
+            </a:endParaRPr>
+          </a:p>
+        </p:txBody>
+      </p:sp>
+    </p:spTree>
+    <p:extLst>
+      <p:ext uri="{BB962C8B-B14F-4D97-AF65-F5344CB8AC3E}">
+        <p14:creationId xmlns:p14="http://schemas.microsoft.com/office/powerpoint/2010/main" val="750885497"/>
+      </p:ext>
+    </p:extLst>
+  </p:cSld>
+  <p:clrMapOvr>
+    <a:masterClrMapping/>
+  </p:clrMapOvr>
+  <p:timing>
+    <p:tnLst>
+      <p:par>
+        <p:cTn id="1" dur="indefinite" restart="never" nodeType="tmRoot"/>
+      </p:par>
+    </p:tnLst>
+  </p:timing>
+</p:sld>
+</file>
+
+<file path=ppt/slides/slide10.xml><?xml version="1.0" encoding="utf-8"?>
+<p:sld xmlns:a="http://schemas.openxmlformats.org/drawingml/2006/main" xmlns:r="http://schemas.openxmlformats.org/officeDocument/2006/relationships" xmlns:p="http://schemas.openxmlformats.org/presentationml/2006/main">
+  <p:cSld>
+    <p:spTree>
+      <p:nvGrpSpPr>
+        <p:cNvPr id="1" name=""/>
+        <p:cNvGrpSpPr/>
+        <p:nvPr/>
+      </p:nvGrpSpPr>
+      <p:grpSpPr>
+        <a:xfrm>
+          <a:off x="0" y="0"/>
+          <a:ext cx="0" cy="0"/>
+          <a:chOff x="0" y="0"/>
+          <a:chExt cx="0" cy="0"/>
+        </a:xfrm>
+      </p:grpSpPr>
+      <p:sp>
+        <p:nvSpPr>
+          <p:cNvPr id="5" name="內容版面配置區 4"/>
+          <p:cNvSpPr>
+            <a:spLocks noGrp="1"/>
+          </p:cNvSpPr>
+          <p:nvPr>
+            <p:ph idx="1"/>
+          </p:nvPr>
+        </p:nvSpPr>
+        <p:spPr>
+          <a:xfrm>
+            <a:off x="0" y="1563638"/>
+            <a:ext cx="9144000" cy="1803647"/>
+          </a:xfrm>
+        </p:spPr>
+        <p:txBody>
+          <a:bodyPr anchor="ctr">
+            <a:normAutofit/>
+          </a:bodyPr>
+          <a:lstStyle/>
+          <a:p>
+            <a:pPr algn="ctr">
+              <a:buNone/>
+            </a:pPr>
+            <a:r>
+              <a:rPr lang="zh-TW" altLang="en-US" sz="4800" b="1" cap="all" dirty="0">
+                <a:solidFill>
+                  <a:srgbClr val="000066"/>
+                </a:solidFill>
+                <a:latin typeface="微軟正黑體" pitchFamily="34" charset="-120"/>
+                <a:ea typeface="微軟正黑體" pitchFamily="34" charset="-120"/>
+              </a:rPr>
+              <a:t>讚美讚美 </a:t>
+            </a:r>
+            <a:r>
+              <a:rPr lang="zh-TW" altLang="en-US" sz="4800" b="1" cap="all" dirty="0" smtClean="0">
+                <a:solidFill>
+                  <a:srgbClr val="000066"/>
+                </a:solidFill>
+                <a:latin typeface="微軟正黑體" pitchFamily="34" charset="-120"/>
+                <a:ea typeface="微軟正黑體" pitchFamily="34" charset="-120"/>
+              </a:rPr>
+              <a:t> 耶</a:t>
+            </a:r>
+            <a:r>
+              <a:rPr lang="zh-TW" altLang="en-US" sz="4800" b="1" cap="all" dirty="0">
+                <a:solidFill>
+                  <a:srgbClr val="000066"/>
+                </a:solidFill>
+                <a:latin typeface="微軟正黑體" pitchFamily="34" charset="-120"/>
+                <a:ea typeface="微軟正黑體" pitchFamily="34" charset="-120"/>
+              </a:rPr>
+              <a:t>穌我親愛的救主</a:t>
+            </a:r>
+            <a:endParaRPr lang="en-US" altLang="zh-TW" sz="4800" b="1" cap="all" dirty="0">
+              <a:solidFill>
+                <a:srgbClr val="000066"/>
               </a:solidFill>
               <a:latin typeface="微軟正黑體" pitchFamily="34" charset="-120"/>
               <a:ea typeface="微軟正黑體" pitchFamily="34" charset="-120"/>
             </a:endParaRPr>
           </a:p>
-        </p:txBody>
-      </p:sp>
-      <p:sp>
-        <p:nvSpPr>
-          <p:cNvPr id="3" name="內容版面配置區 2"/>
-          <p:cNvSpPr>
-            <a:spLocks noGrp="1"/>
-          </p:cNvSpPr>
-          <p:nvPr>
-            <p:ph idx="1"/>
-          </p:nvPr>
-        </p:nvSpPr>
-        <p:spPr>
-          <a:xfrm>
-            <a:off x="0" y="1200150"/>
-            <a:ext cx="9144000" cy="3943350"/>
-          </a:xfrm>
-        </p:spPr>
-        <p:txBody>
-          <a:bodyPr>
-            <a:noAutofit/>
-          </a:bodyPr>
-          <a:lstStyle/>
           <a:p>
             <a:pPr algn="ctr">
               <a:buNone/>
             </a:pPr>
             <a:r>
-              <a:rPr lang="zh-TW" altLang="en-US" sz="5400" b="1" cap="all" dirty="0">
-                <a:solidFill>
-                  <a:srgbClr val="002060"/>
-                </a:solidFill>
-                <a:latin typeface="微軟正黑體" pitchFamily="34" charset="-120"/>
-                <a:ea typeface="微軟正黑體" pitchFamily="34" charset="-120"/>
-              </a:rPr>
-              <a:t> 讚美</a:t>
-            </a:r>
-            <a:r>
-              <a:rPr lang="zh-TW" altLang="en-US" sz="5400" b="1" cap="all" dirty="0" smtClean="0">
-                <a:solidFill>
-                  <a:srgbClr val="002060"/>
-                </a:solidFill>
-                <a:latin typeface="微軟正黑體" pitchFamily="34" charset="-120"/>
-                <a:ea typeface="微軟正黑體" pitchFamily="34" charset="-120"/>
-              </a:rPr>
-              <a:t>讚美 耶穌</a:t>
-            </a:r>
-            <a:r>
-              <a:rPr lang="zh-TW" altLang="en-US" sz="5400" b="1" cap="all" dirty="0">
-                <a:solidFill>
-                  <a:srgbClr val="002060"/>
-                </a:solidFill>
-                <a:latin typeface="微軟正黑體" pitchFamily="34" charset="-120"/>
-                <a:ea typeface="微軟正黑體" pitchFamily="34" charset="-120"/>
-              </a:rPr>
-              <a:t>我親愛的</a:t>
-            </a:r>
-            <a:r>
-              <a:rPr lang="zh-TW" altLang="en-US" sz="5400" b="1" cap="all" dirty="0" smtClean="0">
-                <a:solidFill>
-                  <a:srgbClr val="002060"/>
-                </a:solidFill>
-                <a:latin typeface="微軟正黑體" pitchFamily="34" charset="-120"/>
-                <a:ea typeface="微軟正黑體" pitchFamily="34" charset="-120"/>
-              </a:rPr>
-              <a:t>救主</a:t>
-            </a:r>
-            <a:endParaRPr lang="en-US" altLang="zh-TW" sz="5400" b="1" cap="all" dirty="0" smtClean="0">
+              <a:rPr lang="zh-TW" altLang="en-US" sz="4800" b="1" cap="all" dirty="0">
+                <a:solidFill>
+                  <a:srgbClr val="000066"/>
+                </a:solidFill>
+                <a:latin typeface="微軟正黑體" pitchFamily="34" charset="-120"/>
+                <a:ea typeface="微軟正黑體" pitchFamily="34" charset="-120"/>
+              </a:rPr>
+              <a:t>天上群眾和撒那歌高唱</a:t>
+            </a:r>
+            <a:endParaRPr lang="zh-TW" altLang="en-US" sz="4800" b="1" cap="all" dirty="0">
               <a:solidFill>
-                <a:srgbClr val="002060"/>
+                <a:srgbClr val="000066"/>
               </a:solidFill>
               <a:latin typeface="微軟正黑體" pitchFamily="34" charset="-120"/>
               <a:ea typeface="微軟正黑體" pitchFamily="34" charset="-120"/>
             </a:endParaRPr>
           </a:p>
+        </p:txBody>
+      </p:sp>
+      <p:sp>
+        <p:nvSpPr>
+          <p:cNvPr id="3" name="TextBox 2"/>
+          <p:cNvSpPr txBox="1"/>
+          <p:nvPr/>
+        </p:nvSpPr>
+        <p:spPr>
+          <a:xfrm>
+            <a:off x="0" y="1707654"/>
+            <a:ext cx="966632" cy="830997"/>
+          </a:xfrm>
+          <a:prstGeom prst="rect">
+            <a:avLst/>
+          </a:prstGeom>
+          <a:noFill/>
+        </p:spPr>
+        <p:txBody>
+          <a:bodyPr wrap="square" rtlCol="0">
+            <a:spAutoFit/>
+          </a:bodyPr>
+          <a:lstStyle/>
+          <a:p>
+            <a:r>
+              <a:rPr lang="en-US" sz="4800" b="1" dirty="0" smtClean="0">
+                <a:solidFill>
+                  <a:srgbClr val="000066"/>
+                </a:solidFill>
+              </a:rPr>
+              <a:t>3</a:t>
+            </a:r>
+            <a:r>
+              <a:rPr lang="en-US" sz="4800" b="1" dirty="0" smtClean="0">
+                <a:solidFill>
+                  <a:srgbClr val="000066"/>
+                </a:solidFill>
+              </a:rPr>
+              <a:t>.</a:t>
+            </a:r>
+            <a:endParaRPr lang="vi-VN" sz="4800" b="1" dirty="0">
+              <a:solidFill>
+                <a:srgbClr val="000066"/>
+              </a:solidFill>
+            </a:endParaRPr>
+          </a:p>
+        </p:txBody>
+      </p:sp>
+    </p:spTree>
+    <p:extLst>
+      <p:ext uri="{BB962C8B-B14F-4D97-AF65-F5344CB8AC3E}">
+        <p14:creationId xmlns:p14="http://schemas.microsoft.com/office/powerpoint/2010/main" val="522995655"/>
+      </p:ext>
+    </p:extLst>
+  </p:cSld>
+  <p:clrMapOvr>
+    <a:masterClrMapping/>
+  </p:clrMapOvr>
+</p:sld>
+</file>
+
+<file path=ppt/slides/slide11.xml><?xml version="1.0" encoding="utf-8"?>
+<p:sld xmlns:a="http://schemas.openxmlformats.org/drawingml/2006/main" xmlns:r="http://schemas.openxmlformats.org/officeDocument/2006/relationships" xmlns:p="http://schemas.openxmlformats.org/presentationml/2006/main">
+  <p:cSld>
+    <p:spTree>
+      <p:nvGrpSpPr>
+        <p:cNvPr id="1" name=""/>
+        <p:cNvGrpSpPr/>
+        <p:nvPr/>
+      </p:nvGrpSpPr>
+      <p:grpSpPr>
+        <a:xfrm>
+          <a:off x="0" y="0"/>
+          <a:ext cx="0" cy="0"/>
+          <a:chOff x="0" y="0"/>
+          <a:chExt cx="0" cy="0"/>
+        </a:xfrm>
+      </p:grpSpPr>
+      <p:sp>
+        <p:nvSpPr>
+          <p:cNvPr id="5" name="內容版面配置區 4"/>
+          <p:cNvSpPr>
+            <a:spLocks noGrp="1"/>
+          </p:cNvSpPr>
+          <p:nvPr>
+            <p:ph idx="1"/>
+          </p:nvPr>
+        </p:nvSpPr>
+        <p:spPr>
+          <a:xfrm>
+            <a:off x="0" y="1563638"/>
+            <a:ext cx="9144000" cy="1803647"/>
+          </a:xfrm>
+        </p:spPr>
+        <p:txBody>
+          <a:bodyPr anchor="ctr">
+            <a:normAutofit/>
+          </a:bodyPr>
+          <a:lstStyle/>
           <a:p>
             <a:pPr algn="ctr">
               <a:buNone/>
             </a:pPr>
             <a:r>
-              <a:rPr lang="zh-TW" altLang="en-US" sz="5400" b="1" cap="all" dirty="0" smtClean="0">
-                <a:solidFill>
-                  <a:srgbClr val="002060"/>
-                </a:solidFill>
-                <a:latin typeface="微軟正黑體" pitchFamily="34" charset="-120"/>
-                <a:ea typeface="微軟正黑體" pitchFamily="34" charset="-120"/>
-              </a:rPr>
-              <a:t>全</a:t>
-            </a:r>
-            <a:r>
-              <a:rPr lang="zh-TW" altLang="en-US" sz="5400" b="1" cap="all" dirty="0">
-                <a:solidFill>
-                  <a:srgbClr val="002060"/>
-                </a:solidFill>
-                <a:latin typeface="微軟正黑體" pitchFamily="34" charset="-120"/>
-                <a:ea typeface="微軟正黑體" pitchFamily="34" charset="-120"/>
-              </a:rPr>
-              <a:t>地頌揚救主恩愛</a:t>
-            </a:r>
-            <a:r>
-              <a:rPr lang="zh-TW" altLang="en-US" sz="5400" b="1" cap="all" dirty="0" smtClean="0">
-                <a:solidFill>
-                  <a:srgbClr val="002060"/>
-                </a:solidFill>
-                <a:latin typeface="微軟正黑體" pitchFamily="34" charset="-120"/>
-                <a:ea typeface="微軟正黑體" pitchFamily="34" charset="-120"/>
-              </a:rPr>
-              <a:t>顯明</a:t>
-            </a:r>
-            <a:endParaRPr lang="zh-TW" altLang="en-US" sz="5400" b="1" cap="all" dirty="0">
+              <a:rPr lang="zh-TW" altLang="en-US" sz="4800" b="1" cap="all" dirty="0">
+                <a:solidFill>
+                  <a:srgbClr val="000066"/>
+                </a:solidFill>
+                <a:latin typeface="微軟正黑體" pitchFamily="34" charset="-120"/>
+                <a:ea typeface="微軟正黑體" pitchFamily="34" charset="-120"/>
+              </a:rPr>
+              <a:t>秉政掌權  永遠歌</a:t>
+            </a:r>
+            <a:r>
+              <a:rPr lang="zh-TW" altLang="en-US" sz="4800" b="1" cap="all" dirty="0" smtClean="0">
+                <a:solidFill>
+                  <a:srgbClr val="000066"/>
+                </a:solidFill>
+                <a:latin typeface="微軟正黑體" pitchFamily="34" charset="-120"/>
+                <a:ea typeface="微軟正黑體" pitchFamily="34" charset="-120"/>
+              </a:rPr>
+              <a:t>頌</a:t>
+            </a:r>
+            <a:r>
+              <a:rPr lang="zh-CN" altLang="en-US" sz="4800" b="1" cap="all" dirty="0">
+                <a:solidFill>
+                  <a:srgbClr val="000066"/>
+                </a:solidFill>
+                <a:latin typeface="微軟正黑體" pitchFamily="34" charset="-120"/>
+                <a:ea typeface="微軟正黑體" pitchFamily="34" charset="-120"/>
+              </a:rPr>
+              <a:t>救</a:t>
+            </a:r>
+            <a:r>
+              <a:rPr lang="zh-TW" altLang="en-US" sz="4800" b="1" cap="all" dirty="0" smtClean="0">
+                <a:solidFill>
+                  <a:srgbClr val="000066"/>
+                </a:solidFill>
+                <a:latin typeface="微軟正黑體" pitchFamily="34" charset="-120"/>
+                <a:ea typeface="微軟正黑體" pitchFamily="34" charset="-120"/>
+              </a:rPr>
+              <a:t>主</a:t>
+            </a:r>
+            <a:r>
+              <a:rPr lang="zh-TW" altLang="en-US" sz="4800" b="1" cap="all" dirty="0">
+                <a:solidFill>
+                  <a:srgbClr val="000066"/>
+                </a:solidFill>
+                <a:latin typeface="微軟正黑體" pitchFamily="34" charset="-120"/>
+                <a:ea typeface="微軟正黑體" pitchFamily="34" charset="-120"/>
+              </a:rPr>
+              <a:t>耶穌</a:t>
+            </a:r>
+            <a:endParaRPr lang="en-US" altLang="zh-TW" sz="4800" b="1" cap="all" dirty="0">
               <a:solidFill>
-                <a:srgbClr val="002060"/>
+                <a:srgbClr val="000066"/>
               </a:solidFill>
               <a:latin typeface="微軟正黑體" pitchFamily="34" charset="-120"/>
               <a:ea typeface="微軟正黑體" pitchFamily="34" charset="-120"/>
@@ -3228,64 +3524,370 @@
               <a:buNone/>
             </a:pPr>
             <a:r>
-              <a:rPr lang="zh-TW" altLang="en-US" sz="5400" b="1" cap="all" dirty="0">
-                <a:solidFill>
-                  <a:srgbClr val="002060"/>
-                </a:solidFill>
-                <a:latin typeface="微軟正黑體" pitchFamily="34" charset="-120"/>
-                <a:ea typeface="微軟正黑體" pitchFamily="34" charset="-120"/>
-              </a:rPr>
-              <a:t>讚美</a:t>
-            </a:r>
-            <a:r>
-              <a:rPr lang="zh-TW" altLang="en-US" sz="5400" b="1" cap="all" dirty="0" smtClean="0">
-                <a:solidFill>
-                  <a:srgbClr val="002060"/>
-                </a:solidFill>
-                <a:latin typeface="微軟正黑體" pitchFamily="34" charset="-120"/>
-                <a:ea typeface="微軟正黑體" pitchFamily="34" charset="-120"/>
-              </a:rPr>
-              <a:t>讚美 天上</a:t>
-            </a:r>
-            <a:r>
-              <a:rPr lang="zh-TW" altLang="en-US" sz="5400" b="1" cap="all" dirty="0">
-                <a:solidFill>
-                  <a:srgbClr val="002060"/>
-                </a:solidFill>
-                <a:latin typeface="微軟正黑體" pitchFamily="34" charset="-120"/>
-                <a:ea typeface="微軟正黑體" pitchFamily="34" charset="-120"/>
-              </a:rPr>
-              <a:t>群眾同歌頌</a:t>
-            </a:r>
-            <a:r>
-              <a:rPr lang="zh-TW" altLang="en-US" sz="5400" b="1" cap="all" dirty="0" smtClean="0">
-                <a:solidFill>
-                  <a:srgbClr val="002060"/>
-                </a:solidFill>
-                <a:latin typeface="微軟正黑體" pitchFamily="34" charset="-120"/>
-                <a:ea typeface="微軟正黑體" pitchFamily="34" charset="-120"/>
-              </a:rPr>
-              <a:t>主</a:t>
-            </a:r>
-          </a:p>
+              <a:rPr lang="zh-TW" altLang="en-US" sz="4800" b="1" cap="all" dirty="0">
+                <a:solidFill>
+                  <a:srgbClr val="000066"/>
+                </a:solidFill>
+                <a:latin typeface="微軟正黑體" pitchFamily="34" charset="-120"/>
+                <a:ea typeface="微軟正黑體" pitchFamily="34" charset="-120"/>
+              </a:rPr>
+              <a:t>加冠君王  先知大祭司長</a:t>
+            </a:r>
+            <a:endParaRPr lang="zh-TW" altLang="en-US" sz="4800" b="1" cap="all" dirty="0">
+              <a:solidFill>
+                <a:srgbClr val="000066"/>
+              </a:solidFill>
+              <a:latin typeface="微軟正黑體" pitchFamily="34" charset="-120"/>
+              <a:ea typeface="微軟正黑體" pitchFamily="34" charset="-120"/>
+            </a:endParaRPr>
+          </a:p>
+        </p:txBody>
+      </p:sp>
+      <p:sp>
+        <p:nvSpPr>
+          <p:cNvPr id="3" name="TextBox 2"/>
+          <p:cNvSpPr txBox="1"/>
+          <p:nvPr/>
+        </p:nvSpPr>
+        <p:spPr>
+          <a:xfrm>
+            <a:off x="0" y="1707654"/>
+            <a:ext cx="966632" cy="830997"/>
+          </a:xfrm>
+          <a:prstGeom prst="rect">
+            <a:avLst/>
+          </a:prstGeom>
+          <a:noFill/>
+        </p:spPr>
+        <p:txBody>
+          <a:bodyPr wrap="square" rtlCol="0">
+            <a:spAutoFit/>
+          </a:bodyPr>
+          <a:lstStyle/>
+          <a:p>
+            <a:r>
+              <a:rPr lang="en-US" sz="4800" b="1" dirty="0" smtClean="0">
+                <a:solidFill>
+                  <a:srgbClr val="000066"/>
+                </a:solidFill>
+              </a:rPr>
+              <a:t>3</a:t>
+            </a:r>
+            <a:r>
+              <a:rPr lang="en-US" sz="4800" b="1" dirty="0" smtClean="0">
+                <a:solidFill>
+                  <a:srgbClr val="000066"/>
+                </a:solidFill>
+              </a:rPr>
+              <a:t>.</a:t>
+            </a:r>
+            <a:endParaRPr lang="vi-VN" sz="4800" b="1" dirty="0">
+              <a:solidFill>
+                <a:srgbClr val="000066"/>
+              </a:solidFill>
+            </a:endParaRPr>
+          </a:p>
+        </p:txBody>
+      </p:sp>
+    </p:spTree>
+    <p:extLst>
+      <p:ext uri="{BB962C8B-B14F-4D97-AF65-F5344CB8AC3E}">
+        <p14:creationId xmlns:p14="http://schemas.microsoft.com/office/powerpoint/2010/main" val="3321638997"/>
+      </p:ext>
+    </p:extLst>
+  </p:cSld>
+  <p:clrMapOvr>
+    <a:masterClrMapping/>
+  </p:clrMapOvr>
+</p:sld>
+</file>
+
+<file path=ppt/slides/slide12.xml><?xml version="1.0" encoding="utf-8"?>
+<p:sld xmlns:a="http://schemas.openxmlformats.org/drawingml/2006/main" xmlns:r="http://schemas.openxmlformats.org/officeDocument/2006/relationships" xmlns:p="http://schemas.openxmlformats.org/presentationml/2006/main">
+  <p:cSld>
+    <p:spTree>
+      <p:nvGrpSpPr>
+        <p:cNvPr id="1" name=""/>
+        <p:cNvGrpSpPr/>
+        <p:nvPr/>
+      </p:nvGrpSpPr>
+      <p:grpSpPr>
+        <a:xfrm>
+          <a:off x="0" y="0"/>
+          <a:ext cx="0" cy="0"/>
+          <a:chOff x="0" y="0"/>
+          <a:chExt cx="0" cy="0"/>
+        </a:xfrm>
+      </p:grpSpPr>
+      <p:sp>
+        <p:nvSpPr>
+          <p:cNvPr id="5" name="內容版面配置區 4"/>
+          <p:cNvSpPr>
+            <a:spLocks noGrp="1"/>
+          </p:cNvSpPr>
+          <p:nvPr>
+            <p:ph idx="1"/>
+          </p:nvPr>
+        </p:nvSpPr>
+        <p:spPr>
+          <a:xfrm>
+            <a:off x="0" y="1563638"/>
+            <a:ext cx="9144000" cy="1803647"/>
+          </a:xfrm>
+        </p:spPr>
+        <p:txBody>
+          <a:bodyPr anchor="ctr">
+            <a:normAutofit/>
+          </a:bodyPr>
+          <a:lstStyle/>
           <a:p>
             <a:pPr algn="ctr">
               <a:buNone/>
             </a:pPr>
             <a:r>
-              <a:rPr lang="zh-TW" altLang="en-US" sz="5400" b="1" cap="all" dirty="0" smtClean="0">
-                <a:solidFill>
-                  <a:srgbClr val="002060"/>
-                </a:solidFill>
-                <a:latin typeface="微軟正黑體" pitchFamily="34" charset="-120"/>
-                <a:ea typeface="微軟正黑體" pitchFamily="34" charset="-120"/>
-              </a:rPr>
-              <a:t>尊貴榮耀都歸我主聖名</a:t>
-            </a:r>
+              <a:rPr lang="zh-TW" altLang="en-US" sz="4800" b="1" cap="all" dirty="0">
+                <a:solidFill>
+                  <a:srgbClr val="000066"/>
+                </a:solidFill>
+                <a:latin typeface="微軟正黑體" pitchFamily="34" charset="-120"/>
+                <a:ea typeface="微軟正黑體" pitchFamily="34" charset="-120"/>
+              </a:rPr>
+              <a:t>基督不日來  無膝不屈恭崇拜</a:t>
+            </a:r>
+            <a:endParaRPr lang="en-US" altLang="zh-TW" sz="4800" b="1" cap="all" dirty="0">
+              <a:solidFill>
+                <a:srgbClr val="000066"/>
+              </a:solidFill>
+              <a:latin typeface="微軟正黑體" pitchFamily="34" charset="-120"/>
+              <a:ea typeface="微軟正黑體" pitchFamily="34" charset="-120"/>
+            </a:endParaRPr>
+          </a:p>
+          <a:p>
+            <a:pPr algn="ctr">
+              <a:buNone/>
+            </a:pPr>
+            <a:r>
+              <a:rPr lang="zh-TW" altLang="en-US" sz="4800" b="1" cap="all" dirty="0">
+                <a:solidFill>
+                  <a:srgbClr val="000066"/>
+                </a:solidFill>
+                <a:latin typeface="微軟正黑體" pitchFamily="34" charset="-120"/>
+                <a:ea typeface="微軟正黑體" pitchFamily="34" charset="-120"/>
+              </a:rPr>
+              <a:t>權能榮耀  都歸主至萬代</a:t>
+            </a:r>
+            <a:endParaRPr lang="en-US" altLang="zh-TW" sz="4800" b="1" cap="all" dirty="0">
+              <a:solidFill>
+                <a:srgbClr val="000066"/>
+              </a:solidFill>
+              <a:latin typeface="微軟正黑體" pitchFamily="34" charset="-120"/>
+              <a:ea typeface="微軟正黑體" pitchFamily="34" charset="-120"/>
+            </a:endParaRPr>
+          </a:p>
+        </p:txBody>
+      </p:sp>
+      <p:sp>
+        <p:nvSpPr>
+          <p:cNvPr id="3" name="TextBox 2"/>
+          <p:cNvSpPr txBox="1"/>
+          <p:nvPr/>
+        </p:nvSpPr>
+        <p:spPr>
+          <a:xfrm>
+            <a:off x="0" y="1707654"/>
+            <a:ext cx="966632" cy="830997"/>
+          </a:xfrm>
+          <a:prstGeom prst="rect">
+            <a:avLst/>
+          </a:prstGeom>
+          <a:noFill/>
+        </p:spPr>
+        <p:txBody>
+          <a:bodyPr wrap="square" rtlCol="0">
+            <a:spAutoFit/>
+          </a:bodyPr>
+          <a:lstStyle/>
+          <a:p>
+            <a:r>
+              <a:rPr lang="en-US" sz="4800" b="1" dirty="0" smtClean="0">
+                <a:solidFill>
+                  <a:srgbClr val="000066"/>
+                </a:solidFill>
+              </a:rPr>
+              <a:t>3</a:t>
+            </a:r>
+            <a:r>
+              <a:rPr lang="en-US" sz="4800" b="1" dirty="0" smtClean="0">
+                <a:solidFill>
+                  <a:srgbClr val="000066"/>
+                </a:solidFill>
+              </a:rPr>
+              <a:t>.</a:t>
+            </a:r>
+            <a:endParaRPr lang="vi-VN" sz="4800" b="1" dirty="0">
+              <a:solidFill>
+                <a:srgbClr val="000066"/>
+              </a:solidFill>
+            </a:endParaRPr>
           </a:p>
         </p:txBody>
       </p:sp>
     </p:spTree>
+    <p:extLst>
+      <p:ext uri="{BB962C8B-B14F-4D97-AF65-F5344CB8AC3E}">
+        <p14:creationId xmlns:p14="http://schemas.microsoft.com/office/powerpoint/2010/main" val="2939306445"/>
+      </p:ext>
+    </p:extLst>
+  </p:cSld>
+  <p:clrMapOvr>
+    <a:masterClrMapping/>
+  </p:clrMapOvr>
+</p:sld>
+</file>
+
+<file path=ppt/slides/slide13.xml><?xml version="1.0" encoding="utf-8"?>
+<p:sld xmlns:a="http://schemas.openxmlformats.org/drawingml/2006/main" xmlns:r="http://schemas.openxmlformats.org/officeDocument/2006/relationships" xmlns:p="http://schemas.openxmlformats.org/presentationml/2006/main">
+  <p:cSld>
+    <p:spTree>
+      <p:nvGrpSpPr>
+        <p:cNvPr id="1" name=""/>
+        <p:cNvGrpSpPr/>
+        <p:nvPr/>
+      </p:nvGrpSpPr>
+      <p:grpSpPr>
+        <a:xfrm>
+          <a:off x="0" y="0"/>
+          <a:ext cx="0" cy="0"/>
+          <a:chOff x="0" y="0"/>
+          <a:chExt cx="0" cy="0"/>
+        </a:xfrm>
+      </p:grpSpPr>
+      <p:sp>
+        <p:nvSpPr>
+          <p:cNvPr id="5" name="內容版面配置區 4"/>
+          <p:cNvSpPr>
+            <a:spLocks noGrp="1"/>
+          </p:cNvSpPr>
+          <p:nvPr>
+            <p:ph idx="1"/>
+          </p:nvPr>
+        </p:nvSpPr>
+        <p:spPr>
+          <a:xfrm>
+            <a:off x="0" y="1563638"/>
+            <a:ext cx="9144000" cy="1803647"/>
+          </a:xfrm>
+        </p:spPr>
+        <p:txBody>
+          <a:bodyPr anchor="ctr">
+            <a:normAutofit/>
+          </a:bodyPr>
+          <a:lstStyle/>
+          <a:p>
+            <a:pPr algn="ctr">
+              <a:buNone/>
+            </a:pPr>
+            <a:r>
+              <a:rPr lang="zh-TW" altLang="en-US" sz="4800" b="1" cap="all" dirty="0">
+                <a:solidFill>
+                  <a:srgbClr val="000066"/>
+                </a:solidFill>
+                <a:latin typeface="微軟正黑體" pitchFamily="34" charset="-120"/>
+                <a:ea typeface="微軟正黑體" pitchFamily="34" charset="-120"/>
+              </a:rPr>
+              <a:t>讚美讚美</a:t>
+            </a:r>
+            <a:r>
+              <a:rPr lang="en-US" altLang="zh-TW" sz="4800" b="1" cap="all" dirty="0">
+                <a:solidFill>
+                  <a:srgbClr val="000066"/>
+                </a:solidFill>
+                <a:latin typeface="微軟正黑體" pitchFamily="34" charset="-120"/>
+                <a:ea typeface="微軟正黑體" pitchFamily="34" charset="-120"/>
+              </a:rPr>
+              <a:t>  </a:t>
+            </a:r>
+            <a:r>
+              <a:rPr lang="zh-TW" altLang="en-US" sz="4800" b="1" cap="all" dirty="0">
+                <a:solidFill>
+                  <a:srgbClr val="000066"/>
+                </a:solidFill>
+                <a:latin typeface="微軟正黑體" pitchFamily="34" charset="-120"/>
+                <a:ea typeface="微軟正黑體" pitchFamily="34" charset="-120"/>
+              </a:rPr>
+              <a:t>傳揚祂極大的仁愛</a:t>
+            </a:r>
+            <a:endParaRPr lang="en-US" altLang="zh-TW" sz="4800" b="1" cap="all" dirty="0">
+              <a:solidFill>
+                <a:srgbClr val="000066"/>
+              </a:solidFill>
+              <a:latin typeface="微軟正黑體" pitchFamily="34" charset="-120"/>
+              <a:ea typeface="微軟正黑體" pitchFamily="34" charset="-120"/>
+            </a:endParaRPr>
+          </a:p>
+          <a:p>
+            <a:pPr algn="ctr">
+              <a:buNone/>
+            </a:pPr>
+            <a:r>
+              <a:rPr lang="zh-TW" altLang="en-US" sz="4800" b="1" cap="all" dirty="0">
+                <a:solidFill>
+                  <a:srgbClr val="000066"/>
+                </a:solidFill>
+                <a:latin typeface="微軟正黑體" pitchFamily="34" charset="-120"/>
+                <a:ea typeface="微軟正黑體" pitchFamily="34" charset="-120"/>
+              </a:rPr>
+              <a:t>讚美讚美 </a:t>
+            </a:r>
+            <a:r>
+              <a:rPr lang="zh-TW" altLang="en-US" sz="4800" b="1" cap="all" dirty="0" smtClean="0">
+                <a:solidFill>
+                  <a:srgbClr val="000066"/>
+                </a:solidFill>
+                <a:latin typeface="微軟正黑體" pitchFamily="34" charset="-120"/>
+                <a:ea typeface="微軟正黑體" pitchFamily="34" charset="-120"/>
+              </a:rPr>
+              <a:t> 頌</a:t>
+            </a:r>
+            <a:r>
+              <a:rPr lang="zh-TW" altLang="en-US" sz="4800" b="1" cap="all" dirty="0">
+                <a:solidFill>
+                  <a:srgbClr val="000066"/>
+                </a:solidFill>
+                <a:latin typeface="微軟正黑體" pitchFamily="34" charset="-120"/>
+                <a:ea typeface="微軟正黑體" pitchFamily="34" charset="-120"/>
+              </a:rPr>
+              <a:t>揚主</a:t>
+            </a:r>
+            <a:r>
+              <a:rPr lang="zh-CN" altLang="en-US" sz="4800" b="1" cap="all" dirty="0">
+                <a:solidFill>
+                  <a:srgbClr val="000066"/>
+                </a:solidFill>
+                <a:latin typeface="微軟正黑體" pitchFamily="34" charset="-120"/>
+                <a:ea typeface="微軟正黑體" pitchFamily="34" charset="-120"/>
+              </a:rPr>
+              <a:t>名</a:t>
+            </a:r>
+            <a:r>
+              <a:rPr lang="zh-TW" altLang="en-US" sz="4800" b="1" cap="all" dirty="0">
+                <a:solidFill>
+                  <a:srgbClr val="000066"/>
+                </a:solidFill>
+                <a:latin typeface="微軟正黑體" pitchFamily="34" charset="-120"/>
+                <a:ea typeface="微軟正黑體" pitchFamily="34" charset="-120"/>
+              </a:rPr>
+              <a:t>萬代</a:t>
+            </a:r>
+          </a:p>
+        </p:txBody>
+      </p:sp>
+    </p:spTree>
+    <p:extLst>
+      <p:ext uri="{BB962C8B-B14F-4D97-AF65-F5344CB8AC3E}">
+        <p14:creationId xmlns:p14="http://schemas.microsoft.com/office/powerpoint/2010/main" val="3119310308"/>
+      </p:ext>
+    </p:extLst>
   </p:cSld>
   <p:clrMapOvr>
     <a:masterClrMapping/>
@@ -3312,271 +3914,155 @@
       </p:grpSpPr>
       <p:sp>
         <p:nvSpPr>
-          <p:cNvPr id="2" name="標題 1"/>
-          <p:cNvSpPr>
-            <a:spLocks noGrp="1"/>
-          </p:cNvSpPr>
-          <p:nvPr>
-            <p:ph type="title"/>
-          </p:nvPr>
-        </p:nvSpPr>
-        <p:spPr/>
-        <p:txBody>
-          <a:bodyPr/>
-          <a:lstStyle/>
-          <a:p>
-            <a:r>
-              <a:rPr lang="zh-CN" altLang="en-US" b="1" dirty="0" smtClean="0">
-                <a:solidFill>
-                  <a:srgbClr val="002060"/>
-                </a:solidFill>
-                <a:latin typeface="微軟正黑體" pitchFamily="34" charset="-120"/>
-                <a:ea typeface="微軟正黑體" pitchFamily="34" charset="-120"/>
-              </a:rPr>
-              <a:t>讚美讚美</a:t>
-            </a:r>
-            <a:endParaRPr lang="zh-TW" altLang="en-US" b="1" dirty="0">
+          <p:cNvPr id="5" name="內容版面配置區 4"/>
+          <p:cNvSpPr>
+            <a:spLocks noGrp="1"/>
+          </p:cNvSpPr>
+          <p:nvPr>
+            <p:ph idx="1"/>
+          </p:nvPr>
+        </p:nvSpPr>
+        <p:spPr>
+          <a:xfrm>
+            <a:off x="0" y="1563638"/>
+            <a:ext cx="9144000" cy="1803647"/>
+          </a:xfrm>
+        </p:spPr>
+        <p:txBody>
+          <a:bodyPr anchor="ctr">
+            <a:normAutofit/>
+          </a:bodyPr>
+          <a:lstStyle/>
+          <a:p>
+            <a:pPr algn="ctr">
+              <a:buNone/>
+            </a:pPr>
+            <a:r>
+              <a:rPr lang="zh-TW" altLang="en-US" sz="4800" b="1" cap="all" dirty="0" smtClean="0">
+                <a:solidFill>
+                  <a:srgbClr val="000066"/>
+                </a:solidFill>
+                <a:latin typeface="微軟正黑體" pitchFamily="34" charset="-120"/>
+                <a:ea typeface="微軟正黑體" pitchFamily="34" charset="-120"/>
+              </a:rPr>
+              <a:t>讚</a:t>
+            </a:r>
+            <a:r>
+              <a:rPr lang="zh-TW" altLang="en-US" sz="4800" b="1" cap="all" dirty="0">
+                <a:solidFill>
+                  <a:srgbClr val="000066"/>
+                </a:solidFill>
+                <a:latin typeface="微軟正黑體" pitchFamily="34" charset="-120"/>
+                <a:ea typeface="微軟正黑體" pitchFamily="34" charset="-120"/>
+              </a:rPr>
+              <a:t>美讚美 </a:t>
+            </a:r>
+            <a:r>
+              <a:rPr lang="zh-TW" altLang="en-US" sz="4800" b="1" cap="all" dirty="0" smtClean="0">
+                <a:solidFill>
+                  <a:srgbClr val="000066"/>
+                </a:solidFill>
+                <a:latin typeface="微軟正黑體" pitchFamily="34" charset="-120"/>
+                <a:ea typeface="微軟正黑體" pitchFamily="34" charset="-120"/>
+              </a:rPr>
+              <a:t> 耶</a:t>
+            </a:r>
+            <a:r>
+              <a:rPr lang="zh-TW" altLang="en-US" sz="4800" b="1" cap="all" dirty="0">
+                <a:solidFill>
+                  <a:srgbClr val="000066"/>
+                </a:solidFill>
+                <a:latin typeface="微軟正黑體" pitchFamily="34" charset="-120"/>
+                <a:ea typeface="微軟正黑體" pitchFamily="34" charset="-120"/>
+              </a:rPr>
+              <a:t>穌我親愛的救</a:t>
+            </a:r>
+            <a:r>
+              <a:rPr lang="zh-TW" altLang="en-US" sz="4800" b="1" cap="all" dirty="0" smtClean="0">
+                <a:solidFill>
+                  <a:srgbClr val="000066"/>
+                </a:solidFill>
+                <a:latin typeface="微軟正黑體" pitchFamily="34" charset="-120"/>
+                <a:ea typeface="微軟正黑體" pitchFamily="34" charset="-120"/>
+              </a:rPr>
+              <a:t>主</a:t>
+            </a:r>
+            <a:endParaRPr lang="en-US" altLang="zh-TW" sz="4800" b="1" cap="all" dirty="0" smtClean="0">
               <a:solidFill>
-                <a:srgbClr val="002060"/>
+                <a:srgbClr val="000066"/>
               </a:solidFill>
               <a:latin typeface="微軟正黑體" pitchFamily="34" charset="-120"/>
               <a:ea typeface="微軟正黑體" pitchFamily="34" charset="-120"/>
             </a:endParaRPr>
           </a:p>
-        </p:txBody>
-      </p:sp>
-      <p:sp>
-        <p:nvSpPr>
-          <p:cNvPr id="3" name="內容版面配置區 2"/>
-          <p:cNvSpPr>
-            <a:spLocks noGrp="1"/>
-          </p:cNvSpPr>
-          <p:nvPr>
-            <p:ph idx="1"/>
-          </p:nvPr>
-        </p:nvSpPr>
-        <p:spPr>
-          <a:xfrm>
-            <a:off x="0" y="1200150"/>
-            <a:ext cx="9144000" cy="3943350"/>
-          </a:xfrm>
-        </p:spPr>
-        <p:txBody>
-          <a:bodyPr>
-            <a:normAutofit/>
-          </a:bodyPr>
-          <a:lstStyle/>
           <a:p>
             <a:pPr algn="ctr">
               <a:buNone/>
             </a:pPr>
             <a:r>
-              <a:rPr lang="zh-TW" altLang="en-US" sz="5400" b="1" cap="all" dirty="0" smtClean="0">
-                <a:solidFill>
-                  <a:srgbClr val="002060"/>
-                </a:solidFill>
-                <a:latin typeface="微軟正黑體" pitchFamily="34" charset="-120"/>
-                <a:ea typeface="微軟正黑體" pitchFamily="34" charset="-120"/>
-              </a:rPr>
-              <a:t>耶穌</a:t>
-            </a:r>
-            <a:r>
-              <a:rPr lang="zh-TW" altLang="en-US" sz="5400" b="1" cap="all" dirty="0">
-                <a:solidFill>
-                  <a:srgbClr val="002060"/>
-                </a:solidFill>
-                <a:latin typeface="微軟正黑體" pitchFamily="34" charset="-120"/>
-                <a:ea typeface="微軟正黑體" pitchFamily="34" charset="-120"/>
-              </a:rPr>
-              <a:t>我</a:t>
-            </a:r>
-            <a:r>
-              <a:rPr lang="zh-TW" altLang="en-US" sz="5400" b="1" cap="all" dirty="0" smtClean="0">
-                <a:solidFill>
-                  <a:srgbClr val="002060"/>
-                </a:solidFill>
-                <a:latin typeface="微軟正黑體" pitchFamily="34" charset="-120"/>
-                <a:ea typeface="微軟正黑體" pitchFamily="34" charset="-120"/>
-              </a:rPr>
-              <a:t>牧人保護</a:t>
-            </a:r>
-            <a:r>
-              <a:rPr lang="zh-TW" altLang="en-US" sz="5400" b="1" cap="all" dirty="0">
-                <a:solidFill>
-                  <a:srgbClr val="002060"/>
-                </a:solidFill>
-                <a:latin typeface="微軟正黑體" pitchFamily="34" charset="-120"/>
-                <a:ea typeface="微軟正黑體" pitchFamily="34" charset="-120"/>
-              </a:rPr>
-              <a:t>我們如</a:t>
-            </a:r>
-            <a:r>
-              <a:rPr lang="zh-TW" altLang="en-US" sz="5400" b="1" cap="all" dirty="0" smtClean="0">
-                <a:solidFill>
-                  <a:srgbClr val="002060"/>
-                </a:solidFill>
-                <a:latin typeface="微軟正黑體" pitchFamily="34" charset="-120"/>
-                <a:ea typeface="微軟正黑體" pitchFamily="34" charset="-120"/>
-              </a:rPr>
-              <a:t>小羊</a:t>
-            </a:r>
-            <a:endParaRPr lang="en-US" altLang="zh-TW" sz="5400" b="1" cap="all" dirty="0" smtClean="0">
+              <a:rPr lang="zh-TW" altLang="en-US" sz="4800" b="1" cap="all" dirty="0" smtClean="0">
+                <a:solidFill>
+                  <a:srgbClr val="000066"/>
+                </a:solidFill>
+                <a:latin typeface="微軟正黑體" pitchFamily="34" charset="-120"/>
+                <a:ea typeface="微軟正黑體" pitchFamily="34" charset="-120"/>
+              </a:rPr>
+              <a:t>全地頌揚救主恩愛顯明</a:t>
+            </a:r>
+            <a:endParaRPr lang="zh-TW" altLang="en-US" sz="4800" b="1" cap="all" dirty="0">
               <a:solidFill>
-                <a:srgbClr val="002060"/>
+                <a:srgbClr val="000066"/>
               </a:solidFill>
               <a:latin typeface="微軟正黑體" pitchFamily="34" charset="-120"/>
               <a:ea typeface="微軟正黑體" pitchFamily="34" charset="-120"/>
             </a:endParaRPr>
           </a:p>
-          <a:p>
-            <a:pPr algn="ctr">
-              <a:buNone/>
-            </a:pPr>
-            <a:r>
-              <a:rPr lang="zh-TW" altLang="en-US" sz="5400" b="1" cap="all" dirty="0" smtClean="0">
-                <a:solidFill>
-                  <a:srgbClr val="002060"/>
-                </a:solidFill>
-                <a:latin typeface="微軟正黑體" pitchFamily="34" charset="-120"/>
-                <a:ea typeface="微軟正黑體" pitchFamily="34" charset="-120"/>
-              </a:rPr>
-              <a:t>終日懷抱</a:t>
-            </a:r>
-            <a:r>
-              <a:rPr lang="en-US" altLang="zh-TW" sz="5400" b="1" cap="all" dirty="0" smtClean="0">
-                <a:solidFill>
-                  <a:srgbClr val="002060"/>
-                </a:solidFill>
-                <a:latin typeface="微軟正黑體" pitchFamily="34" charset="-120"/>
-                <a:ea typeface="微軟正黑體" pitchFamily="34" charset="-120"/>
-              </a:rPr>
-              <a:t> </a:t>
-            </a:r>
-            <a:r>
-              <a:rPr lang="zh-TW" altLang="en-US" sz="5400" b="1" cap="all" dirty="0" smtClean="0">
-                <a:solidFill>
-                  <a:srgbClr val="002060"/>
-                </a:solidFill>
-                <a:latin typeface="微軟正黑體" pitchFamily="34" charset="-120"/>
-                <a:ea typeface="微軟正黑體" pitchFamily="34" charset="-120"/>
-              </a:rPr>
-              <a:t>免</a:t>
-            </a:r>
-            <a:r>
-              <a:rPr lang="zh-TW" altLang="en-US" sz="5400" b="1" cap="all" dirty="0">
-                <a:solidFill>
-                  <a:srgbClr val="002060"/>
-                </a:solidFill>
-                <a:latin typeface="微軟正黑體" pitchFamily="34" charset="-120"/>
-                <a:ea typeface="微軟正黑體" pitchFamily="34" charset="-120"/>
-              </a:rPr>
-              <a:t>彼小羊</a:t>
-            </a:r>
-            <a:r>
-              <a:rPr lang="zh-TW" altLang="en-US" sz="5400" b="1" cap="all" dirty="0" smtClean="0">
-                <a:solidFill>
-                  <a:srgbClr val="002060"/>
-                </a:solidFill>
-                <a:latin typeface="微軟正黑體" pitchFamily="34" charset="-120"/>
-                <a:ea typeface="微軟正黑體" pitchFamily="34" charset="-120"/>
-              </a:rPr>
-              <a:t>受傷</a:t>
-            </a:r>
-            <a:endParaRPr lang="en-US" altLang="zh-TW" sz="5400" b="1" cap="all" dirty="0" smtClean="0">
+        </p:txBody>
+      </p:sp>
+      <p:sp>
+        <p:nvSpPr>
+          <p:cNvPr id="3" name="TextBox 2"/>
+          <p:cNvSpPr txBox="1"/>
+          <p:nvPr/>
+        </p:nvSpPr>
+        <p:spPr>
+          <a:xfrm>
+            <a:off x="0" y="1707654"/>
+            <a:ext cx="966632" cy="830997"/>
+          </a:xfrm>
+          <a:prstGeom prst="rect">
+            <a:avLst/>
+          </a:prstGeom>
+          <a:noFill/>
+        </p:spPr>
+        <p:txBody>
+          <a:bodyPr wrap="square" rtlCol="0">
+            <a:spAutoFit/>
+          </a:bodyPr>
+          <a:lstStyle/>
+          <a:p>
+            <a:r>
+              <a:rPr lang="en-US" sz="4800" b="1" dirty="0" smtClean="0">
+                <a:solidFill>
+                  <a:srgbClr val="000066"/>
+                </a:solidFill>
+              </a:rPr>
+              <a:t>1.</a:t>
+            </a:r>
+            <a:endParaRPr lang="vi-VN" sz="4800" b="1" dirty="0">
               <a:solidFill>
-                <a:srgbClr val="002060"/>
+                <a:srgbClr val="000066"/>
               </a:solidFill>
-              <a:latin typeface="微軟正黑體" pitchFamily="34" charset="-120"/>
-              <a:ea typeface="微軟正黑體" pitchFamily="34" charset="-120"/>
             </a:endParaRPr>
           </a:p>
-          <a:p>
-            <a:pPr algn="ctr">
-              <a:buNone/>
-            </a:pPr>
-            <a:r>
-              <a:rPr lang="zh-TW" altLang="en-US" sz="5400" b="1" cap="all" dirty="0" smtClean="0">
-                <a:solidFill>
-                  <a:srgbClr val="002060"/>
-                </a:solidFill>
-                <a:latin typeface="微軟正黑體" pitchFamily="34" charset="-120"/>
-                <a:ea typeface="微軟正黑體" pitchFamily="34" charset="-120"/>
-              </a:rPr>
-              <a:t>讚美讚美</a:t>
-            </a:r>
-            <a:r>
-              <a:rPr lang="en-US" altLang="zh-TW" sz="5400" b="1" cap="all" dirty="0" smtClean="0">
-                <a:solidFill>
-                  <a:srgbClr val="002060"/>
-                </a:solidFill>
-                <a:latin typeface="微軟正黑體" pitchFamily="34" charset="-120"/>
-                <a:ea typeface="微軟正黑體" pitchFamily="34" charset="-120"/>
-              </a:rPr>
-              <a:t>  </a:t>
-            </a:r>
-            <a:r>
-              <a:rPr lang="zh-TW" altLang="en-US" sz="5400" b="1" cap="all" dirty="0" smtClean="0">
-                <a:solidFill>
-                  <a:srgbClr val="002060"/>
-                </a:solidFill>
-                <a:latin typeface="微軟正黑體" pitchFamily="34" charset="-120"/>
-                <a:ea typeface="微軟正黑體" pitchFamily="34" charset="-120"/>
-              </a:rPr>
-              <a:t>傳揚祂極大的仁愛</a:t>
-            </a:r>
-            <a:endParaRPr lang="en-US" altLang="zh-TW" sz="5400" b="1" cap="all" dirty="0" smtClean="0">
-              <a:solidFill>
-                <a:srgbClr val="002060"/>
-              </a:solidFill>
-              <a:latin typeface="微軟正黑體" pitchFamily="34" charset="-120"/>
-              <a:ea typeface="微軟正黑體" pitchFamily="34" charset="-120"/>
-            </a:endParaRPr>
-          </a:p>
-          <a:p>
-            <a:pPr algn="ctr">
-              <a:buNone/>
-            </a:pPr>
-            <a:r>
-              <a:rPr lang="zh-TW" altLang="en-US" sz="5400" b="1" cap="all" dirty="0" smtClean="0">
-                <a:solidFill>
-                  <a:srgbClr val="002060"/>
-                </a:solidFill>
-                <a:latin typeface="微軟正黑體" pitchFamily="34" charset="-120"/>
-                <a:ea typeface="微軟正黑體" pitchFamily="34" charset="-120"/>
-              </a:rPr>
-              <a:t>讚美讚美 頌揚主</a:t>
-            </a:r>
-            <a:r>
-              <a:rPr lang="zh-CN" altLang="en-US" sz="5400" b="1" cap="all" smtClean="0">
-                <a:solidFill>
-                  <a:srgbClr val="002060"/>
-                </a:solidFill>
-                <a:latin typeface="微軟正黑體" pitchFamily="34" charset="-120"/>
-                <a:ea typeface="微軟正黑體" pitchFamily="34" charset="-120"/>
-              </a:rPr>
-              <a:t>名</a:t>
-            </a:r>
-            <a:r>
-              <a:rPr lang="zh-TW" altLang="en-US" sz="5400" b="1" cap="all" smtClean="0">
-                <a:solidFill>
-                  <a:srgbClr val="002060"/>
-                </a:solidFill>
-                <a:latin typeface="微軟正黑體" pitchFamily="34" charset="-120"/>
-                <a:ea typeface="微軟正黑體" pitchFamily="34" charset="-120"/>
-              </a:rPr>
-              <a:t>萬代</a:t>
-            </a:r>
-            <a:endParaRPr lang="zh-TW" altLang="en-US" sz="5400" b="1" cap="all" dirty="0" smtClean="0">
-              <a:solidFill>
-                <a:srgbClr val="002060"/>
-              </a:solidFill>
-              <a:latin typeface="微軟正黑體" pitchFamily="34" charset="-120"/>
-              <a:ea typeface="微軟正黑體" pitchFamily="34" charset="-120"/>
-            </a:endParaRPr>
-          </a:p>
         </p:txBody>
       </p:sp>
     </p:spTree>
+    <p:extLst>
+      <p:ext uri="{BB962C8B-B14F-4D97-AF65-F5344CB8AC3E}">
+        <p14:creationId xmlns:p14="http://schemas.microsoft.com/office/powerpoint/2010/main" val="1106490392"/>
+      </p:ext>
+    </p:extLst>
   </p:cSld>
   <p:clrMapOvr>
     <a:masterClrMapping/>
@@ -3603,42 +4089,7 @@
       </p:grpSpPr>
       <p:sp>
         <p:nvSpPr>
-          <p:cNvPr id="2" name="標題 1"/>
-          <p:cNvSpPr>
-            <a:spLocks noGrp="1"/>
-          </p:cNvSpPr>
-          <p:nvPr>
-            <p:ph type="title"/>
-          </p:nvPr>
-        </p:nvSpPr>
-        <p:spPr/>
-        <p:txBody>
-          <a:bodyPr/>
-          <a:lstStyle/>
-          <a:p>
-            <a:r>
-              <a:rPr lang="zh-CN" altLang="en-US" b="1" dirty="0" smtClean="0">
-                <a:solidFill>
-                  <a:srgbClr val="002060"/>
-                </a:solidFill>
-                <a:latin typeface="微軟正黑體" pitchFamily="34" charset="-120"/>
-                <a:ea typeface="微軟正黑體" pitchFamily="34" charset="-120"/>
-              </a:rPr>
-              <a:t>讚美讚美</a:t>
-            </a:r>
-            <a:endParaRPr lang="zh-TW" altLang="en-US" b="1" dirty="0">
-              <a:solidFill>
-                <a:srgbClr val="002060"/>
-              </a:solidFill>
-              <a:latin typeface="微軟正黑體" pitchFamily="34" charset="-120"/>
-              <a:ea typeface="微軟正黑體" pitchFamily="34" charset="-120"/>
-            </a:endParaRPr>
-          </a:p>
-        </p:txBody>
-      </p:sp>
-      <p:sp>
-        <p:nvSpPr>
-          <p:cNvPr id="3" name="內容版面配置區 2"/>
+          <p:cNvPr id="5" name="內容版面配置區 4"/>
           <p:cNvSpPr>
             <a:spLocks noGrp="1"/>
           </p:cNvSpPr>
@@ -3648,13 +4099,13 @@
         </p:nvSpPr>
         <p:spPr>
           <a:xfrm>
-            <a:off x="0" y="1200150"/>
-            <a:ext cx="9144000" cy="3943350"/>
+            <a:off x="0" y="1563638"/>
+            <a:ext cx="9144000" cy="1803647"/>
           </a:xfrm>
         </p:spPr>
         <p:txBody>
-          <a:bodyPr>
-            <a:noAutofit/>
+          <a:bodyPr anchor="ctr">
+            <a:normAutofit/>
           </a:bodyPr>
           <a:lstStyle/>
           <a:p>
@@ -3662,162 +4113,97 @@
               <a:buNone/>
             </a:pPr>
             <a:r>
-              <a:rPr lang="zh-TW" altLang="en-US" sz="5400" b="1" cap="all" dirty="0" smtClean="0">
-                <a:solidFill>
-                  <a:srgbClr val="002060"/>
-                </a:solidFill>
-                <a:latin typeface="微軟正黑體" pitchFamily="34" charset="-120"/>
-                <a:ea typeface="微軟正黑體" pitchFamily="34" charset="-120"/>
-              </a:rPr>
-              <a:t>讚美</a:t>
-            </a:r>
-            <a:r>
-              <a:rPr lang="zh-TW" altLang="en-US" sz="5400" b="1" cap="all" dirty="0">
-                <a:solidFill>
-                  <a:srgbClr val="002060"/>
-                </a:solidFill>
-                <a:latin typeface="微軟正黑體" pitchFamily="34" charset="-120"/>
-                <a:ea typeface="微軟正黑體" pitchFamily="34" charset="-120"/>
-              </a:rPr>
-              <a:t>讚美 耶穌我親愛的</a:t>
-            </a:r>
-            <a:r>
-              <a:rPr lang="zh-TW" altLang="en-US" sz="5400" b="1" cap="all" dirty="0" smtClean="0">
-                <a:solidFill>
-                  <a:srgbClr val="002060"/>
-                </a:solidFill>
-                <a:latin typeface="微軟正黑體" pitchFamily="34" charset="-120"/>
-                <a:ea typeface="微軟正黑體" pitchFamily="34" charset="-120"/>
-              </a:rPr>
-              <a:t>救主</a:t>
-            </a:r>
-            <a:endParaRPr lang="en-US" altLang="zh-TW" sz="5400" b="1" cap="all" dirty="0" smtClean="0">
+              <a:rPr lang="zh-TW" altLang="en-US" sz="4800" b="1" cap="all" dirty="0">
+                <a:solidFill>
+                  <a:srgbClr val="000066"/>
+                </a:solidFill>
+                <a:latin typeface="微軟正黑體" pitchFamily="34" charset="-120"/>
+                <a:ea typeface="微軟正黑體" pitchFamily="34" charset="-120"/>
+              </a:rPr>
+              <a:t>讚美讚</a:t>
+            </a:r>
+            <a:r>
+              <a:rPr lang="zh-TW" altLang="en-US" sz="4800" b="1" cap="all" dirty="0" smtClean="0">
+                <a:solidFill>
+                  <a:srgbClr val="000066"/>
+                </a:solidFill>
+                <a:latin typeface="微軟正黑體" pitchFamily="34" charset="-120"/>
+                <a:ea typeface="微軟正黑體" pitchFamily="34" charset="-120"/>
+              </a:rPr>
+              <a:t>美  天</a:t>
+            </a:r>
+            <a:r>
+              <a:rPr lang="zh-TW" altLang="en-US" sz="4800" b="1" cap="all" dirty="0">
+                <a:solidFill>
+                  <a:srgbClr val="000066"/>
+                </a:solidFill>
+                <a:latin typeface="微軟正黑體" pitchFamily="34" charset="-120"/>
+                <a:ea typeface="微軟正黑體" pitchFamily="34" charset="-120"/>
+              </a:rPr>
+              <a:t>上群眾同歌頌主</a:t>
+            </a:r>
+          </a:p>
+          <a:p>
+            <a:pPr algn="ctr">
+              <a:buNone/>
+            </a:pPr>
+            <a:r>
+              <a:rPr lang="zh-TW" altLang="en-US" sz="4800" b="1" cap="all" dirty="0">
+                <a:solidFill>
+                  <a:srgbClr val="000066"/>
+                </a:solidFill>
+                <a:latin typeface="微軟正黑體" pitchFamily="34" charset="-120"/>
+                <a:ea typeface="微軟正黑體" pitchFamily="34" charset="-120"/>
+              </a:rPr>
+              <a:t>尊貴榮耀都歸我主聖名</a:t>
+            </a:r>
+          </a:p>
+        </p:txBody>
+      </p:sp>
+      <p:sp>
+        <p:nvSpPr>
+          <p:cNvPr id="3" name="TextBox 2"/>
+          <p:cNvSpPr txBox="1"/>
+          <p:nvPr/>
+        </p:nvSpPr>
+        <p:spPr>
+          <a:xfrm>
+            <a:off x="0" y="1707654"/>
+            <a:ext cx="966632" cy="830997"/>
+          </a:xfrm>
+          <a:prstGeom prst="rect">
+            <a:avLst/>
+          </a:prstGeom>
+          <a:noFill/>
+        </p:spPr>
+        <p:txBody>
+          <a:bodyPr wrap="square" rtlCol="0">
+            <a:spAutoFit/>
+          </a:bodyPr>
+          <a:lstStyle/>
+          <a:p>
+            <a:r>
+              <a:rPr lang="en-US" sz="4800" b="1" dirty="0" smtClean="0">
+                <a:solidFill>
+                  <a:srgbClr val="000066"/>
+                </a:solidFill>
+              </a:rPr>
+              <a:t>1.</a:t>
+            </a:r>
+            <a:endParaRPr lang="vi-VN" sz="4800" b="1" dirty="0">
               <a:solidFill>
-                <a:srgbClr val="002060"/>
+                <a:srgbClr val="000066"/>
               </a:solidFill>
-              <a:latin typeface="微軟正黑體" pitchFamily="34" charset="-120"/>
-              <a:ea typeface="微軟正黑體" pitchFamily="34" charset="-120"/>
             </a:endParaRPr>
           </a:p>
-          <a:p>
-            <a:pPr algn="ctr">
-              <a:buNone/>
-            </a:pPr>
-            <a:r>
-              <a:rPr lang="zh-TW" altLang="en-US" sz="5400" b="1" cap="all" dirty="0" smtClean="0">
-                <a:solidFill>
-                  <a:srgbClr val="002060"/>
-                </a:solidFill>
-                <a:latin typeface="微軟正黑體" pitchFamily="34" charset="-120"/>
-                <a:ea typeface="微軟正黑體" pitchFamily="34" charset="-120"/>
-              </a:rPr>
-              <a:t>為人</a:t>
-            </a:r>
-            <a:r>
-              <a:rPr lang="zh-TW" altLang="en-US" sz="5400" b="1" cap="all" dirty="0">
-                <a:solidFill>
-                  <a:srgbClr val="002060"/>
-                </a:solidFill>
-                <a:latin typeface="微軟正黑體" pitchFamily="34" charset="-120"/>
-                <a:ea typeface="微軟正黑體" pitchFamily="34" charset="-120"/>
-              </a:rPr>
-              <a:t>罪過受死在十架</a:t>
-            </a:r>
-            <a:r>
-              <a:rPr lang="zh-TW" altLang="en-US" sz="5400" b="1" cap="all" dirty="0" smtClean="0">
-                <a:solidFill>
-                  <a:srgbClr val="002060"/>
-                </a:solidFill>
-                <a:latin typeface="微軟正黑體" pitchFamily="34" charset="-120"/>
-                <a:ea typeface="微軟正黑體" pitchFamily="34" charset="-120"/>
-              </a:rPr>
-              <a:t>上</a:t>
-            </a:r>
-            <a:endParaRPr lang="zh-TW" altLang="en-US" sz="5400" b="1" cap="all" dirty="0">
-              <a:solidFill>
-                <a:srgbClr val="002060"/>
-              </a:solidFill>
-              <a:latin typeface="微軟正黑體" pitchFamily="34" charset="-120"/>
-              <a:ea typeface="微軟正黑體" pitchFamily="34" charset="-120"/>
-            </a:endParaRPr>
-          </a:p>
-          <a:p>
-            <a:pPr algn="ctr">
-              <a:buNone/>
-            </a:pPr>
-            <a:r>
-              <a:rPr lang="zh-TW" altLang="en-US" sz="5400" b="1" cap="all" dirty="0">
-                <a:solidFill>
-                  <a:srgbClr val="002060"/>
-                </a:solidFill>
-                <a:latin typeface="微軟正黑體" pitchFamily="34" charset="-120"/>
-                <a:ea typeface="微軟正黑體" pitchFamily="34" charset="-120"/>
-              </a:rPr>
-              <a:t>救恩靈磐 永生希望在於</a:t>
-            </a:r>
-            <a:r>
-              <a:rPr lang="zh-TW" altLang="en-US" sz="5400" b="1" cap="all" dirty="0" smtClean="0">
-                <a:solidFill>
-                  <a:srgbClr val="002060"/>
-                </a:solidFill>
-                <a:latin typeface="微軟正黑體" pitchFamily="34" charset="-120"/>
-                <a:ea typeface="微軟正黑體" pitchFamily="34" charset="-120"/>
-              </a:rPr>
-              <a:t>耶穌</a:t>
-            </a:r>
-            <a:endParaRPr lang="en-US" altLang="zh-TW" sz="5400" b="1" cap="all" dirty="0" smtClean="0">
-              <a:solidFill>
-                <a:srgbClr val="002060"/>
-              </a:solidFill>
-              <a:latin typeface="微軟正黑體" pitchFamily="34" charset="-120"/>
-              <a:ea typeface="微軟正黑體" pitchFamily="34" charset="-120"/>
-            </a:endParaRPr>
-          </a:p>
-          <a:p>
-            <a:pPr algn="ctr">
-              <a:buNone/>
-            </a:pPr>
-            <a:r>
-              <a:rPr lang="zh-TW" altLang="en-US" sz="5400" b="1" cap="all" dirty="0" smtClean="0">
-                <a:solidFill>
-                  <a:srgbClr val="002060"/>
-                </a:solidFill>
-                <a:latin typeface="微軟正黑體" pitchFamily="34" charset="-120"/>
-                <a:ea typeface="微軟正黑體" pitchFamily="34" charset="-120"/>
-              </a:rPr>
-              <a:t>歡呼</a:t>
-            </a:r>
-            <a:r>
-              <a:rPr lang="zh-TW" altLang="en-US" sz="5400" b="1" cap="all" dirty="0">
-                <a:solidFill>
-                  <a:srgbClr val="002060"/>
-                </a:solidFill>
-                <a:latin typeface="微軟正黑體" pitchFamily="34" charset="-120"/>
-                <a:ea typeface="微軟正黑體" pitchFamily="34" charset="-120"/>
-              </a:rPr>
-              <a:t>讚美我罪耶穌</a:t>
-            </a:r>
-            <a:r>
-              <a:rPr lang="zh-TW" altLang="en-US" sz="5400" b="1" cap="all" dirty="0" smtClean="0">
-                <a:solidFill>
-                  <a:srgbClr val="002060"/>
-                </a:solidFill>
-                <a:latin typeface="微軟正黑體" pitchFamily="34" charset="-120"/>
-                <a:ea typeface="微軟正黑體" pitchFamily="34" charset="-120"/>
-              </a:rPr>
-              <a:t>擔當</a:t>
-            </a:r>
-            <a:endParaRPr lang="zh-TW" altLang="en-US" sz="5400" b="1" cap="all" dirty="0">
-              <a:solidFill>
-                <a:srgbClr val="002060"/>
-              </a:solidFill>
-              <a:latin typeface="微軟正黑體" pitchFamily="34" charset="-120"/>
-              <a:ea typeface="微軟正黑體" pitchFamily="34" charset="-120"/>
-            </a:endParaRPr>
-          </a:p>
         </p:txBody>
       </p:sp>
     </p:spTree>
+    <p:extLst>
+      <p:ext uri="{BB962C8B-B14F-4D97-AF65-F5344CB8AC3E}">
+        <p14:creationId xmlns:p14="http://schemas.microsoft.com/office/powerpoint/2010/main" val="1474244814"/>
+      </p:ext>
+    </p:extLst>
   </p:cSld>
   <p:clrMapOvr>
     <a:masterClrMapping/>
@@ -3844,204 +4230,175 @@
       </p:grpSpPr>
       <p:sp>
         <p:nvSpPr>
-          <p:cNvPr id="2" name="標題 1"/>
-          <p:cNvSpPr>
-            <a:spLocks noGrp="1"/>
-          </p:cNvSpPr>
-          <p:nvPr>
-            <p:ph type="title"/>
-          </p:nvPr>
-        </p:nvSpPr>
-        <p:spPr/>
-        <p:txBody>
-          <a:bodyPr/>
-          <a:lstStyle/>
-          <a:p>
-            <a:r>
-              <a:rPr lang="zh-CN" altLang="en-US" b="1" dirty="0" smtClean="0">
-                <a:solidFill>
-                  <a:srgbClr val="002060"/>
-                </a:solidFill>
-                <a:latin typeface="微軟正黑體" pitchFamily="34" charset="-120"/>
-                <a:ea typeface="微軟正黑體" pitchFamily="34" charset="-120"/>
-              </a:rPr>
-              <a:t>讚美讚美</a:t>
-            </a:r>
-            <a:endParaRPr lang="zh-TW" altLang="en-US" b="1" dirty="0">
+          <p:cNvPr id="5" name="內容版面配置區 4"/>
+          <p:cNvSpPr>
+            <a:spLocks noGrp="1"/>
+          </p:cNvSpPr>
+          <p:nvPr>
+            <p:ph idx="1"/>
+          </p:nvPr>
+        </p:nvSpPr>
+        <p:spPr>
+          <a:xfrm>
+            <a:off x="0" y="1563638"/>
+            <a:ext cx="9144000" cy="1803647"/>
+          </a:xfrm>
+        </p:spPr>
+        <p:txBody>
+          <a:bodyPr anchor="ctr">
+            <a:normAutofit/>
+          </a:bodyPr>
+          <a:lstStyle/>
+          <a:p>
+            <a:pPr algn="ctr">
+              <a:buNone/>
+            </a:pPr>
+            <a:r>
+              <a:rPr lang="zh-TW" altLang="en-US" sz="4800" b="1" cap="all" dirty="0">
+                <a:solidFill>
+                  <a:srgbClr val="000066"/>
+                </a:solidFill>
+                <a:latin typeface="微軟正黑體" pitchFamily="34" charset="-120"/>
+                <a:ea typeface="微軟正黑體" pitchFamily="34" charset="-120"/>
+              </a:rPr>
+              <a:t>耶穌我牧</a:t>
+            </a:r>
+            <a:r>
+              <a:rPr lang="zh-TW" altLang="en-US" sz="4800" b="1" cap="all" dirty="0" smtClean="0">
+                <a:solidFill>
+                  <a:srgbClr val="000066"/>
+                </a:solidFill>
+                <a:latin typeface="微軟正黑體" pitchFamily="34" charset="-120"/>
+                <a:ea typeface="微軟正黑體" pitchFamily="34" charset="-120"/>
+              </a:rPr>
+              <a:t>人保</a:t>
+            </a:r>
+            <a:r>
+              <a:rPr lang="zh-TW" altLang="en-US" sz="4800" b="1" cap="all" dirty="0">
+                <a:solidFill>
+                  <a:srgbClr val="000066"/>
+                </a:solidFill>
+                <a:latin typeface="微軟正黑體" pitchFamily="34" charset="-120"/>
+                <a:ea typeface="微軟正黑體" pitchFamily="34" charset="-120"/>
+              </a:rPr>
+              <a:t>護我們如小羊</a:t>
+            </a:r>
+            <a:endParaRPr lang="en-US" altLang="zh-TW" sz="4800" b="1" cap="all" dirty="0">
               <a:solidFill>
-                <a:srgbClr val="002060"/>
+                <a:srgbClr val="000066"/>
               </a:solidFill>
               <a:latin typeface="微軟正黑體" pitchFamily="34" charset="-120"/>
               <a:ea typeface="微軟正黑體" pitchFamily="34" charset="-120"/>
             </a:endParaRPr>
           </a:p>
-        </p:txBody>
-      </p:sp>
-      <p:sp>
-        <p:nvSpPr>
-          <p:cNvPr id="3" name="內容版面配置區 2"/>
-          <p:cNvSpPr>
-            <a:spLocks noGrp="1"/>
-          </p:cNvSpPr>
-          <p:nvPr>
-            <p:ph idx="1"/>
-          </p:nvPr>
-        </p:nvSpPr>
-        <p:spPr>
-          <a:xfrm>
-            <a:off x="0" y="964395"/>
-            <a:ext cx="9144000" cy="4179105"/>
-          </a:xfrm>
-        </p:spPr>
-        <p:txBody>
-          <a:bodyPr anchor="ctr">
-            <a:normAutofit/>
-          </a:bodyPr>
-          <a:lstStyle/>
           <a:p>
             <a:pPr algn="ctr">
               <a:buNone/>
             </a:pPr>
             <a:r>
-              <a:rPr lang="zh-TW" altLang="en-US" sz="5400" b="1" cap="all" dirty="0" smtClean="0">
-                <a:solidFill>
-                  <a:srgbClr val="002060"/>
-                </a:solidFill>
-                <a:latin typeface="微軟正黑體" pitchFamily="34" charset="-120"/>
-                <a:ea typeface="微軟正黑體" pitchFamily="34" charset="-120"/>
-              </a:rPr>
-              <a:t>頌讚主聖名  除盡心裡之憂傷</a:t>
-            </a:r>
-            <a:endParaRPr lang="en-US" altLang="zh-TW" sz="5400" b="1" cap="all" dirty="0" smtClean="0">
+              <a:rPr lang="zh-TW" altLang="en-US" sz="4800" b="1" cap="all" dirty="0">
+                <a:solidFill>
+                  <a:srgbClr val="000066"/>
+                </a:solidFill>
+                <a:latin typeface="微軟正黑體" pitchFamily="34" charset="-120"/>
+                <a:ea typeface="微軟正黑體" pitchFamily="34" charset="-120"/>
+              </a:rPr>
+              <a:t>終日懷抱</a:t>
+            </a:r>
+            <a:r>
+              <a:rPr lang="en-US" altLang="zh-TW" sz="4800" b="1" cap="all" dirty="0">
+                <a:solidFill>
+                  <a:srgbClr val="000066"/>
+                </a:solidFill>
+                <a:latin typeface="微軟正黑體" pitchFamily="34" charset="-120"/>
+                <a:ea typeface="微軟正黑體" pitchFamily="34" charset="-120"/>
+              </a:rPr>
+              <a:t> </a:t>
+            </a:r>
+            <a:r>
+              <a:rPr lang="en-US" altLang="zh-TW" sz="4800" b="1" cap="all" dirty="0" smtClean="0">
+                <a:solidFill>
+                  <a:srgbClr val="000066"/>
+                </a:solidFill>
+                <a:latin typeface="微軟正黑體" pitchFamily="34" charset="-120"/>
+                <a:ea typeface="微軟正黑體" pitchFamily="34" charset="-120"/>
+              </a:rPr>
+              <a:t> </a:t>
+            </a:r>
+            <a:r>
+              <a:rPr lang="zh-TW" altLang="en-US" sz="4800" b="1" cap="all" dirty="0" smtClean="0">
+                <a:solidFill>
+                  <a:srgbClr val="000066"/>
+                </a:solidFill>
+                <a:latin typeface="微軟正黑體" pitchFamily="34" charset="-120"/>
+                <a:ea typeface="微軟正黑體" pitchFamily="34" charset="-120"/>
+              </a:rPr>
+              <a:t>免</a:t>
+            </a:r>
+            <a:r>
+              <a:rPr lang="zh-TW" altLang="en-US" sz="4800" b="1" cap="all" dirty="0">
+                <a:solidFill>
+                  <a:srgbClr val="000066"/>
+                </a:solidFill>
+                <a:latin typeface="微軟正黑體" pitchFamily="34" charset="-120"/>
+                <a:ea typeface="微軟正黑體" pitchFamily="34" charset="-120"/>
+              </a:rPr>
+              <a:t>彼小羊受傷</a:t>
+            </a:r>
+            <a:endParaRPr lang="en-US" altLang="zh-TW" sz="4800" b="1" cap="all" dirty="0">
               <a:solidFill>
-                <a:srgbClr val="002060"/>
+                <a:srgbClr val="000066"/>
               </a:solidFill>
               <a:latin typeface="微軟正黑體" pitchFamily="34" charset="-120"/>
               <a:ea typeface="微軟正黑體" pitchFamily="34" charset="-120"/>
             </a:endParaRPr>
           </a:p>
-          <a:p>
-            <a:pPr algn="ctr">
-              <a:buNone/>
-            </a:pPr>
-            <a:r>
-              <a:rPr lang="zh-TW" altLang="en-US" sz="5400" b="1" cap="all" dirty="0" smtClean="0">
-                <a:solidFill>
-                  <a:srgbClr val="002060"/>
-                </a:solidFill>
-                <a:latin typeface="微軟正黑體" pitchFamily="34" charset="-120"/>
-                <a:ea typeface="微軟正黑體" pitchFamily="34" charset="-120"/>
-              </a:rPr>
-              <a:t>耶穌仁愛  慈悲憐憫無彊</a:t>
-            </a:r>
-            <a:endParaRPr lang="en-US" altLang="zh-TW" sz="5400" b="1" cap="all" dirty="0" smtClean="0">
+        </p:txBody>
+      </p:sp>
+      <p:sp>
+        <p:nvSpPr>
+          <p:cNvPr id="3" name="TextBox 2"/>
+          <p:cNvSpPr txBox="1"/>
+          <p:nvPr/>
+        </p:nvSpPr>
+        <p:spPr>
+          <a:xfrm>
+            <a:off x="0" y="1707654"/>
+            <a:ext cx="966632" cy="830997"/>
+          </a:xfrm>
+          <a:prstGeom prst="rect">
+            <a:avLst/>
+          </a:prstGeom>
+          <a:noFill/>
+        </p:spPr>
+        <p:txBody>
+          <a:bodyPr wrap="square" rtlCol="0">
+            <a:spAutoFit/>
+          </a:bodyPr>
+          <a:lstStyle/>
+          <a:p>
+            <a:r>
+              <a:rPr lang="en-US" sz="4800" b="1" dirty="0" smtClean="0">
+                <a:solidFill>
+                  <a:srgbClr val="000066"/>
+                </a:solidFill>
+              </a:rPr>
+              <a:t>1.</a:t>
+            </a:r>
+            <a:endParaRPr lang="vi-VN" sz="4800" b="1" dirty="0">
               <a:solidFill>
-                <a:srgbClr val="002060"/>
+                <a:srgbClr val="000066"/>
               </a:solidFill>
-              <a:latin typeface="微軟正黑體" pitchFamily="34" charset="-120"/>
-              <a:ea typeface="微軟正黑體" pitchFamily="34" charset="-120"/>
             </a:endParaRPr>
           </a:p>
-          <a:p>
-            <a:pPr algn="ctr">
-              <a:buNone/>
-            </a:pPr>
-            <a:r>
-              <a:rPr lang="zh-TW" altLang="en-US" sz="5400" b="1" cap="all" dirty="0" smtClean="0">
-                <a:solidFill>
-                  <a:srgbClr val="002060"/>
-                </a:solidFill>
-                <a:latin typeface="微軟正黑體" pitchFamily="34" charset="-120"/>
-                <a:ea typeface="微軟正黑體" pitchFamily="34" charset="-120"/>
-              </a:rPr>
-              <a:t>讚美</a:t>
-            </a:r>
-            <a:r>
-              <a:rPr lang="zh-TW" altLang="en-US" sz="5400" b="1" cap="all" dirty="0">
-                <a:solidFill>
-                  <a:srgbClr val="002060"/>
-                </a:solidFill>
-                <a:latin typeface="微軟正黑體" pitchFamily="34" charset="-120"/>
-                <a:ea typeface="微軟正黑體" pitchFamily="34" charset="-120"/>
-              </a:rPr>
-              <a:t>讚美 </a:t>
-            </a:r>
-            <a:r>
-              <a:rPr lang="en-US" altLang="zh-TW" sz="5400" b="1" cap="all" dirty="0" smtClean="0">
-                <a:solidFill>
-                  <a:srgbClr val="002060"/>
-                </a:solidFill>
-                <a:latin typeface="微軟正黑體" pitchFamily="34" charset="-120"/>
-                <a:ea typeface="微軟正黑體" pitchFamily="34" charset="-120"/>
-              </a:rPr>
-              <a:t> </a:t>
-            </a:r>
-            <a:r>
-              <a:rPr lang="zh-TW" altLang="en-US" sz="5400" b="1" cap="all" dirty="0" smtClean="0">
-                <a:solidFill>
-                  <a:srgbClr val="002060"/>
-                </a:solidFill>
-                <a:latin typeface="微軟正黑體" pitchFamily="34" charset="-120"/>
-                <a:ea typeface="微軟正黑體" pitchFamily="34" charset="-120"/>
-              </a:rPr>
-              <a:t>傳揚</a:t>
-            </a:r>
-            <a:r>
-              <a:rPr lang="zh-TW" altLang="en-US" sz="5400" b="1" cap="all" dirty="0">
-                <a:solidFill>
-                  <a:srgbClr val="002060"/>
-                </a:solidFill>
-                <a:latin typeface="微軟正黑體" pitchFamily="34" charset="-120"/>
-                <a:ea typeface="微軟正黑體" pitchFamily="34" charset="-120"/>
-              </a:rPr>
-              <a:t>祂極大的</a:t>
-            </a:r>
-            <a:r>
-              <a:rPr lang="zh-TW" altLang="en-US" sz="5400" b="1" cap="all" dirty="0" smtClean="0">
-                <a:solidFill>
-                  <a:srgbClr val="002060"/>
-                </a:solidFill>
-                <a:latin typeface="微軟正黑體" pitchFamily="34" charset="-120"/>
-                <a:ea typeface="微軟正黑體" pitchFamily="34" charset="-120"/>
-              </a:rPr>
-              <a:t>仁愛</a:t>
-            </a:r>
-            <a:endParaRPr lang="en-US" altLang="zh-TW" sz="5400" b="1" cap="all" dirty="0" smtClean="0">
-              <a:solidFill>
-                <a:srgbClr val="002060"/>
-              </a:solidFill>
-              <a:latin typeface="微軟正黑體" pitchFamily="34" charset="-120"/>
-              <a:ea typeface="微軟正黑體" pitchFamily="34" charset="-120"/>
-            </a:endParaRPr>
-          </a:p>
-          <a:p>
-            <a:pPr algn="ctr">
-              <a:buNone/>
-            </a:pPr>
-            <a:r>
-              <a:rPr lang="zh-TW" altLang="en-US" sz="5400" b="1" cap="all" dirty="0" smtClean="0">
-                <a:solidFill>
-                  <a:srgbClr val="002060"/>
-                </a:solidFill>
-                <a:latin typeface="微軟正黑體" pitchFamily="34" charset="-120"/>
-                <a:ea typeface="微軟正黑體" pitchFamily="34" charset="-120"/>
-              </a:rPr>
-              <a:t>讚美</a:t>
-            </a:r>
-            <a:r>
-              <a:rPr lang="zh-TW" altLang="en-US" sz="5400" b="1" cap="all" dirty="0">
-                <a:solidFill>
-                  <a:srgbClr val="002060"/>
-                </a:solidFill>
-                <a:latin typeface="微軟正黑體" pitchFamily="34" charset="-120"/>
-                <a:ea typeface="微軟正黑體" pitchFamily="34" charset="-120"/>
-              </a:rPr>
-              <a:t>讚美 頌揚主各萬代</a:t>
-            </a:r>
-          </a:p>
         </p:txBody>
       </p:sp>
     </p:spTree>
+    <p:extLst>
+      <p:ext uri="{BB962C8B-B14F-4D97-AF65-F5344CB8AC3E}">
+        <p14:creationId xmlns:p14="http://schemas.microsoft.com/office/powerpoint/2010/main" val="1437488577"/>
+      </p:ext>
+    </p:extLst>
   </p:cSld>
   <p:clrMapOvr>
     <a:masterClrMapping/>
@@ -4068,251 +4425,130 @@
       </p:grpSpPr>
       <p:sp>
         <p:nvSpPr>
-          <p:cNvPr id="2" name="標題 1"/>
-          <p:cNvSpPr>
-            <a:spLocks noGrp="1"/>
-          </p:cNvSpPr>
-          <p:nvPr>
-            <p:ph type="title"/>
-          </p:nvPr>
-        </p:nvSpPr>
-        <p:spPr/>
-        <p:txBody>
-          <a:bodyPr/>
-          <a:lstStyle/>
-          <a:p>
-            <a:r>
-              <a:rPr lang="zh-CN" altLang="en-US" b="1" dirty="0" smtClean="0">
-                <a:solidFill>
-                  <a:srgbClr val="002060"/>
+          <p:cNvPr id="5" name="內容版面配置區 4"/>
+          <p:cNvSpPr>
+            <a:spLocks noGrp="1"/>
+          </p:cNvSpPr>
+          <p:nvPr>
+            <p:ph idx="1"/>
+          </p:nvPr>
+        </p:nvSpPr>
+        <p:spPr>
+          <a:xfrm>
+            <a:off x="0" y="1563638"/>
+            <a:ext cx="9144000" cy="1803647"/>
+          </a:xfrm>
+        </p:spPr>
+        <p:txBody>
+          <a:bodyPr anchor="ctr">
+            <a:normAutofit/>
+          </a:bodyPr>
+          <a:lstStyle/>
+          <a:p>
+            <a:pPr algn="ctr">
+              <a:buNone/>
+            </a:pPr>
+            <a:r>
+              <a:rPr lang="zh-TW" altLang="en-US" sz="4800" b="1" cap="all" dirty="0">
+                <a:solidFill>
+                  <a:srgbClr val="000066"/>
                 </a:solidFill>
                 <a:latin typeface="微軟正黑體" pitchFamily="34" charset="-120"/>
                 <a:ea typeface="微軟正黑體" pitchFamily="34" charset="-120"/>
               </a:rPr>
               <a:t>讚美讚美</a:t>
             </a:r>
-            <a:endParaRPr lang="zh-TW" altLang="en-US" b="1" dirty="0">
+            <a:r>
+              <a:rPr lang="en-US" altLang="zh-TW" sz="4800" b="1" cap="all" dirty="0">
+                <a:solidFill>
+                  <a:srgbClr val="000066"/>
+                </a:solidFill>
+                <a:latin typeface="微軟正黑體" pitchFamily="34" charset="-120"/>
+                <a:ea typeface="微軟正黑體" pitchFamily="34" charset="-120"/>
+              </a:rPr>
+              <a:t>  </a:t>
+            </a:r>
+            <a:r>
+              <a:rPr lang="zh-TW" altLang="en-US" sz="4800" b="1" cap="all" dirty="0">
+                <a:solidFill>
+                  <a:srgbClr val="000066"/>
+                </a:solidFill>
+                <a:latin typeface="微軟正黑體" pitchFamily="34" charset="-120"/>
+                <a:ea typeface="微軟正黑體" pitchFamily="34" charset="-120"/>
+              </a:rPr>
+              <a:t>傳揚祂極大的仁愛</a:t>
+            </a:r>
+            <a:endParaRPr lang="en-US" altLang="zh-TW" sz="4800" b="1" cap="all" dirty="0">
               <a:solidFill>
-                <a:srgbClr val="002060"/>
+                <a:srgbClr val="000066"/>
               </a:solidFill>
               <a:latin typeface="微軟正黑體" pitchFamily="34" charset="-120"/>
               <a:ea typeface="微軟正黑體" pitchFamily="34" charset="-120"/>
             </a:endParaRPr>
           </a:p>
-        </p:txBody>
-      </p:sp>
-      <p:sp>
-        <p:nvSpPr>
-          <p:cNvPr id="3" name="內容版面配置區 2"/>
-          <p:cNvSpPr>
-            <a:spLocks noGrp="1"/>
-          </p:cNvSpPr>
-          <p:nvPr>
-            <p:ph idx="1"/>
-          </p:nvPr>
-        </p:nvSpPr>
-        <p:spPr>
-          <a:xfrm>
-            <a:off x="0" y="1200150"/>
-            <a:ext cx="9144000" cy="3943350"/>
-          </a:xfrm>
-        </p:spPr>
-        <p:txBody>
-          <a:bodyPr>
-            <a:noAutofit/>
-          </a:bodyPr>
-          <a:lstStyle/>
           <a:p>
             <a:pPr algn="ctr">
               <a:buNone/>
             </a:pPr>
             <a:r>
-              <a:rPr lang="zh-TW" altLang="en-US" sz="5400" b="1" cap="all" dirty="0">
-                <a:solidFill>
-                  <a:srgbClr val="002060"/>
-                </a:solidFill>
-                <a:latin typeface="微軟正黑體" pitchFamily="34" charset="-120"/>
-                <a:ea typeface="微軟正黑體" pitchFamily="34" charset="-120"/>
-              </a:rPr>
-              <a:t>讚美讚美 耶穌我親愛的</a:t>
-            </a:r>
-            <a:r>
-              <a:rPr lang="zh-TW" altLang="en-US" sz="5400" b="1" cap="all" dirty="0" smtClean="0">
-                <a:solidFill>
-                  <a:srgbClr val="002060"/>
-                </a:solidFill>
-                <a:latin typeface="微軟正黑體" pitchFamily="34" charset="-120"/>
-                <a:ea typeface="微軟正黑體" pitchFamily="34" charset="-120"/>
-              </a:rPr>
-              <a:t>救主</a:t>
-            </a:r>
-            <a:endParaRPr lang="en-US" altLang="zh-TW" sz="5400" b="1" cap="all" dirty="0" smtClean="0">
-              <a:solidFill>
-                <a:srgbClr val="002060"/>
-              </a:solidFill>
-              <a:latin typeface="微軟正黑體" pitchFamily="34" charset="-120"/>
-              <a:ea typeface="微軟正黑體" pitchFamily="34" charset="-120"/>
-            </a:endParaRPr>
-          </a:p>
-          <a:p>
-            <a:pPr algn="ctr">
-              <a:buNone/>
-            </a:pPr>
-            <a:r>
-              <a:rPr lang="zh-TW" altLang="en-US" sz="5400" b="1" cap="all" dirty="0" smtClean="0">
-                <a:solidFill>
-                  <a:srgbClr val="002060"/>
-                </a:solidFill>
-                <a:latin typeface="微軟正黑體" pitchFamily="34" charset="-120"/>
-                <a:ea typeface="微軟正黑體" pitchFamily="34" charset="-120"/>
-              </a:rPr>
-              <a:t>天上</a:t>
-            </a:r>
-            <a:r>
-              <a:rPr lang="zh-TW" altLang="en-US" sz="5400" b="1" cap="all" dirty="0">
-                <a:solidFill>
-                  <a:srgbClr val="002060"/>
-                </a:solidFill>
-                <a:latin typeface="微軟正黑體" pitchFamily="34" charset="-120"/>
-                <a:ea typeface="微軟正黑體" pitchFamily="34" charset="-120"/>
-              </a:rPr>
-              <a:t>群眾和撒那歌</a:t>
-            </a:r>
-            <a:r>
-              <a:rPr lang="zh-TW" altLang="en-US" sz="5400" b="1" cap="all" dirty="0" smtClean="0">
-                <a:solidFill>
-                  <a:srgbClr val="002060"/>
-                </a:solidFill>
-                <a:latin typeface="微軟正黑體" pitchFamily="34" charset="-120"/>
-                <a:ea typeface="微軟正黑體" pitchFamily="34" charset="-120"/>
-              </a:rPr>
-              <a:t>高唱</a:t>
-            </a:r>
-            <a:endParaRPr lang="zh-TW" altLang="en-US" sz="5400" b="1" cap="all" dirty="0">
-              <a:solidFill>
-                <a:srgbClr val="002060"/>
-              </a:solidFill>
-              <a:latin typeface="微軟正黑體" pitchFamily="34" charset="-120"/>
-              <a:ea typeface="微軟正黑體" pitchFamily="34" charset="-120"/>
-            </a:endParaRPr>
-          </a:p>
-          <a:p>
-            <a:pPr algn="ctr">
-              <a:buNone/>
-            </a:pPr>
-            <a:r>
-              <a:rPr lang="zh-TW" altLang="en-US" sz="5400" b="1" cap="all" dirty="0">
-                <a:solidFill>
-                  <a:srgbClr val="002060"/>
-                </a:solidFill>
-                <a:latin typeface="微軟正黑體" pitchFamily="34" charset="-120"/>
-                <a:ea typeface="微軟正黑體" pitchFamily="34" charset="-120"/>
-              </a:rPr>
-              <a:t>秉政</a:t>
-            </a:r>
-            <a:r>
-              <a:rPr lang="zh-TW" altLang="en-US" sz="5400" b="1" cap="all" dirty="0" smtClean="0">
-                <a:solidFill>
-                  <a:srgbClr val="002060"/>
-                </a:solidFill>
-                <a:latin typeface="微軟正黑體" pitchFamily="34" charset="-120"/>
-                <a:ea typeface="微軟正黑體" pitchFamily="34" charset="-120"/>
-              </a:rPr>
-              <a:t>掌權  永遠</a:t>
-            </a:r>
-            <a:r>
-              <a:rPr lang="zh-TW" altLang="en-US" sz="5400" b="1" cap="all" dirty="0">
-                <a:solidFill>
-                  <a:srgbClr val="002060"/>
-                </a:solidFill>
-                <a:latin typeface="微軟正黑體" pitchFamily="34" charset="-120"/>
-                <a:ea typeface="微軟正黑體" pitchFamily="34" charset="-120"/>
-              </a:rPr>
-              <a:t>歌頌主</a:t>
-            </a:r>
-            <a:r>
-              <a:rPr lang="zh-TW" altLang="en-US" sz="5400" b="1" cap="all" dirty="0" smtClean="0">
-                <a:solidFill>
-                  <a:srgbClr val="002060"/>
-                </a:solidFill>
-                <a:latin typeface="微軟正黑體" pitchFamily="34" charset="-120"/>
-                <a:ea typeface="微軟正黑體" pitchFamily="34" charset="-120"/>
-              </a:rPr>
-              <a:t>耶穌</a:t>
-            </a:r>
-            <a:endParaRPr lang="en-US" altLang="zh-TW" sz="5400" b="1" cap="all" dirty="0" smtClean="0">
-              <a:solidFill>
-                <a:srgbClr val="002060"/>
-              </a:solidFill>
-              <a:latin typeface="微軟正黑體" pitchFamily="34" charset="-120"/>
-              <a:ea typeface="微軟正黑體" pitchFamily="34" charset="-120"/>
-            </a:endParaRPr>
-          </a:p>
-          <a:p>
-            <a:pPr algn="ctr">
-              <a:buNone/>
-            </a:pPr>
-            <a:r>
-              <a:rPr lang="zh-TW" altLang="en-US" sz="5400" b="1" cap="all" dirty="0" smtClean="0">
-                <a:solidFill>
-                  <a:srgbClr val="002060"/>
-                </a:solidFill>
-                <a:latin typeface="微軟正黑體" pitchFamily="34" charset="-120"/>
-                <a:ea typeface="微軟正黑體" pitchFamily="34" charset="-120"/>
-              </a:rPr>
-              <a:t>加</a:t>
-            </a:r>
-            <a:r>
-              <a:rPr lang="zh-TW" altLang="en-US" sz="5400" b="1" cap="all" dirty="0">
-                <a:solidFill>
-                  <a:srgbClr val="002060"/>
-                </a:solidFill>
-                <a:latin typeface="微軟正黑體" pitchFamily="34" charset="-120"/>
-                <a:ea typeface="微軟正黑體" pitchFamily="34" charset="-120"/>
-              </a:rPr>
-              <a:t>冠</a:t>
-            </a:r>
-            <a:r>
-              <a:rPr lang="zh-TW" altLang="en-US" sz="5400" b="1" cap="all" dirty="0" smtClean="0">
-                <a:solidFill>
-                  <a:srgbClr val="002060"/>
-                </a:solidFill>
-                <a:latin typeface="微軟正黑體" pitchFamily="34" charset="-120"/>
-                <a:ea typeface="微軟正黑體" pitchFamily="34" charset="-120"/>
-              </a:rPr>
-              <a:t>君王  先知</a:t>
-            </a:r>
-            <a:r>
-              <a:rPr lang="zh-TW" altLang="en-US" sz="5400" b="1" cap="all" dirty="0">
-                <a:solidFill>
-                  <a:srgbClr val="002060"/>
-                </a:solidFill>
-                <a:latin typeface="微軟正黑體" pitchFamily="34" charset="-120"/>
-                <a:ea typeface="微軟正黑體" pitchFamily="34" charset="-120"/>
-              </a:rPr>
-              <a:t>大祭司</a:t>
-            </a:r>
-            <a:r>
-              <a:rPr lang="zh-TW" altLang="en-US" sz="5400" b="1" cap="all" dirty="0" smtClean="0">
-                <a:solidFill>
-                  <a:srgbClr val="002060"/>
-                </a:solidFill>
-                <a:latin typeface="微軟正黑體" pitchFamily="34" charset="-120"/>
-                <a:ea typeface="微軟正黑體" pitchFamily="34" charset="-120"/>
-              </a:rPr>
-              <a:t>長</a:t>
-            </a:r>
-            <a:endParaRPr lang="zh-TW" altLang="en-US" sz="5400" b="1" cap="all" dirty="0">
-              <a:solidFill>
-                <a:srgbClr val="002060"/>
-              </a:solidFill>
-              <a:latin typeface="微軟正黑體" pitchFamily="34" charset="-120"/>
-              <a:ea typeface="微軟正黑體" pitchFamily="34" charset="-120"/>
-            </a:endParaRPr>
+              <a:rPr lang="zh-TW" altLang="en-US" sz="4800" b="1" cap="all" dirty="0">
+                <a:solidFill>
+                  <a:srgbClr val="000066"/>
+                </a:solidFill>
+                <a:latin typeface="微軟正黑體" pitchFamily="34" charset="-120"/>
+                <a:ea typeface="微軟正黑體" pitchFamily="34" charset="-120"/>
+              </a:rPr>
+              <a:t>讚美讚美 </a:t>
+            </a:r>
+            <a:r>
+              <a:rPr lang="zh-TW" altLang="en-US" sz="4800" b="1" cap="all" dirty="0" smtClean="0">
+                <a:solidFill>
+                  <a:srgbClr val="000066"/>
+                </a:solidFill>
+                <a:latin typeface="微軟正黑體" pitchFamily="34" charset="-120"/>
+                <a:ea typeface="微軟正黑體" pitchFamily="34" charset="-120"/>
+              </a:rPr>
+              <a:t> 頌</a:t>
+            </a:r>
+            <a:r>
+              <a:rPr lang="zh-TW" altLang="en-US" sz="4800" b="1" cap="all" dirty="0">
+                <a:solidFill>
+                  <a:srgbClr val="000066"/>
+                </a:solidFill>
+                <a:latin typeface="微軟正黑體" pitchFamily="34" charset="-120"/>
+                <a:ea typeface="微軟正黑體" pitchFamily="34" charset="-120"/>
+              </a:rPr>
+              <a:t>揚主</a:t>
+            </a:r>
+            <a:r>
+              <a:rPr lang="zh-CN" altLang="en-US" sz="4800" b="1" cap="all" dirty="0">
+                <a:solidFill>
+                  <a:srgbClr val="000066"/>
+                </a:solidFill>
+                <a:latin typeface="微軟正黑體" pitchFamily="34" charset="-120"/>
+                <a:ea typeface="微軟正黑體" pitchFamily="34" charset="-120"/>
+              </a:rPr>
+              <a:t>名</a:t>
+            </a:r>
+            <a:r>
+              <a:rPr lang="zh-TW" altLang="en-US" sz="4800" b="1" cap="all" dirty="0">
+                <a:solidFill>
+                  <a:srgbClr val="000066"/>
+                </a:solidFill>
+                <a:latin typeface="微軟正黑體" pitchFamily="34" charset="-120"/>
+                <a:ea typeface="微軟正黑體" pitchFamily="34" charset="-120"/>
+              </a:rPr>
+              <a:t>萬代</a:t>
+            </a:r>
           </a:p>
         </p:txBody>
       </p:sp>
     </p:spTree>
+    <p:extLst>
+      <p:ext uri="{BB962C8B-B14F-4D97-AF65-F5344CB8AC3E}">
+        <p14:creationId xmlns:p14="http://schemas.microsoft.com/office/powerpoint/2010/main" val="3269130412"/>
+      </p:ext>
+    </p:extLst>
   </p:cSld>
   <p:clrMapOvr>
     <a:masterClrMapping/>
@@ -4339,99 +4575,225 @@
       </p:grpSpPr>
       <p:sp>
         <p:nvSpPr>
-          <p:cNvPr id="2" name="標題 1"/>
-          <p:cNvSpPr>
-            <a:spLocks noGrp="1"/>
-          </p:cNvSpPr>
-          <p:nvPr>
-            <p:ph type="title"/>
-          </p:nvPr>
-        </p:nvSpPr>
-        <p:spPr/>
-        <p:txBody>
-          <a:bodyPr/>
-          <a:lstStyle/>
-          <a:p>
-            <a:r>
-              <a:rPr lang="zh-CN" altLang="en-US" b="1" dirty="0" smtClean="0">
-                <a:solidFill>
-                  <a:srgbClr val="002060"/>
-                </a:solidFill>
-                <a:latin typeface="微軟正黑體" pitchFamily="34" charset="-120"/>
-                <a:ea typeface="微軟正黑體" pitchFamily="34" charset="-120"/>
-              </a:rPr>
-              <a:t>讚美讚美</a:t>
-            </a:r>
-            <a:endParaRPr lang="zh-TW" altLang="en-US" b="1" dirty="0">
+          <p:cNvPr id="5" name="內容版面配置區 4"/>
+          <p:cNvSpPr>
+            <a:spLocks noGrp="1"/>
+          </p:cNvSpPr>
+          <p:nvPr>
+            <p:ph idx="1"/>
+          </p:nvPr>
+        </p:nvSpPr>
+        <p:spPr>
+          <a:xfrm>
+            <a:off x="0" y="1563638"/>
+            <a:ext cx="9144000" cy="1803647"/>
+          </a:xfrm>
+        </p:spPr>
+        <p:txBody>
+          <a:bodyPr anchor="ctr">
+            <a:normAutofit/>
+          </a:bodyPr>
+          <a:lstStyle/>
+          <a:p>
+            <a:pPr algn="ctr">
+              <a:buNone/>
+            </a:pPr>
+            <a:r>
+              <a:rPr lang="zh-TW" altLang="en-US" sz="4800" b="1" cap="all" dirty="0">
+                <a:solidFill>
+                  <a:srgbClr val="000066"/>
+                </a:solidFill>
+                <a:latin typeface="微軟正黑體" pitchFamily="34" charset="-120"/>
+                <a:ea typeface="微軟正黑體" pitchFamily="34" charset="-120"/>
+              </a:rPr>
+              <a:t>讚美讚</a:t>
+            </a:r>
+            <a:r>
+              <a:rPr lang="zh-TW" altLang="en-US" sz="4800" b="1" cap="all" dirty="0" smtClean="0">
+                <a:solidFill>
+                  <a:srgbClr val="000066"/>
+                </a:solidFill>
+                <a:latin typeface="微軟正黑體" pitchFamily="34" charset="-120"/>
+                <a:ea typeface="微軟正黑體" pitchFamily="34" charset="-120"/>
+              </a:rPr>
+              <a:t>美  </a:t>
+            </a:r>
+            <a:r>
+              <a:rPr lang="zh-TW" altLang="en-US" sz="4800" b="1" cap="all" dirty="0">
+                <a:solidFill>
+                  <a:srgbClr val="000066"/>
+                </a:solidFill>
+                <a:latin typeface="微軟正黑體" pitchFamily="34" charset="-120"/>
+                <a:ea typeface="微軟正黑體" pitchFamily="34" charset="-120"/>
+              </a:rPr>
+              <a:t>耶穌我親愛的救主</a:t>
+            </a:r>
+            <a:endParaRPr lang="en-US" altLang="zh-TW" sz="4800" b="1" cap="all" dirty="0">
               <a:solidFill>
-                <a:srgbClr val="002060"/>
+                <a:srgbClr val="000066"/>
               </a:solidFill>
               <a:latin typeface="微軟正黑體" pitchFamily="34" charset="-120"/>
               <a:ea typeface="微軟正黑體" pitchFamily="34" charset="-120"/>
             </a:endParaRPr>
           </a:p>
-        </p:txBody>
-      </p:sp>
-      <p:sp>
-        <p:nvSpPr>
-          <p:cNvPr id="3" name="內容版面配置區 2"/>
-          <p:cNvSpPr>
-            <a:spLocks noGrp="1"/>
-          </p:cNvSpPr>
-          <p:nvPr>
-            <p:ph idx="1"/>
-          </p:nvPr>
-        </p:nvSpPr>
-        <p:spPr>
-          <a:xfrm>
-            <a:off x="0" y="964395"/>
-            <a:ext cx="9144000" cy="4179105"/>
-          </a:xfrm>
-        </p:spPr>
-        <p:txBody>
-          <a:bodyPr anchor="ctr">
-            <a:normAutofit/>
-          </a:bodyPr>
-          <a:lstStyle/>
           <a:p>
             <a:pPr algn="ctr">
               <a:buNone/>
             </a:pPr>
             <a:r>
-              <a:rPr lang="zh-TW" altLang="en-US" sz="5400" b="1" cap="all" dirty="0" smtClean="0">
-                <a:solidFill>
-                  <a:srgbClr val="002060"/>
-                </a:solidFill>
-                <a:latin typeface="微軟正黑體" pitchFamily="34" charset="-120"/>
-                <a:ea typeface="微軟正黑體" pitchFamily="34" charset="-120"/>
-              </a:rPr>
-              <a:t>基督不日來  無膝不屈恭崇拜</a:t>
-            </a:r>
-            <a:endParaRPr lang="en-US" altLang="zh-TW" sz="5400" b="1" cap="all" dirty="0" smtClean="0">
+              <a:rPr lang="zh-TW" altLang="en-US" sz="4800" b="1" cap="all" dirty="0">
+                <a:solidFill>
+                  <a:srgbClr val="000066"/>
+                </a:solidFill>
+                <a:latin typeface="微軟正黑體" pitchFamily="34" charset="-120"/>
+                <a:ea typeface="微軟正黑體" pitchFamily="34" charset="-120"/>
+              </a:rPr>
+              <a:t>為人罪過受死在十架上</a:t>
+            </a:r>
+            <a:endParaRPr lang="zh-TW" altLang="en-US" sz="4800" b="1" cap="all" dirty="0">
               <a:solidFill>
-                <a:srgbClr val="002060"/>
+                <a:srgbClr val="000066"/>
               </a:solidFill>
               <a:latin typeface="微軟正黑體" pitchFamily="34" charset="-120"/>
               <a:ea typeface="微軟正黑體" pitchFamily="34" charset="-120"/>
             </a:endParaRPr>
           </a:p>
+        </p:txBody>
+      </p:sp>
+      <p:sp>
+        <p:nvSpPr>
+          <p:cNvPr id="3" name="TextBox 2"/>
+          <p:cNvSpPr txBox="1"/>
+          <p:nvPr/>
+        </p:nvSpPr>
+        <p:spPr>
+          <a:xfrm>
+            <a:off x="0" y="1707654"/>
+            <a:ext cx="966632" cy="830997"/>
+          </a:xfrm>
+          <a:prstGeom prst="rect">
+            <a:avLst/>
+          </a:prstGeom>
+          <a:noFill/>
+        </p:spPr>
+        <p:txBody>
+          <a:bodyPr wrap="square" rtlCol="0">
+            <a:spAutoFit/>
+          </a:bodyPr>
+          <a:lstStyle/>
+          <a:p>
+            <a:r>
+              <a:rPr lang="en-US" sz="4800" b="1" dirty="0">
+                <a:solidFill>
+                  <a:srgbClr val="000066"/>
+                </a:solidFill>
+              </a:rPr>
+              <a:t>2</a:t>
+            </a:r>
+            <a:r>
+              <a:rPr lang="en-US" sz="4800" b="1" dirty="0" smtClean="0">
+                <a:solidFill>
+                  <a:srgbClr val="000066"/>
+                </a:solidFill>
+              </a:rPr>
+              <a:t>.</a:t>
+            </a:r>
+            <a:endParaRPr lang="vi-VN" sz="4800" b="1" dirty="0">
+              <a:solidFill>
+                <a:srgbClr val="000066"/>
+              </a:solidFill>
+            </a:endParaRPr>
+          </a:p>
+        </p:txBody>
+      </p:sp>
+    </p:spTree>
+    <p:extLst>
+      <p:ext uri="{BB962C8B-B14F-4D97-AF65-F5344CB8AC3E}">
+        <p14:creationId xmlns:p14="http://schemas.microsoft.com/office/powerpoint/2010/main" val="777454633"/>
+      </p:ext>
+    </p:extLst>
+  </p:cSld>
+  <p:clrMapOvr>
+    <a:masterClrMapping/>
+  </p:clrMapOvr>
+</p:sld>
+</file>
+
+<file path=ppt/slides/slide7.xml><?xml version="1.0" encoding="utf-8"?>
+<p:sld xmlns:a="http://schemas.openxmlformats.org/drawingml/2006/main" xmlns:r="http://schemas.openxmlformats.org/officeDocument/2006/relationships" xmlns:p="http://schemas.openxmlformats.org/presentationml/2006/main">
+  <p:cSld>
+    <p:spTree>
+      <p:nvGrpSpPr>
+        <p:cNvPr id="1" name=""/>
+        <p:cNvGrpSpPr/>
+        <p:nvPr/>
+      </p:nvGrpSpPr>
+      <p:grpSpPr>
+        <a:xfrm>
+          <a:off x="0" y="0"/>
+          <a:ext cx="0" cy="0"/>
+          <a:chOff x="0" y="0"/>
+          <a:chExt cx="0" cy="0"/>
+        </a:xfrm>
+      </p:grpSpPr>
+      <p:sp>
+        <p:nvSpPr>
+          <p:cNvPr id="5" name="內容版面配置區 4"/>
+          <p:cNvSpPr>
+            <a:spLocks noGrp="1"/>
+          </p:cNvSpPr>
+          <p:nvPr>
+            <p:ph idx="1"/>
+          </p:nvPr>
+        </p:nvSpPr>
+        <p:spPr>
+          <a:xfrm>
+            <a:off x="0" y="1563638"/>
+            <a:ext cx="9144000" cy="1803647"/>
+          </a:xfrm>
+        </p:spPr>
+        <p:txBody>
+          <a:bodyPr anchor="ctr">
+            <a:normAutofit/>
+          </a:bodyPr>
+          <a:lstStyle/>
           <a:p>
             <a:pPr algn="ctr">
               <a:buNone/>
             </a:pPr>
             <a:r>
-              <a:rPr lang="zh-TW" altLang="en-US" sz="5400" b="1" cap="all" dirty="0" smtClean="0">
-                <a:solidFill>
-                  <a:srgbClr val="002060"/>
-                </a:solidFill>
-                <a:latin typeface="微軟正黑體" pitchFamily="34" charset="-120"/>
-                <a:ea typeface="微軟正黑體" pitchFamily="34" charset="-120"/>
-              </a:rPr>
-              <a:t>權能榮耀  都歸主至萬代</a:t>
-            </a:r>
-            <a:endParaRPr lang="en-US" altLang="zh-TW" sz="5400" b="1" cap="all" dirty="0" smtClean="0">
+              <a:rPr lang="zh-TW" altLang="en-US" sz="4800" b="1" cap="all" dirty="0">
+                <a:solidFill>
+                  <a:srgbClr val="000066"/>
+                </a:solidFill>
+                <a:latin typeface="微軟正黑體" pitchFamily="34" charset="-120"/>
+                <a:ea typeface="微軟正黑體" pitchFamily="34" charset="-120"/>
+              </a:rPr>
+              <a:t>救恩靈</a:t>
+            </a:r>
+            <a:r>
+              <a:rPr lang="zh-TW" altLang="en-US" sz="4800" b="1" cap="all" dirty="0" smtClean="0">
+                <a:solidFill>
+                  <a:srgbClr val="000066"/>
+                </a:solidFill>
+                <a:latin typeface="微軟正黑體" pitchFamily="34" charset="-120"/>
+                <a:ea typeface="微軟正黑體" pitchFamily="34" charset="-120"/>
+              </a:rPr>
+              <a:t>磐  </a:t>
+            </a:r>
+            <a:r>
+              <a:rPr lang="zh-TW" altLang="en-US" sz="4800" b="1" cap="all" dirty="0">
+                <a:solidFill>
+                  <a:srgbClr val="000066"/>
+                </a:solidFill>
+                <a:latin typeface="微軟正黑體" pitchFamily="34" charset="-120"/>
+                <a:ea typeface="微軟正黑體" pitchFamily="34" charset="-120"/>
+              </a:rPr>
+              <a:t>永生希望在於耶穌</a:t>
+            </a:r>
+            <a:endParaRPr lang="en-US" altLang="zh-TW" sz="4800" b="1" cap="all" dirty="0">
               <a:solidFill>
-                <a:srgbClr val="002060"/>
+                <a:srgbClr val="000066"/>
               </a:solidFill>
               <a:latin typeface="微軟正黑體" pitchFamily="34" charset="-120"/>
               <a:ea typeface="微軟正黑體" pitchFamily="34" charset="-120"/>
@@ -4442,101 +4804,370 @@
               <a:buNone/>
             </a:pPr>
             <a:r>
-              <a:rPr lang="zh-TW" altLang="en-US" sz="5400" b="1" cap="all" dirty="0" smtClean="0">
-                <a:solidFill>
-                  <a:srgbClr val="002060"/>
-                </a:solidFill>
-                <a:latin typeface="微軟正黑體" pitchFamily="34" charset="-120"/>
-                <a:ea typeface="微軟正黑體" pitchFamily="34" charset="-120"/>
-              </a:rPr>
-              <a:t>讚美</a:t>
-            </a:r>
-            <a:r>
-              <a:rPr lang="zh-TW" altLang="en-US" sz="5400" b="1" cap="all" dirty="0">
-                <a:solidFill>
-                  <a:srgbClr val="002060"/>
-                </a:solidFill>
-                <a:latin typeface="微軟正黑體" pitchFamily="34" charset="-120"/>
-                <a:ea typeface="微軟正黑體" pitchFamily="34" charset="-120"/>
-              </a:rPr>
-              <a:t>讚美 </a:t>
-            </a:r>
-            <a:r>
-              <a:rPr lang="en-US" altLang="zh-TW" sz="5400" b="1" cap="all" dirty="0" smtClean="0">
-                <a:solidFill>
-                  <a:srgbClr val="002060"/>
-                </a:solidFill>
-                <a:latin typeface="微軟正黑體" pitchFamily="34" charset="-120"/>
-                <a:ea typeface="微軟正黑體" pitchFamily="34" charset="-120"/>
-              </a:rPr>
-              <a:t> </a:t>
-            </a:r>
-            <a:r>
-              <a:rPr lang="zh-TW" altLang="en-US" sz="5400" b="1" cap="all" dirty="0" smtClean="0">
-                <a:solidFill>
-                  <a:srgbClr val="002060"/>
-                </a:solidFill>
-                <a:latin typeface="微軟正黑體" pitchFamily="34" charset="-120"/>
-                <a:ea typeface="微軟正黑體" pitchFamily="34" charset="-120"/>
-              </a:rPr>
-              <a:t>傳揚</a:t>
-            </a:r>
-            <a:r>
-              <a:rPr lang="zh-TW" altLang="en-US" sz="5400" b="1" cap="all" dirty="0">
-                <a:solidFill>
-                  <a:srgbClr val="002060"/>
-                </a:solidFill>
-                <a:latin typeface="微軟正黑體" pitchFamily="34" charset="-120"/>
-                <a:ea typeface="微軟正黑體" pitchFamily="34" charset="-120"/>
-              </a:rPr>
-              <a:t>祂極大的</a:t>
-            </a:r>
-            <a:r>
-              <a:rPr lang="zh-TW" altLang="en-US" sz="5400" b="1" cap="all" dirty="0" smtClean="0">
-                <a:solidFill>
-                  <a:srgbClr val="002060"/>
-                </a:solidFill>
-                <a:latin typeface="微軟正黑體" pitchFamily="34" charset="-120"/>
-                <a:ea typeface="微軟正黑體" pitchFamily="34" charset="-120"/>
-              </a:rPr>
-              <a:t>仁愛</a:t>
-            </a:r>
-            <a:endParaRPr lang="en-US" altLang="zh-TW" sz="5400" b="1" cap="all" dirty="0" smtClean="0">
+              <a:rPr lang="zh-TW" altLang="en-US" sz="4800" b="1" cap="all" dirty="0">
+                <a:solidFill>
+                  <a:srgbClr val="000066"/>
+                </a:solidFill>
+                <a:latin typeface="微軟正黑體" pitchFamily="34" charset="-120"/>
+                <a:ea typeface="微軟正黑體" pitchFamily="34" charset="-120"/>
+              </a:rPr>
+              <a:t>歡呼讚美我罪耶穌擔當</a:t>
+            </a:r>
+            <a:endParaRPr lang="zh-TW" altLang="en-US" sz="4800" b="1" cap="all" dirty="0">
               <a:solidFill>
-                <a:srgbClr val="002060"/>
+                <a:srgbClr val="000066"/>
               </a:solidFill>
               <a:latin typeface="微軟正黑體" pitchFamily="34" charset="-120"/>
               <a:ea typeface="微軟正黑體" pitchFamily="34" charset="-120"/>
             </a:endParaRPr>
           </a:p>
+        </p:txBody>
+      </p:sp>
+      <p:sp>
+        <p:nvSpPr>
+          <p:cNvPr id="3" name="TextBox 2"/>
+          <p:cNvSpPr txBox="1"/>
+          <p:nvPr/>
+        </p:nvSpPr>
+        <p:spPr>
+          <a:xfrm>
+            <a:off x="0" y="1707654"/>
+            <a:ext cx="966632" cy="830997"/>
+          </a:xfrm>
+          <a:prstGeom prst="rect">
+            <a:avLst/>
+          </a:prstGeom>
+          <a:noFill/>
+        </p:spPr>
+        <p:txBody>
+          <a:bodyPr wrap="square" rtlCol="0">
+            <a:spAutoFit/>
+          </a:bodyPr>
+          <a:lstStyle/>
+          <a:p>
+            <a:r>
+              <a:rPr lang="en-US" sz="4800" b="1" dirty="0">
+                <a:solidFill>
+                  <a:srgbClr val="000066"/>
+                </a:solidFill>
+              </a:rPr>
+              <a:t>2</a:t>
+            </a:r>
+            <a:r>
+              <a:rPr lang="en-US" sz="4800" b="1" dirty="0" smtClean="0">
+                <a:solidFill>
+                  <a:srgbClr val="000066"/>
+                </a:solidFill>
+              </a:rPr>
+              <a:t>.</a:t>
+            </a:r>
+            <a:endParaRPr lang="vi-VN" sz="4800" b="1" dirty="0">
+              <a:solidFill>
+                <a:srgbClr val="000066"/>
+              </a:solidFill>
+            </a:endParaRPr>
+          </a:p>
+        </p:txBody>
+      </p:sp>
+    </p:spTree>
+    <p:extLst>
+      <p:ext uri="{BB962C8B-B14F-4D97-AF65-F5344CB8AC3E}">
+        <p14:creationId xmlns:p14="http://schemas.microsoft.com/office/powerpoint/2010/main" val="84587476"/>
+      </p:ext>
+    </p:extLst>
+  </p:cSld>
+  <p:clrMapOvr>
+    <a:masterClrMapping/>
+  </p:clrMapOvr>
+</p:sld>
+</file>
+
+<file path=ppt/slides/slide8.xml><?xml version="1.0" encoding="utf-8"?>
+<p:sld xmlns:a="http://schemas.openxmlformats.org/drawingml/2006/main" xmlns:r="http://schemas.openxmlformats.org/officeDocument/2006/relationships" xmlns:p="http://schemas.openxmlformats.org/presentationml/2006/main">
+  <p:cSld>
+    <p:spTree>
+      <p:nvGrpSpPr>
+        <p:cNvPr id="1" name=""/>
+        <p:cNvGrpSpPr/>
+        <p:nvPr/>
+      </p:nvGrpSpPr>
+      <p:grpSpPr>
+        <a:xfrm>
+          <a:off x="0" y="0"/>
+          <a:ext cx="0" cy="0"/>
+          <a:chOff x="0" y="0"/>
+          <a:chExt cx="0" cy="0"/>
+        </a:xfrm>
+      </p:grpSpPr>
+      <p:sp>
+        <p:nvSpPr>
+          <p:cNvPr id="5" name="內容版面配置區 4"/>
+          <p:cNvSpPr>
+            <a:spLocks noGrp="1"/>
+          </p:cNvSpPr>
+          <p:nvPr>
+            <p:ph idx="1"/>
+          </p:nvPr>
+        </p:nvSpPr>
+        <p:spPr>
+          <a:xfrm>
+            <a:off x="0" y="1563638"/>
+            <a:ext cx="9144000" cy="1803647"/>
+          </a:xfrm>
+        </p:spPr>
+        <p:txBody>
+          <a:bodyPr anchor="ctr">
+            <a:normAutofit/>
+          </a:bodyPr>
+          <a:lstStyle/>
           <a:p>
             <a:pPr algn="ctr">
               <a:buNone/>
             </a:pPr>
             <a:r>
-              <a:rPr lang="zh-TW" altLang="en-US" sz="5400" b="1" cap="all" dirty="0" smtClean="0">
-                <a:solidFill>
-                  <a:srgbClr val="002060"/>
-                </a:solidFill>
-                <a:latin typeface="微軟正黑體" pitchFamily="34" charset="-120"/>
-                <a:ea typeface="微軟正黑體" pitchFamily="34" charset="-120"/>
-              </a:rPr>
-              <a:t>讚美</a:t>
-            </a:r>
-            <a:r>
-              <a:rPr lang="zh-TW" altLang="en-US" sz="5400" b="1" cap="all" dirty="0">
-                <a:solidFill>
-                  <a:srgbClr val="002060"/>
-                </a:solidFill>
-                <a:latin typeface="微軟正黑體" pitchFamily="34" charset="-120"/>
-                <a:ea typeface="微軟正黑體" pitchFamily="34" charset="-120"/>
-              </a:rPr>
-              <a:t>讚美 頌揚主各萬代</a:t>
-            </a:r>
+              <a:rPr lang="zh-TW" altLang="en-US" sz="4800" b="1" cap="all" dirty="0">
+                <a:solidFill>
+                  <a:srgbClr val="000066"/>
+                </a:solidFill>
+                <a:latin typeface="微軟正黑體" pitchFamily="34" charset="-120"/>
+                <a:ea typeface="微軟正黑體" pitchFamily="34" charset="-120"/>
+              </a:rPr>
+              <a:t>頌讚主聖名  除盡心裡之憂傷</a:t>
+            </a:r>
+            <a:endParaRPr lang="en-US" altLang="zh-TW" sz="4800" b="1" cap="all" dirty="0">
+              <a:solidFill>
+                <a:srgbClr val="000066"/>
+              </a:solidFill>
+              <a:latin typeface="微軟正黑體" pitchFamily="34" charset="-120"/>
+              <a:ea typeface="微軟正黑體" pitchFamily="34" charset="-120"/>
+            </a:endParaRPr>
+          </a:p>
+          <a:p>
+            <a:pPr algn="ctr">
+              <a:buNone/>
+            </a:pPr>
+            <a:r>
+              <a:rPr lang="zh-TW" altLang="en-US" sz="4800" b="1" cap="all" dirty="0">
+                <a:solidFill>
+                  <a:srgbClr val="000066"/>
+                </a:solidFill>
+                <a:latin typeface="微軟正黑體" pitchFamily="34" charset="-120"/>
+                <a:ea typeface="微軟正黑體" pitchFamily="34" charset="-120"/>
+              </a:rPr>
+              <a:t>耶穌仁愛  慈悲憐憫無彊</a:t>
+            </a:r>
+            <a:endParaRPr lang="en-US" altLang="zh-TW" sz="4800" b="1" cap="all" dirty="0">
+              <a:solidFill>
+                <a:srgbClr val="000066"/>
+              </a:solidFill>
+              <a:latin typeface="微軟正黑體" pitchFamily="34" charset="-120"/>
+              <a:ea typeface="微軟正黑體" pitchFamily="34" charset="-120"/>
+            </a:endParaRPr>
+          </a:p>
+        </p:txBody>
+      </p:sp>
+      <p:sp>
+        <p:nvSpPr>
+          <p:cNvPr id="3" name="TextBox 2"/>
+          <p:cNvSpPr txBox="1"/>
+          <p:nvPr/>
+        </p:nvSpPr>
+        <p:spPr>
+          <a:xfrm>
+            <a:off x="0" y="1707654"/>
+            <a:ext cx="966632" cy="830997"/>
+          </a:xfrm>
+          <a:prstGeom prst="rect">
+            <a:avLst/>
+          </a:prstGeom>
+          <a:noFill/>
+        </p:spPr>
+        <p:txBody>
+          <a:bodyPr wrap="square" rtlCol="0">
+            <a:spAutoFit/>
+          </a:bodyPr>
+          <a:lstStyle/>
+          <a:p>
+            <a:r>
+              <a:rPr lang="en-US" sz="4800" b="1" dirty="0">
+                <a:solidFill>
+                  <a:srgbClr val="000066"/>
+                </a:solidFill>
+              </a:rPr>
+              <a:t>2</a:t>
+            </a:r>
+            <a:r>
+              <a:rPr lang="en-US" sz="4800" b="1" dirty="0" smtClean="0">
+                <a:solidFill>
+                  <a:srgbClr val="000066"/>
+                </a:solidFill>
+              </a:rPr>
+              <a:t>.</a:t>
+            </a:r>
+            <a:endParaRPr lang="vi-VN" sz="4800" b="1" dirty="0">
+              <a:solidFill>
+                <a:srgbClr val="000066"/>
+              </a:solidFill>
+            </a:endParaRPr>
           </a:p>
         </p:txBody>
       </p:sp>
     </p:spTree>
+    <p:extLst>
+      <p:ext uri="{BB962C8B-B14F-4D97-AF65-F5344CB8AC3E}">
+        <p14:creationId xmlns:p14="http://schemas.microsoft.com/office/powerpoint/2010/main" val="2771784369"/>
+      </p:ext>
+    </p:extLst>
+  </p:cSld>
+  <p:clrMapOvr>
+    <a:masterClrMapping/>
+  </p:clrMapOvr>
+</p:sld>
+</file>
+
+<file path=ppt/slides/slide9.xml><?xml version="1.0" encoding="utf-8"?>
+<p:sld xmlns:a="http://schemas.openxmlformats.org/drawingml/2006/main" xmlns:r="http://schemas.openxmlformats.org/officeDocument/2006/relationships" xmlns:p="http://schemas.openxmlformats.org/presentationml/2006/main">
+  <p:cSld>
+    <p:spTree>
+      <p:nvGrpSpPr>
+        <p:cNvPr id="1" name=""/>
+        <p:cNvGrpSpPr/>
+        <p:nvPr/>
+      </p:nvGrpSpPr>
+      <p:grpSpPr>
+        <a:xfrm>
+          <a:off x="0" y="0"/>
+          <a:ext cx="0" cy="0"/>
+          <a:chOff x="0" y="0"/>
+          <a:chExt cx="0" cy="0"/>
+        </a:xfrm>
+      </p:grpSpPr>
+      <p:sp>
+        <p:nvSpPr>
+          <p:cNvPr id="5" name="內容版面配置區 4"/>
+          <p:cNvSpPr>
+            <a:spLocks noGrp="1"/>
+          </p:cNvSpPr>
+          <p:nvPr>
+            <p:ph idx="1"/>
+          </p:nvPr>
+        </p:nvSpPr>
+        <p:spPr>
+          <a:xfrm>
+            <a:off x="0" y="1563638"/>
+            <a:ext cx="9144000" cy="1803647"/>
+          </a:xfrm>
+        </p:spPr>
+        <p:txBody>
+          <a:bodyPr anchor="ctr">
+            <a:normAutofit/>
+          </a:bodyPr>
+          <a:lstStyle/>
+          <a:p>
+            <a:pPr algn="ctr">
+              <a:buNone/>
+            </a:pPr>
+            <a:r>
+              <a:rPr lang="zh-TW" altLang="en-US" sz="4800" b="1" cap="all" dirty="0">
+                <a:solidFill>
+                  <a:srgbClr val="000066"/>
+                </a:solidFill>
+                <a:latin typeface="微軟正黑體" pitchFamily="34" charset="-120"/>
+                <a:ea typeface="微軟正黑體" pitchFamily="34" charset="-120"/>
+              </a:rPr>
+              <a:t>讚美讚美</a:t>
+            </a:r>
+            <a:r>
+              <a:rPr lang="en-US" altLang="zh-TW" sz="4800" b="1" cap="all" dirty="0">
+                <a:solidFill>
+                  <a:srgbClr val="000066"/>
+                </a:solidFill>
+                <a:latin typeface="微軟正黑體" pitchFamily="34" charset="-120"/>
+                <a:ea typeface="微軟正黑體" pitchFamily="34" charset="-120"/>
+              </a:rPr>
+              <a:t>  </a:t>
+            </a:r>
+            <a:r>
+              <a:rPr lang="zh-TW" altLang="en-US" sz="4800" b="1" cap="all" dirty="0">
+                <a:solidFill>
+                  <a:srgbClr val="000066"/>
+                </a:solidFill>
+                <a:latin typeface="微軟正黑體" pitchFamily="34" charset="-120"/>
+                <a:ea typeface="微軟正黑體" pitchFamily="34" charset="-120"/>
+              </a:rPr>
+              <a:t>傳揚祂極大的仁愛</a:t>
+            </a:r>
+            <a:endParaRPr lang="en-US" altLang="zh-TW" sz="4800" b="1" cap="all" dirty="0">
+              <a:solidFill>
+                <a:srgbClr val="000066"/>
+              </a:solidFill>
+              <a:latin typeface="微軟正黑體" pitchFamily="34" charset="-120"/>
+              <a:ea typeface="微軟正黑體" pitchFamily="34" charset="-120"/>
+            </a:endParaRPr>
+          </a:p>
+          <a:p>
+            <a:pPr algn="ctr">
+              <a:buNone/>
+            </a:pPr>
+            <a:r>
+              <a:rPr lang="zh-TW" altLang="en-US" sz="4800" b="1" cap="all" dirty="0">
+                <a:solidFill>
+                  <a:srgbClr val="000066"/>
+                </a:solidFill>
+                <a:latin typeface="微軟正黑體" pitchFamily="34" charset="-120"/>
+                <a:ea typeface="微軟正黑體" pitchFamily="34" charset="-120"/>
+              </a:rPr>
+              <a:t>讚美讚美 </a:t>
+            </a:r>
+            <a:r>
+              <a:rPr lang="zh-TW" altLang="en-US" sz="4800" b="1" cap="all" dirty="0" smtClean="0">
+                <a:solidFill>
+                  <a:srgbClr val="000066"/>
+                </a:solidFill>
+                <a:latin typeface="微軟正黑體" pitchFamily="34" charset="-120"/>
+                <a:ea typeface="微軟正黑體" pitchFamily="34" charset="-120"/>
+              </a:rPr>
+              <a:t> 頌</a:t>
+            </a:r>
+            <a:r>
+              <a:rPr lang="zh-TW" altLang="en-US" sz="4800" b="1" cap="all" dirty="0">
+                <a:solidFill>
+                  <a:srgbClr val="000066"/>
+                </a:solidFill>
+                <a:latin typeface="微軟正黑體" pitchFamily="34" charset="-120"/>
+                <a:ea typeface="微軟正黑體" pitchFamily="34" charset="-120"/>
+              </a:rPr>
+              <a:t>揚主</a:t>
+            </a:r>
+            <a:r>
+              <a:rPr lang="zh-CN" altLang="en-US" sz="4800" b="1" cap="all" dirty="0">
+                <a:solidFill>
+                  <a:srgbClr val="000066"/>
+                </a:solidFill>
+                <a:latin typeface="微軟正黑體" pitchFamily="34" charset="-120"/>
+                <a:ea typeface="微軟正黑體" pitchFamily="34" charset="-120"/>
+              </a:rPr>
+              <a:t>名</a:t>
+            </a:r>
+            <a:r>
+              <a:rPr lang="zh-TW" altLang="en-US" sz="4800" b="1" cap="all" dirty="0">
+                <a:solidFill>
+                  <a:srgbClr val="000066"/>
+                </a:solidFill>
+                <a:latin typeface="微軟正黑體" pitchFamily="34" charset="-120"/>
+                <a:ea typeface="微軟正黑體" pitchFamily="34" charset="-120"/>
+              </a:rPr>
+              <a:t>萬代</a:t>
+            </a:r>
+          </a:p>
+        </p:txBody>
+      </p:sp>
+    </p:spTree>
+    <p:extLst>
+      <p:ext uri="{BB962C8B-B14F-4D97-AF65-F5344CB8AC3E}">
+        <p14:creationId xmlns:p14="http://schemas.microsoft.com/office/powerpoint/2010/main" val="2764007994"/>
+      </p:ext>
+    </p:extLst>
   </p:cSld>
   <p:clrMapOvr>
     <a:masterClrMapping/>

--- a/宣道詩/(宣道詩114)讚美讚美.pptx
+++ b/宣道詩/(宣道詩114)讚美讚美.pptx
@@ -317,7 +317,7 @@
             <a:fld id="{CE2478EC-4E2B-4BB2-B91A-703F61575733}" type="datetimeFigureOut">
               <a:rPr lang="zh-TW" altLang="en-US" smtClean="0"/>
               <a:pPr/>
-              <a:t>2020/12/4</a:t>
+              <a:t>2021/4/28</a:t>
             </a:fld>
             <a:endParaRPr lang="zh-TW" altLang="en-US"/>
           </a:p>
@@ -484,7 +484,7 @@
             <a:fld id="{CE2478EC-4E2B-4BB2-B91A-703F61575733}" type="datetimeFigureOut">
               <a:rPr lang="zh-TW" altLang="en-US" smtClean="0"/>
               <a:pPr/>
-              <a:t>2020/12/4</a:t>
+              <a:t>2021/4/28</a:t>
             </a:fld>
             <a:endParaRPr lang="zh-TW" altLang="en-US"/>
           </a:p>
@@ -661,7 +661,7 @@
             <a:fld id="{CE2478EC-4E2B-4BB2-B91A-703F61575733}" type="datetimeFigureOut">
               <a:rPr lang="zh-TW" altLang="en-US" smtClean="0"/>
               <a:pPr/>
-              <a:t>2020/12/4</a:t>
+              <a:t>2021/4/28</a:t>
             </a:fld>
             <a:endParaRPr lang="zh-TW" altLang="en-US"/>
           </a:p>
@@ -828,7 +828,7 @@
             <a:fld id="{CE2478EC-4E2B-4BB2-B91A-703F61575733}" type="datetimeFigureOut">
               <a:rPr lang="zh-TW" altLang="en-US" smtClean="0"/>
               <a:pPr/>
-              <a:t>2020/12/4</a:t>
+              <a:t>2021/4/28</a:t>
             </a:fld>
             <a:endParaRPr lang="zh-TW" altLang="en-US"/>
           </a:p>
@@ -1071,7 +1071,7 @@
             <a:fld id="{CE2478EC-4E2B-4BB2-B91A-703F61575733}" type="datetimeFigureOut">
               <a:rPr lang="zh-TW" altLang="en-US" smtClean="0"/>
               <a:pPr/>
-              <a:t>2020/12/4</a:t>
+              <a:t>2021/4/28</a:t>
             </a:fld>
             <a:endParaRPr lang="zh-TW" altLang="en-US"/>
           </a:p>
@@ -1356,7 +1356,7 @@
             <a:fld id="{CE2478EC-4E2B-4BB2-B91A-703F61575733}" type="datetimeFigureOut">
               <a:rPr lang="zh-TW" altLang="en-US" smtClean="0"/>
               <a:pPr/>
-              <a:t>2020/12/4</a:t>
+              <a:t>2021/4/28</a:t>
             </a:fld>
             <a:endParaRPr lang="zh-TW" altLang="en-US"/>
           </a:p>
@@ -1775,7 +1775,7 @@
             <a:fld id="{CE2478EC-4E2B-4BB2-B91A-703F61575733}" type="datetimeFigureOut">
               <a:rPr lang="zh-TW" altLang="en-US" smtClean="0"/>
               <a:pPr/>
-              <a:t>2020/12/4</a:t>
+              <a:t>2021/4/28</a:t>
             </a:fld>
             <a:endParaRPr lang="zh-TW" altLang="en-US"/>
           </a:p>
@@ -1890,7 +1890,7 @@
             <a:fld id="{CE2478EC-4E2B-4BB2-B91A-703F61575733}" type="datetimeFigureOut">
               <a:rPr lang="zh-TW" altLang="en-US" smtClean="0"/>
               <a:pPr/>
-              <a:t>2020/12/4</a:t>
+              <a:t>2021/4/28</a:t>
             </a:fld>
             <a:endParaRPr lang="zh-TW" altLang="en-US"/>
           </a:p>
@@ -1982,7 +1982,7 @@
             <a:fld id="{CE2478EC-4E2B-4BB2-B91A-703F61575733}" type="datetimeFigureOut">
               <a:rPr lang="zh-TW" altLang="en-US" smtClean="0"/>
               <a:pPr/>
-              <a:t>2020/12/4</a:t>
+              <a:t>2021/4/28</a:t>
             </a:fld>
             <a:endParaRPr lang="zh-TW" altLang="en-US"/>
           </a:p>
@@ -2256,7 +2256,7 @@
             <a:fld id="{CE2478EC-4E2B-4BB2-B91A-703F61575733}" type="datetimeFigureOut">
               <a:rPr lang="zh-TW" altLang="en-US" smtClean="0"/>
               <a:pPr/>
-              <a:t>2020/12/4</a:t>
+              <a:t>2021/4/28</a:t>
             </a:fld>
             <a:endParaRPr lang="zh-TW" altLang="en-US"/>
           </a:p>
@@ -2510,7 +2510,7 @@
             <a:fld id="{CE2478EC-4E2B-4BB2-B91A-703F61575733}" type="datetimeFigureOut">
               <a:rPr lang="zh-TW" altLang="en-US" smtClean="0"/>
               <a:pPr/>
-              <a:t>2020/12/4</a:t>
+              <a:t>2021/4/28</a:t>
             </a:fld>
             <a:endParaRPr lang="zh-TW" altLang="en-US"/>
           </a:p>
@@ -2725,7 +2725,7 @@
             <a:fld id="{CE2478EC-4E2B-4BB2-B91A-703F61575733}" type="datetimeFigureOut">
               <a:rPr lang="zh-TW" altLang="en-US" smtClean="0"/>
               <a:pPr/>
-              <a:t>2020/12/4</a:t>
+              <a:t>2021/4/28</a:t>
             </a:fld>
             <a:endParaRPr lang="zh-TW" altLang="en-US"/>
           </a:p>
@@ -3239,7 +3239,7 @@
     </p:spTree>
     <p:extLst>
       <p:ext uri="{BB962C8B-B14F-4D97-AF65-F5344CB8AC3E}">
-        <p14:creationId xmlns:p14="http://schemas.microsoft.com/office/powerpoint/2010/main" val="750885497"/>
+        <p14:creationId xmlns:p14="http://schemas.microsoft.com/office/powerpoint/2010/main" val="1247244014"/>
       </p:ext>
     </p:extLst>
   </p:cSld>
@@ -3350,26 +3350,19 @@
               </a:rPr>
               <a:t>天上群眾和撒那歌高唱</a:t>
             </a:r>
-            <a:endParaRPr lang="zh-TW" altLang="en-US" sz="4800" b="1" cap="all" dirty="0">
-              <a:solidFill>
-                <a:srgbClr val="000066"/>
-              </a:solidFill>
-              <a:latin typeface="微軟正黑體" pitchFamily="34" charset="-120"/>
-              <a:ea typeface="微軟正黑體" pitchFamily="34" charset="-120"/>
-            </a:endParaRPr>
-          </a:p>
-        </p:txBody>
-      </p:sp>
-      <p:sp>
-        <p:nvSpPr>
-          <p:cNvPr id="3" name="TextBox 2"/>
+          </a:p>
+        </p:txBody>
+      </p:sp>
+      <p:sp>
+        <p:nvSpPr>
+          <p:cNvPr id="4" name="TextBox 3"/>
           <p:cNvSpPr txBox="1"/>
           <p:nvPr/>
         </p:nvSpPr>
         <p:spPr>
           <a:xfrm>
-            <a:off x="0" y="1707654"/>
-            <a:ext cx="966632" cy="830997"/>
+            <a:off x="0" y="3795886"/>
+            <a:ext cx="9144000" cy="646331"/>
           </a:xfrm>
           <a:prstGeom prst="rect">
             <a:avLst/>
@@ -3382,23 +3375,32 @@
           </a:bodyPr>
           <a:lstStyle/>
           <a:p>
-            <a:r>
-              <a:rPr lang="en-US" sz="4800" b="1" dirty="0" smtClean="0">
-                <a:solidFill>
-                  <a:srgbClr val="000066"/>
-                </a:solidFill>
-              </a:rPr>
-              <a:t>3</a:t>
-            </a:r>
-            <a:r>
-              <a:rPr lang="en-US" sz="4800" b="1" dirty="0" smtClean="0">
-                <a:solidFill>
-                  <a:srgbClr val="000066"/>
-                </a:solidFill>
-              </a:rPr>
-              <a:t>.</a:t>
-            </a:r>
-            <a:endParaRPr lang="vi-VN" sz="4800" b="1" dirty="0">
+            <a:pPr algn="ctr"/>
+            <a:r>
+              <a:rPr lang="en-US" sz="3600" b="1" dirty="0">
+                <a:solidFill>
+                  <a:srgbClr val="000066"/>
+                </a:solidFill>
+              </a:rPr>
+              <a:t>( </a:t>
+            </a:r>
+            <a:r>
+              <a:rPr lang="en-US" sz="3600" b="1" dirty="0" smtClean="0">
+                <a:solidFill>
+                  <a:srgbClr val="000066"/>
+                </a:solidFill>
+              </a:rPr>
+              <a:t>3 </a:t>
+            </a:r>
+            <a:r>
+              <a:rPr lang="en-US" sz="3600" b="1" dirty="0">
+                <a:solidFill>
+                  <a:srgbClr val="000066"/>
+                </a:solidFill>
+              </a:rPr>
+              <a:t>)</a:t>
+            </a:r>
+            <a:endParaRPr lang="vi-VN" sz="3600" b="1" dirty="0">
               <a:solidFill>
                 <a:srgbClr val="000066"/>
               </a:solidFill>
@@ -3409,7 +3411,7 @@
     </p:spTree>
     <p:extLst>
       <p:ext uri="{BB962C8B-B14F-4D97-AF65-F5344CB8AC3E}">
-        <p14:creationId xmlns:p14="http://schemas.microsoft.com/office/powerpoint/2010/main" val="522995655"/>
+        <p14:creationId xmlns:p14="http://schemas.microsoft.com/office/powerpoint/2010/main" val="2039293646"/>
       </p:ext>
     </p:extLst>
   </p:cSld>
@@ -3533,26 +3535,19 @@
               </a:rPr>
               <a:t>加冠君王  先知大祭司長</a:t>
             </a:r>
-            <a:endParaRPr lang="zh-TW" altLang="en-US" sz="4800" b="1" cap="all" dirty="0">
-              <a:solidFill>
-                <a:srgbClr val="000066"/>
-              </a:solidFill>
-              <a:latin typeface="微軟正黑體" pitchFamily="34" charset="-120"/>
-              <a:ea typeface="微軟正黑體" pitchFamily="34" charset="-120"/>
-            </a:endParaRPr>
-          </a:p>
-        </p:txBody>
-      </p:sp>
-      <p:sp>
-        <p:nvSpPr>
-          <p:cNvPr id="3" name="TextBox 2"/>
+          </a:p>
+        </p:txBody>
+      </p:sp>
+      <p:sp>
+        <p:nvSpPr>
+          <p:cNvPr id="6" name="TextBox 5"/>
           <p:cNvSpPr txBox="1"/>
           <p:nvPr/>
         </p:nvSpPr>
         <p:spPr>
           <a:xfrm>
-            <a:off x="0" y="1707654"/>
-            <a:ext cx="966632" cy="830997"/>
+            <a:off x="0" y="3795886"/>
+            <a:ext cx="9144000" cy="646331"/>
           </a:xfrm>
           <a:prstGeom prst="rect">
             <a:avLst/>
@@ -3565,23 +3560,32 @@
           </a:bodyPr>
           <a:lstStyle/>
           <a:p>
-            <a:r>
-              <a:rPr lang="en-US" sz="4800" b="1" dirty="0" smtClean="0">
-                <a:solidFill>
-                  <a:srgbClr val="000066"/>
-                </a:solidFill>
-              </a:rPr>
-              <a:t>3</a:t>
-            </a:r>
-            <a:r>
-              <a:rPr lang="en-US" sz="4800" b="1" dirty="0" smtClean="0">
-                <a:solidFill>
-                  <a:srgbClr val="000066"/>
-                </a:solidFill>
-              </a:rPr>
-              <a:t>.</a:t>
-            </a:r>
-            <a:endParaRPr lang="vi-VN" sz="4800" b="1" dirty="0">
+            <a:pPr algn="ctr"/>
+            <a:r>
+              <a:rPr lang="en-US" sz="3600" b="1" dirty="0">
+                <a:solidFill>
+                  <a:srgbClr val="000066"/>
+                </a:solidFill>
+              </a:rPr>
+              <a:t>( </a:t>
+            </a:r>
+            <a:r>
+              <a:rPr lang="en-US" sz="3600" b="1" dirty="0" smtClean="0">
+                <a:solidFill>
+                  <a:srgbClr val="000066"/>
+                </a:solidFill>
+              </a:rPr>
+              <a:t>3 </a:t>
+            </a:r>
+            <a:r>
+              <a:rPr lang="en-US" sz="3600" b="1" dirty="0">
+                <a:solidFill>
+                  <a:srgbClr val="000066"/>
+                </a:solidFill>
+              </a:rPr>
+              <a:t>)</a:t>
+            </a:r>
+            <a:endParaRPr lang="vi-VN" sz="3600" b="1" dirty="0">
               <a:solidFill>
                 <a:srgbClr val="000066"/>
               </a:solidFill>
@@ -3592,7 +3596,7 @@
     </p:spTree>
     <p:extLst>
       <p:ext uri="{BB962C8B-B14F-4D97-AF65-F5344CB8AC3E}">
-        <p14:creationId xmlns:p14="http://schemas.microsoft.com/office/powerpoint/2010/main" val="3321638997"/>
+        <p14:creationId xmlns:p14="http://schemas.microsoft.com/office/powerpoint/2010/main" val="1777174031"/>
       </p:ext>
     </p:extLst>
   </p:cSld>
@@ -3688,14 +3692,14 @@
       </p:sp>
       <p:sp>
         <p:nvSpPr>
-          <p:cNvPr id="3" name="TextBox 2"/>
+          <p:cNvPr id="4" name="TextBox 3"/>
           <p:cNvSpPr txBox="1"/>
           <p:nvPr/>
         </p:nvSpPr>
         <p:spPr>
           <a:xfrm>
-            <a:off x="0" y="1707654"/>
-            <a:ext cx="966632" cy="830997"/>
+            <a:off x="0" y="3795886"/>
+            <a:ext cx="9144000" cy="646331"/>
           </a:xfrm>
           <a:prstGeom prst="rect">
             <a:avLst/>
@@ -3708,23 +3712,32 @@
           </a:bodyPr>
           <a:lstStyle/>
           <a:p>
-            <a:r>
-              <a:rPr lang="en-US" sz="4800" b="1" dirty="0" smtClean="0">
-                <a:solidFill>
-                  <a:srgbClr val="000066"/>
-                </a:solidFill>
-              </a:rPr>
-              <a:t>3</a:t>
-            </a:r>
-            <a:r>
-              <a:rPr lang="en-US" sz="4800" b="1" dirty="0" smtClean="0">
-                <a:solidFill>
-                  <a:srgbClr val="000066"/>
-                </a:solidFill>
-              </a:rPr>
-              <a:t>.</a:t>
-            </a:r>
-            <a:endParaRPr lang="vi-VN" sz="4800" b="1" dirty="0">
+            <a:pPr algn="ctr"/>
+            <a:r>
+              <a:rPr lang="en-US" sz="3600" b="1" dirty="0">
+                <a:solidFill>
+                  <a:srgbClr val="000066"/>
+                </a:solidFill>
+              </a:rPr>
+              <a:t>( </a:t>
+            </a:r>
+            <a:r>
+              <a:rPr lang="en-US" sz="3600" b="1" dirty="0" smtClean="0">
+                <a:solidFill>
+                  <a:srgbClr val="000066"/>
+                </a:solidFill>
+              </a:rPr>
+              <a:t>3 </a:t>
+            </a:r>
+            <a:r>
+              <a:rPr lang="en-US" sz="3600" b="1" dirty="0">
+                <a:solidFill>
+                  <a:srgbClr val="000066"/>
+                </a:solidFill>
+              </a:rPr>
+              <a:t>)</a:t>
+            </a:r>
+            <a:endParaRPr lang="vi-VN" sz="3600" b="1" dirty="0">
               <a:solidFill>
                 <a:srgbClr val="000066"/>
               </a:solidFill>
@@ -3735,7 +3748,7 @@
     </p:spTree>
     <p:extLst>
       <p:ext uri="{BB962C8B-B14F-4D97-AF65-F5344CB8AC3E}">
-        <p14:creationId xmlns:p14="http://schemas.microsoft.com/office/powerpoint/2010/main" val="2939306445"/>
+        <p14:creationId xmlns:p14="http://schemas.microsoft.com/office/powerpoint/2010/main" val="4096022088"/>
       </p:ext>
     </p:extLst>
   </p:cSld>
@@ -3885,7 +3898,7 @@
     </p:spTree>
     <p:extLst>
       <p:ext uri="{BB962C8B-B14F-4D97-AF65-F5344CB8AC3E}">
-        <p14:creationId xmlns:p14="http://schemas.microsoft.com/office/powerpoint/2010/main" val="3119310308"/>
+        <p14:creationId xmlns:p14="http://schemas.microsoft.com/office/powerpoint/2010/main" val="678868168"/>
       </p:ext>
     </p:extLst>
   </p:cSld>
@@ -4021,14 +4034,14 @@
       </p:sp>
       <p:sp>
         <p:nvSpPr>
-          <p:cNvPr id="3" name="TextBox 2"/>
+          <p:cNvPr id="4" name="TextBox 3"/>
           <p:cNvSpPr txBox="1"/>
           <p:nvPr/>
         </p:nvSpPr>
         <p:spPr>
           <a:xfrm>
-            <a:off x="0" y="1707654"/>
-            <a:ext cx="966632" cy="830997"/>
+            <a:off x="0" y="3795886"/>
+            <a:ext cx="9144000" cy="646331"/>
           </a:xfrm>
           <a:prstGeom prst="rect">
             <a:avLst/>
@@ -4041,15 +4054,32 @@
           </a:bodyPr>
           <a:lstStyle/>
           <a:p>
-            <a:r>
-              <a:rPr lang="en-US" sz="4800" b="1" dirty="0" smtClean="0">
-                <a:solidFill>
-                  <a:srgbClr val="000066"/>
-                </a:solidFill>
-              </a:rPr>
-              <a:t>1.</a:t>
-            </a:r>
-            <a:endParaRPr lang="vi-VN" sz="4800" b="1" dirty="0">
+            <a:pPr algn="ctr"/>
+            <a:r>
+              <a:rPr lang="en-US" sz="3600" b="1" dirty="0">
+                <a:solidFill>
+                  <a:srgbClr val="000066"/>
+                </a:solidFill>
+              </a:rPr>
+              <a:t>( </a:t>
+            </a:r>
+            <a:r>
+              <a:rPr lang="en-US" sz="3600" b="1" dirty="0" smtClean="0">
+                <a:solidFill>
+                  <a:srgbClr val="000066"/>
+                </a:solidFill>
+              </a:rPr>
+              <a:t>1 </a:t>
+            </a:r>
+            <a:r>
+              <a:rPr lang="en-US" sz="3600" b="1" dirty="0">
+                <a:solidFill>
+                  <a:srgbClr val="000066"/>
+                </a:solidFill>
+              </a:rPr>
+              <a:t>)</a:t>
+            </a:r>
+            <a:endParaRPr lang="vi-VN" sz="3600" b="1" dirty="0">
               <a:solidFill>
                 <a:srgbClr val="000066"/>
               </a:solidFill>
@@ -4060,7 +4090,7 @@
     </p:spTree>
     <p:extLst>
       <p:ext uri="{BB962C8B-B14F-4D97-AF65-F5344CB8AC3E}">
-        <p14:creationId xmlns:p14="http://schemas.microsoft.com/office/powerpoint/2010/main" val="1106490392"/>
+        <p14:creationId xmlns:p14="http://schemas.microsoft.com/office/powerpoint/2010/main" val="2289699677"/>
       </p:ext>
     </p:extLst>
   </p:cSld>
@@ -4162,14 +4192,14 @@
       </p:sp>
       <p:sp>
         <p:nvSpPr>
-          <p:cNvPr id="3" name="TextBox 2"/>
+          <p:cNvPr id="4" name="TextBox 3"/>
           <p:cNvSpPr txBox="1"/>
           <p:nvPr/>
         </p:nvSpPr>
         <p:spPr>
           <a:xfrm>
-            <a:off x="0" y="1707654"/>
-            <a:ext cx="966632" cy="830997"/>
+            <a:off x="0" y="3795886"/>
+            <a:ext cx="9144000" cy="646331"/>
           </a:xfrm>
           <a:prstGeom prst="rect">
             <a:avLst/>
@@ -4182,15 +4212,32 @@
           </a:bodyPr>
           <a:lstStyle/>
           <a:p>
-            <a:r>
-              <a:rPr lang="en-US" sz="4800" b="1" dirty="0" smtClean="0">
-                <a:solidFill>
-                  <a:srgbClr val="000066"/>
-                </a:solidFill>
-              </a:rPr>
-              <a:t>1.</a:t>
-            </a:r>
-            <a:endParaRPr lang="vi-VN" sz="4800" b="1" dirty="0">
+            <a:pPr algn="ctr"/>
+            <a:r>
+              <a:rPr lang="en-US" sz="3600" b="1" dirty="0">
+                <a:solidFill>
+                  <a:srgbClr val="000066"/>
+                </a:solidFill>
+              </a:rPr>
+              <a:t>( </a:t>
+            </a:r>
+            <a:r>
+              <a:rPr lang="en-US" sz="3600" b="1" dirty="0" smtClean="0">
+                <a:solidFill>
+                  <a:srgbClr val="000066"/>
+                </a:solidFill>
+              </a:rPr>
+              <a:t>1 </a:t>
+            </a:r>
+            <a:r>
+              <a:rPr lang="en-US" sz="3600" b="1" dirty="0">
+                <a:solidFill>
+                  <a:srgbClr val="000066"/>
+                </a:solidFill>
+              </a:rPr>
+              <a:t>)</a:t>
+            </a:r>
+            <a:endParaRPr lang="vi-VN" sz="3600" b="1" dirty="0">
               <a:solidFill>
                 <a:srgbClr val="000066"/>
               </a:solidFill>
@@ -4201,7 +4248,7 @@
     </p:spTree>
     <p:extLst>
       <p:ext uri="{BB962C8B-B14F-4D97-AF65-F5344CB8AC3E}">
-        <p14:creationId xmlns:p14="http://schemas.microsoft.com/office/powerpoint/2010/main" val="1474244814"/>
+        <p14:creationId xmlns:p14="http://schemas.microsoft.com/office/powerpoint/2010/main" val="743218788"/>
       </p:ext>
     </p:extLst>
   </p:cSld>
@@ -4357,14 +4404,14 @@
       </p:sp>
       <p:sp>
         <p:nvSpPr>
-          <p:cNvPr id="3" name="TextBox 2"/>
+          <p:cNvPr id="4" name="TextBox 3"/>
           <p:cNvSpPr txBox="1"/>
           <p:nvPr/>
         </p:nvSpPr>
         <p:spPr>
           <a:xfrm>
-            <a:off x="0" y="1707654"/>
-            <a:ext cx="966632" cy="830997"/>
+            <a:off x="0" y="3795886"/>
+            <a:ext cx="9144000" cy="646331"/>
           </a:xfrm>
           <a:prstGeom prst="rect">
             <a:avLst/>
@@ -4377,15 +4424,32 @@
           </a:bodyPr>
           <a:lstStyle/>
           <a:p>
-            <a:r>
-              <a:rPr lang="en-US" sz="4800" b="1" dirty="0" smtClean="0">
-                <a:solidFill>
-                  <a:srgbClr val="000066"/>
-                </a:solidFill>
-              </a:rPr>
-              <a:t>1.</a:t>
-            </a:r>
-            <a:endParaRPr lang="vi-VN" sz="4800" b="1" dirty="0">
+            <a:pPr algn="ctr"/>
+            <a:r>
+              <a:rPr lang="en-US" sz="3600" b="1" dirty="0">
+                <a:solidFill>
+                  <a:srgbClr val="000066"/>
+                </a:solidFill>
+              </a:rPr>
+              <a:t>( </a:t>
+            </a:r>
+            <a:r>
+              <a:rPr lang="en-US" sz="3600" b="1" dirty="0" smtClean="0">
+                <a:solidFill>
+                  <a:srgbClr val="000066"/>
+                </a:solidFill>
+              </a:rPr>
+              <a:t>1 </a:t>
+            </a:r>
+            <a:r>
+              <a:rPr lang="en-US" sz="3600" b="1" dirty="0">
+                <a:solidFill>
+                  <a:srgbClr val="000066"/>
+                </a:solidFill>
+              </a:rPr>
+              <a:t>)</a:t>
+            </a:r>
+            <a:endParaRPr lang="vi-VN" sz="3600" b="1" dirty="0">
               <a:solidFill>
                 <a:srgbClr val="000066"/>
               </a:solidFill>
@@ -4396,7 +4460,7 @@
     </p:spTree>
     <p:extLst>
       <p:ext uri="{BB962C8B-B14F-4D97-AF65-F5344CB8AC3E}">
-        <p14:creationId xmlns:p14="http://schemas.microsoft.com/office/powerpoint/2010/main" val="1437488577"/>
+        <p14:creationId xmlns:p14="http://schemas.microsoft.com/office/powerpoint/2010/main" val="645441783"/>
       </p:ext>
     </p:extLst>
   </p:cSld>
@@ -4546,7 +4610,7 @@
     </p:spTree>
     <p:extLst>
       <p:ext uri="{BB962C8B-B14F-4D97-AF65-F5344CB8AC3E}">
-        <p14:creationId xmlns:p14="http://schemas.microsoft.com/office/powerpoint/2010/main" val="3269130412"/>
+        <p14:creationId xmlns:p14="http://schemas.microsoft.com/office/powerpoint/2010/main" val="2459774527"/>
       </p:ext>
     </p:extLst>
   </p:cSld>
@@ -4650,26 +4714,19 @@
               </a:rPr>
               <a:t>為人罪過受死在十架上</a:t>
             </a:r>
-            <a:endParaRPr lang="zh-TW" altLang="en-US" sz="4800" b="1" cap="all" dirty="0">
-              <a:solidFill>
-                <a:srgbClr val="000066"/>
-              </a:solidFill>
-              <a:latin typeface="微軟正黑體" pitchFamily="34" charset="-120"/>
-              <a:ea typeface="微軟正黑體" pitchFamily="34" charset="-120"/>
-            </a:endParaRPr>
-          </a:p>
-        </p:txBody>
-      </p:sp>
-      <p:sp>
-        <p:nvSpPr>
-          <p:cNvPr id="3" name="TextBox 2"/>
+          </a:p>
+        </p:txBody>
+      </p:sp>
+      <p:sp>
+        <p:nvSpPr>
+          <p:cNvPr id="4" name="TextBox 3"/>
           <p:cNvSpPr txBox="1"/>
           <p:nvPr/>
         </p:nvSpPr>
         <p:spPr>
           <a:xfrm>
-            <a:off x="0" y="1707654"/>
-            <a:ext cx="966632" cy="830997"/>
+            <a:off x="0" y="3795886"/>
+            <a:ext cx="9144000" cy="646331"/>
           </a:xfrm>
           <a:prstGeom prst="rect">
             <a:avLst/>
@@ -4682,23 +4739,32 @@
           </a:bodyPr>
           <a:lstStyle/>
           <a:p>
-            <a:r>
-              <a:rPr lang="en-US" sz="4800" b="1" dirty="0">
-                <a:solidFill>
-                  <a:srgbClr val="000066"/>
-                </a:solidFill>
-              </a:rPr>
-              <a:t>2</a:t>
-            </a:r>
-            <a:r>
-              <a:rPr lang="en-US" sz="4800" b="1" dirty="0" smtClean="0">
-                <a:solidFill>
-                  <a:srgbClr val="000066"/>
-                </a:solidFill>
-              </a:rPr>
-              <a:t>.</a:t>
-            </a:r>
-            <a:endParaRPr lang="vi-VN" sz="4800" b="1" dirty="0">
+            <a:pPr algn="ctr"/>
+            <a:r>
+              <a:rPr lang="en-US" sz="3600" b="1" dirty="0">
+                <a:solidFill>
+                  <a:srgbClr val="000066"/>
+                </a:solidFill>
+              </a:rPr>
+              <a:t>( </a:t>
+            </a:r>
+            <a:r>
+              <a:rPr lang="en-US" sz="3600" b="1" dirty="0" smtClean="0">
+                <a:solidFill>
+                  <a:srgbClr val="000066"/>
+                </a:solidFill>
+              </a:rPr>
+              <a:t>2 </a:t>
+            </a:r>
+            <a:r>
+              <a:rPr lang="en-US" sz="3600" b="1" dirty="0">
+                <a:solidFill>
+                  <a:srgbClr val="000066"/>
+                </a:solidFill>
+              </a:rPr>
+              <a:t>)</a:t>
+            </a:r>
+            <a:endParaRPr lang="vi-VN" sz="3600" b="1" dirty="0">
               <a:solidFill>
                 <a:srgbClr val="000066"/>
               </a:solidFill>
@@ -4709,7 +4775,7 @@
     </p:spTree>
     <p:extLst>
       <p:ext uri="{BB962C8B-B14F-4D97-AF65-F5344CB8AC3E}">
-        <p14:creationId xmlns:p14="http://schemas.microsoft.com/office/powerpoint/2010/main" val="777454633"/>
+        <p14:creationId xmlns:p14="http://schemas.microsoft.com/office/powerpoint/2010/main" val="2587246088"/>
       </p:ext>
     </p:extLst>
   </p:cSld>
@@ -4813,26 +4879,19 @@
               </a:rPr>
               <a:t>歡呼讚美我罪耶穌擔當</a:t>
             </a:r>
-            <a:endParaRPr lang="zh-TW" altLang="en-US" sz="4800" b="1" cap="all" dirty="0">
-              <a:solidFill>
-                <a:srgbClr val="000066"/>
-              </a:solidFill>
-              <a:latin typeface="微軟正黑體" pitchFamily="34" charset="-120"/>
-              <a:ea typeface="微軟正黑體" pitchFamily="34" charset="-120"/>
-            </a:endParaRPr>
-          </a:p>
-        </p:txBody>
-      </p:sp>
-      <p:sp>
-        <p:nvSpPr>
-          <p:cNvPr id="3" name="TextBox 2"/>
+          </a:p>
+        </p:txBody>
+      </p:sp>
+      <p:sp>
+        <p:nvSpPr>
+          <p:cNvPr id="4" name="TextBox 3"/>
           <p:cNvSpPr txBox="1"/>
           <p:nvPr/>
         </p:nvSpPr>
         <p:spPr>
           <a:xfrm>
-            <a:off x="0" y="1707654"/>
-            <a:ext cx="966632" cy="830997"/>
+            <a:off x="0" y="3795886"/>
+            <a:ext cx="9144000" cy="646331"/>
           </a:xfrm>
           <a:prstGeom prst="rect">
             <a:avLst/>
@@ -4845,23 +4904,32 @@
           </a:bodyPr>
           <a:lstStyle/>
           <a:p>
-            <a:r>
-              <a:rPr lang="en-US" sz="4800" b="1" dirty="0">
-                <a:solidFill>
-                  <a:srgbClr val="000066"/>
-                </a:solidFill>
-              </a:rPr>
-              <a:t>2</a:t>
-            </a:r>
-            <a:r>
-              <a:rPr lang="en-US" sz="4800" b="1" dirty="0" smtClean="0">
-                <a:solidFill>
-                  <a:srgbClr val="000066"/>
-                </a:solidFill>
-              </a:rPr>
-              <a:t>.</a:t>
-            </a:r>
-            <a:endParaRPr lang="vi-VN" sz="4800" b="1" dirty="0">
+            <a:pPr algn="ctr"/>
+            <a:r>
+              <a:rPr lang="en-US" sz="3600" b="1" dirty="0">
+                <a:solidFill>
+                  <a:srgbClr val="000066"/>
+                </a:solidFill>
+              </a:rPr>
+              <a:t>( </a:t>
+            </a:r>
+            <a:r>
+              <a:rPr lang="en-US" sz="3600" b="1" dirty="0" smtClean="0">
+                <a:solidFill>
+                  <a:srgbClr val="000066"/>
+                </a:solidFill>
+              </a:rPr>
+              <a:t>2 </a:t>
+            </a:r>
+            <a:r>
+              <a:rPr lang="en-US" sz="3600" b="1" dirty="0">
+                <a:solidFill>
+                  <a:srgbClr val="000066"/>
+                </a:solidFill>
+              </a:rPr>
+              <a:t>)</a:t>
+            </a:r>
+            <a:endParaRPr lang="vi-VN" sz="3600" b="1" dirty="0">
               <a:solidFill>
                 <a:srgbClr val="000066"/>
               </a:solidFill>
@@ -4872,7 +4940,7 @@
     </p:spTree>
     <p:extLst>
       <p:ext uri="{BB962C8B-B14F-4D97-AF65-F5344CB8AC3E}">
-        <p14:creationId xmlns:p14="http://schemas.microsoft.com/office/powerpoint/2010/main" val="84587476"/>
+        <p14:creationId xmlns:p14="http://schemas.microsoft.com/office/powerpoint/2010/main" val="407990674"/>
       </p:ext>
     </p:extLst>
   </p:cSld>
@@ -4968,14 +5036,14 @@
       </p:sp>
       <p:sp>
         <p:nvSpPr>
-          <p:cNvPr id="3" name="TextBox 2"/>
+          <p:cNvPr id="4" name="TextBox 3"/>
           <p:cNvSpPr txBox="1"/>
           <p:nvPr/>
         </p:nvSpPr>
         <p:spPr>
           <a:xfrm>
-            <a:off x="0" y="1707654"/>
-            <a:ext cx="966632" cy="830997"/>
+            <a:off x="0" y="3795886"/>
+            <a:ext cx="9144000" cy="646331"/>
           </a:xfrm>
           <a:prstGeom prst="rect">
             <a:avLst/>
@@ -4988,23 +5056,32 @@
           </a:bodyPr>
           <a:lstStyle/>
           <a:p>
-            <a:r>
-              <a:rPr lang="en-US" sz="4800" b="1" dirty="0">
-                <a:solidFill>
-                  <a:srgbClr val="000066"/>
-                </a:solidFill>
-              </a:rPr>
-              <a:t>2</a:t>
-            </a:r>
-            <a:r>
-              <a:rPr lang="en-US" sz="4800" b="1" dirty="0" smtClean="0">
-                <a:solidFill>
-                  <a:srgbClr val="000066"/>
-                </a:solidFill>
-              </a:rPr>
-              <a:t>.</a:t>
-            </a:r>
-            <a:endParaRPr lang="vi-VN" sz="4800" b="1" dirty="0">
+            <a:pPr algn="ctr"/>
+            <a:r>
+              <a:rPr lang="en-US" sz="3600" b="1" dirty="0">
+                <a:solidFill>
+                  <a:srgbClr val="000066"/>
+                </a:solidFill>
+              </a:rPr>
+              <a:t>( </a:t>
+            </a:r>
+            <a:r>
+              <a:rPr lang="en-US" sz="3600" b="1" dirty="0" smtClean="0">
+                <a:solidFill>
+                  <a:srgbClr val="000066"/>
+                </a:solidFill>
+              </a:rPr>
+              <a:t>2 </a:t>
+            </a:r>
+            <a:r>
+              <a:rPr lang="en-US" sz="3600" b="1" dirty="0">
+                <a:solidFill>
+                  <a:srgbClr val="000066"/>
+                </a:solidFill>
+              </a:rPr>
+              <a:t>)</a:t>
+            </a:r>
+            <a:endParaRPr lang="vi-VN" sz="3600" b="1" dirty="0">
               <a:solidFill>
                 <a:srgbClr val="000066"/>
               </a:solidFill>
@@ -5015,7 +5092,7 @@
     </p:spTree>
     <p:extLst>
       <p:ext uri="{BB962C8B-B14F-4D97-AF65-F5344CB8AC3E}">
-        <p14:creationId xmlns:p14="http://schemas.microsoft.com/office/powerpoint/2010/main" val="2771784369"/>
+        <p14:creationId xmlns:p14="http://schemas.microsoft.com/office/powerpoint/2010/main" val="3559680355"/>
       </p:ext>
     </p:extLst>
   </p:cSld>
@@ -5165,7 +5242,7 @@
     </p:spTree>
     <p:extLst>
       <p:ext uri="{BB962C8B-B14F-4D97-AF65-F5344CB8AC3E}">
-        <p14:creationId xmlns:p14="http://schemas.microsoft.com/office/powerpoint/2010/main" val="2764007994"/>
+        <p14:creationId xmlns:p14="http://schemas.microsoft.com/office/powerpoint/2010/main" val="395532944"/>
       </p:ext>
     </p:extLst>
   </p:cSld>

--- a/宣道詩/(宣道詩114)讚美讚美.pptx
+++ b/宣道詩/(宣道詩114)讚美讚美.pptx
@@ -317,7 +317,7 @@
             <a:fld id="{CE2478EC-4E2B-4BB2-B91A-703F61575733}" type="datetimeFigureOut">
               <a:rPr lang="zh-TW" altLang="en-US" smtClean="0"/>
               <a:pPr/>
-              <a:t>2021/4/28</a:t>
+              <a:t>2022/4/2</a:t>
             </a:fld>
             <a:endParaRPr lang="zh-TW" altLang="en-US"/>
           </a:p>
@@ -484,7 +484,7 @@
             <a:fld id="{CE2478EC-4E2B-4BB2-B91A-703F61575733}" type="datetimeFigureOut">
               <a:rPr lang="zh-TW" altLang="en-US" smtClean="0"/>
               <a:pPr/>
-              <a:t>2021/4/28</a:t>
+              <a:t>2022/4/2</a:t>
             </a:fld>
             <a:endParaRPr lang="zh-TW" altLang="en-US"/>
           </a:p>
@@ -661,7 +661,7 @@
             <a:fld id="{CE2478EC-4E2B-4BB2-B91A-703F61575733}" type="datetimeFigureOut">
               <a:rPr lang="zh-TW" altLang="en-US" smtClean="0"/>
               <a:pPr/>
-              <a:t>2021/4/28</a:t>
+              <a:t>2022/4/2</a:t>
             </a:fld>
             <a:endParaRPr lang="zh-TW" altLang="en-US"/>
           </a:p>
@@ -828,7 +828,7 @@
             <a:fld id="{CE2478EC-4E2B-4BB2-B91A-703F61575733}" type="datetimeFigureOut">
               <a:rPr lang="zh-TW" altLang="en-US" smtClean="0"/>
               <a:pPr/>
-              <a:t>2021/4/28</a:t>
+              <a:t>2022/4/2</a:t>
             </a:fld>
             <a:endParaRPr lang="zh-TW" altLang="en-US"/>
           </a:p>
@@ -1071,7 +1071,7 @@
             <a:fld id="{CE2478EC-4E2B-4BB2-B91A-703F61575733}" type="datetimeFigureOut">
               <a:rPr lang="zh-TW" altLang="en-US" smtClean="0"/>
               <a:pPr/>
-              <a:t>2021/4/28</a:t>
+              <a:t>2022/4/2</a:t>
             </a:fld>
             <a:endParaRPr lang="zh-TW" altLang="en-US"/>
           </a:p>
@@ -1356,7 +1356,7 @@
             <a:fld id="{CE2478EC-4E2B-4BB2-B91A-703F61575733}" type="datetimeFigureOut">
               <a:rPr lang="zh-TW" altLang="en-US" smtClean="0"/>
               <a:pPr/>
-              <a:t>2021/4/28</a:t>
+              <a:t>2022/4/2</a:t>
             </a:fld>
             <a:endParaRPr lang="zh-TW" altLang="en-US"/>
           </a:p>
@@ -1775,7 +1775,7 @@
             <a:fld id="{CE2478EC-4E2B-4BB2-B91A-703F61575733}" type="datetimeFigureOut">
               <a:rPr lang="zh-TW" altLang="en-US" smtClean="0"/>
               <a:pPr/>
-              <a:t>2021/4/28</a:t>
+              <a:t>2022/4/2</a:t>
             </a:fld>
             <a:endParaRPr lang="zh-TW" altLang="en-US"/>
           </a:p>
@@ -1890,7 +1890,7 @@
             <a:fld id="{CE2478EC-4E2B-4BB2-B91A-703F61575733}" type="datetimeFigureOut">
               <a:rPr lang="zh-TW" altLang="en-US" smtClean="0"/>
               <a:pPr/>
-              <a:t>2021/4/28</a:t>
+              <a:t>2022/4/2</a:t>
             </a:fld>
             <a:endParaRPr lang="zh-TW" altLang="en-US"/>
           </a:p>
@@ -1982,7 +1982,7 @@
             <a:fld id="{CE2478EC-4E2B-4BB2-B91A-703F61575733}" type="datetimeFigureOut">
               <a:rPr lang="zh-TW" altLang="en-US" smtClean="0"/>
               <a:pPr/>
-              <a:t>2021/4/28</a:t>
+              <a:t>2022/4/2</a:t>
             </a:fld>
             <a:endParaRPr lang="zh-TW" altLang="en-US"/>
           </a:p>
@@ -2256,7 +2256,7 @@
             <a:fld id="{CE2478EC-4E2B-4BB2-B91A-703F61575733}" type="datetimeFigureOut">
               <a:rPr lang="zh-TW" altLang="en-US" smtClean="0"/>
               <a:pPr/>
-              <a:t>2021/4/28</a:t>
+              <a:t>2022/4/2</a:t>
             </a:fld>
             <a:endParaRPr lang="zh-TW" altLang="en-US"/>
           </a:p>
@@ -2510,7 +2510,7 @@
             <a:fld id="{CE2478EC-4E2B-4BB2-B91A-703F61575733}" type="datetimeFigureOut">
               <a:rPr lang="zh-TW" altLang="en-US" smtClean="0"/>
               <a:pPr/>
-              <a:t>2021/4/28</a:t>
+              <a:t>2022/4/2</a:t>
             </a:fld>
             <a:endParaRPr lang="zh-TW" altLang="en-US"/>
           </a:p>
@@ -2725,7 +2725,7 @@
             <a:fld id="{CE2478EC-4E2B-4BB2-B91A-703F61575733}" type="datetimeFigureOut">
               <a:rPr lang="zh-TW" altLang="en-US" smtClean="0"/>
               <a:pPr/>
-              <a:t>2021/4/28</a:t>
+              <a:t>2022/4/2</a:t>
             </a:fld>
             <a:endParaRPr lang="zh-TW" altLang="en-US"/>
           </a:p>
@@ -3398,7 +3398,7 @@
                   <a:srgbClr val="000066"/>
                 </a:solidFill>
               </a:rPr>
-              <a:t>)</a:t>
+              <a:t>– 3 )</a:t>
             </a:r>
             <a:endParaRPr lang="vi-VN" sz="3600" b="1" dirty="0">
               <a:solidFill>
@@ -3567,23 +3567,7 @@
                   <a:srgbClr val="000066"/>
                 </a:solidFill>
               </a:rPr>
-              <a:t>( </a:t>
-            </a:r>
-            <a:r>
-              <a:rPr lang="en-US" sz="3600" b="1" dirty="0" smtClean="0">
-                <a:solidFill>
-                  <a:srgbClr val="000066"/>
-                </a:solidFill>
-              </a:rPr>
-              <a:t>3 </a:t>
-            </a:r>
-            <a:r>
-              <a:rPr lang="en-US" sz="3600" b="1" dirty="0">
-                <a:solidFill>
-                  <a:srgbClr val="000066"/>
-                </a:solidFill>
-              </a:rPr>
-              <a:t>)</a:t>
+              <a:t>( 3 – 3 )</a:t>
             </a:r>
             <a:endParaRPr lang="vi-VN" sz="3600" b="1" dirty="0">
               <a:solidFill>
@@ -3719,23 +3703,7 @@
                   <a:srgbClr val="000066"/>
                 </a:solidFill>
               </a:rPr>
-              <a:t>( </a:t>
-            </a:r>
-            <a:r>
-              <a:rPr lang="en-US" sz="3600" b="1" dirty="0" smtClean="0">
-                <a:solidFill>
-                  <a:srgbClr val="000066"/>
-                </a:solidFill>
-              </a:rPr>
-              <a:t>3 </a:t>
-            </a:r>
-            <a:r>
-              <a:rPr lang="en-US" sz="3600" b="1" dirty="0">
-                <a:solidFill>
-                  <a:srgbClr val="000066"/>
-                </a:solidFill>
-              </a:rPr>
-              <a:t>)</a:t>
+              <a:t>( 3 – 3 )</a:t>
             </a:r>
             <a:endParaRPr lang="vi-VN" sz="3600" b="1" dirty="0">
               <a:solidFill>
@@ -4069,7 +4037,7 @@
                   <a:srgbClr val="000066"/>
                 </a:solidFill>
               </a:rPr>
-              <a:t>1 </a:t>
+              <a:t>1 – 3 </a:t>
             </a:r>
             <a:r>
               <a:rPr lang="en-US" sz="3600" b="1" dirty="0">
@@ -4219,23 +4187,7 @@
                   <a:srgbClr val="000066"/>
                 </a:solidFill>
               </a:rPr>
-              <a:t>( </a:t>
-            </a:r>
-            <a:r>
-              <a:rPr lang="en-US" sz="3600" b="1" dirty="0" smtClean="0">
-                <a:solidFill>
-                  <a:srgbClr val="000066"/>
-                </a:solidFill>
-              </a:rPr>
-              <a:t>1 </a:t>
-            </a:r>
-            <a:r>
-              <a:rPr lang="en-US" sz="3600" b="1" dirty="0">
-                <a:solidFill>
-                  <a:srgbClr val="000066"/>
-                </a:solidFill>
-              </a:rPr>
-              <a:t>)</a:t>
+              <a:t>( 1 – 3 )</a:t>
             </a:r>
             <a:endParaRPr lang="vi-VN" sz="3600" b="1" dirty="0">
               <a:solidFill>
@@ -4431,23 +4383,7 @@
                   <a:srgbClr val="000066"/>
                 </a:solidFill>
               </a:rPr>
-              <a:t>( </a:t>
-            </a:r>
-            <a:r>
-              <a:rPr lang="en-US" sz="3600" b="1" dirty="0" smtClean="0">
-                <a:solidFill>
-                  <a:srgbClr val="000066"/>
-                </a:solidFill>
-              </a:rPr>
-              <a:t>1 </a:t>
-            </a:r>
-            <a:r>
-              <a:rPr lang="en-US" sz="3600" b="1" dirty="0">
-                <a:solidFill>
-                  <a:srgbClr val="000066"/>
-                </a:solidFill>
-              </a:rPr>
-              <a:t>)</a:t>
+              <a:t>( 1 – 3 )</a:t>
             </a:r>
             <a:endParaRPr lang="vi-VN" sz="3600" b="1" dirty="0">
               <a:solidFill>
@@ -4762,7 +4698,7 @@
                   <a:srgbClr val="000066"/>
                 </a:solidFill>
               </a:rPr>
-              <a:t>)</a:t>
+              <a:t>– 3 )</a:t>
             </a:r>
             <a:endParaRPr lang="vi-VN" sz="3600" b="1" dirty="0">
               <a:solidFill>
@@ -4911,23 +4847,7 @@
                   <a:srgbClr val="000066"/>
                 </a:solidFill>
               </a:rPr>
-              <a:t>( </a:t>
-            </a:r>
-            <a:r>
-              <a:rPr lang="en-US" sz="3600" b="1" dirty="0" smtClean="0">
-                <a:solidFill>
-                  <a:srgbClr val="000066"/>
-                </a:solidFill>
-              </a:rPr>
-              <a:t>2 </a:t>
-            </a:r>
-            <a:r>
-              <a:rPr lang="en-US" sz="3600" b="1" dirty="0">
-                <a:solidFill>
-                  <a:srgbClr val="000066"/>
-                </a:solidFill>
-              </a:rPr>
-              <a:t>)</a:t>
+              <a:t>( 2 – 3 )</a:t>
             </a:r>
             <a:endParaRPr lang="vi-VN" sz="3600" b="1" dirty="0">
               <a:solidFill>
@@ -5063,23 +4983,7 @@
                   <a:srgbClr val="000066"/>
                 </a:solidFill>
               </a:rPr>
-              <a:t>( </a:t>
-            </a:r>
-            <a:r>
-              <a:rPr lang="en-US" sz="3600" b="1" dirty="0" smtClean="0">
-                <a:solidFill>
-                  <a:srgbClr val="000066"/>
-                </a:solidFill>
-              </a:rPr>
-              <a:t>2 </a:t>
-            </a:r>
-            <a:r>
-              <a:rPr lang="en-US" sz="3600" b="1" dirty="0">
-                <a:solidFill>
-                  <a:srgbClr val="000066"/>
-                </a:solidFill>
-              </a:rPr>
-              <a:t>)</a:t>
+              <a:t>( 2 – 3 )</a:t>
             </a:r>
             <a:endParaRPr lang="vi-VN" sz="3600" b="1" dirty="0">
               <a:solidFill>

--- a/宣道詩/(宣道詩114)讚美讚美.pptx
+++ b/宣道詩/(宣道詩114)讚美讚美.pptx
@@ -317,7 +317,7 @@
             <a:fld id="{CE2478EC-4E2B-4BB2-B91A-703F61575733}" type="datetimeFigureOut">
               <a:rPr lang="zh-TW" altLang="en-US" smtClean="0"/>
               <a:pPr/>
-              <a:t>2022/4/2</a:t>
+              <a:t>2022/5/28</a:t>
             </a:fld>
             <a:endParaRPr lang="zh-TW" altLang="en-US"/>
           </a:p>
@@ -484,7 +484,7 @@
             <a:fld id="{CE2478EC-4E2B-4BB2-B91A-703F61575733}" type="datetimeFigureOut">
               <a:rPr lang="zh-TW" altLang="en-US" smtClean="0"/>
               <a:pPr/>
-              <a:t>2022/4/2</a:t>
+              <a:t>2022/5/28</a:t>
             </a:fld>
             <a:endParaRPr lang="zh-TW" altLang="en-US"/>
           </a:p>
@@ -661,7 +661,7 @@
             <a:fld id="{CE2478EC-4E2B-4BB2-B91A-703F61575733}" type="datetimeFigureOut">
               <a:rPr lang="zh-TW" altLang="en-US" smtClean="0"/>
               <a:pPr/>
-              <a:t>2022/4/2</a:t>
+              <a:t>2022/5/28</a:t>
             </a:fld>
             <a:endParaRPr lang="zh-TW" altLang="en-US"/>
           </a:p>
@@ -828,7 +828,7 @@
             <a:fld id="{CE2478EC-4E2B-4BB2-B91A-703F61575733}" type="datetimeFigureOut">
               <a:rPr lang="zh-TW" altLang="en-US" smtClean="0"/>
               <a:pPr/>
-              <a:t>2022/4/2</a:t>
+              <a:t>2022/5/28</a:t>
             </a:fld>
             <a:endParaRPr lang="zh-TW" altLang="en-US"/>
           </a:p>
@@ -1071,7 +1071,7 @@
             <a:fld id="{CE2478EC-4E2B-4BB2-B91A-703F61575733}" type="datetimeFigureOut">
               <a:rPr lang="zh-TW" altLang="en-US" smtClean="0"/>
               <a:pPr/>
-              <a:t>2022/4/2</a:t>
+              <a:t>2022/5/28</a:t>
             </a:fld>
             <a:endParaRPr lang="zh-TW" altLang="en-US"/>
           </a:p>
@@ -1356,7 +1356,7 @@
             <a:fld id="{CE2478EC-4E2B-4BB2-B91A-703F61575733}" type="datetimeFigureOut">
               <a:rPr lang="zh-TW" altLang="en-US" smtClean="0"/>
               <a:pPr/>
-              <a:t>2022/4/2</a:t>
+              <a:t>2022/5/28</a:t>
             </a:fld>
             <a:endParaRPr lang="zh-TW" altLang="en-US"/>
           </a:p>
@@ -1775,7 +1775,7 @@
             <a:fld id="{CE2478EC-4E2B-4BB2-B91A-703F61575733}" type="datetimeFigureOut">
               <a:rPr lang="zh-TW" altLang="en-US" smtClean="0"/>
               <a:pPr/>
-              <a:t>2022/4/2</a:t>
+              <a:t>2022/5/28</a:t>
             </a:fld>
             <a:endParaRPr lang="zh-TW" altLang="en-US"/>
           </a:p>
@@ -1890,7 +1890,7 @@
             <a:fld id="{CE2478EC-4E2B-4BB2-B91A-703F61575733}" type="datetimeFigureOut">
               <a:rPr lang="zh-TW" altLang="en-US" smtClean="0"/>
               <a:pPr/>
-              <a:t>2022/4/2</a:t>
+              <a:t>2022/5/28</a:t>
             </a:fld>
             <a:endParaRPr lang="zh-TW" altLang="en-US"/>
           </a:p>
@@ -1982,7 +1982,7 @@
             <a:fld id="{CE2478EC-4E2B-4BB2-B91A-703F61575733}" type="datetimeFigureOut">
               <a:rPr lang="zh-TW" altLang="en-US" smtClean="0"/>
               <a:pPr/>
-              <a:t>2022/4/2</a:t>
+              <a:t>2022/5/28</a:t>
             </a:fld>
             <a:endParaRPr lang="zh-TW" altLang="en-US"/>
           </a:p>
@@ -2256,7 +2256,7 @@
             <a:fld id="{CE2478EC-4E2B-4BB2-B91A-703F61575733}" type="datetimeFigureOut">
               <a:rPr lang="zh-TW" altLang="en-US" smtClean="0"/>
               <a:pPr/>
-              <a:t>2022/4/2</a:t>
+              <a:t>2022/5/28</a:t>
             </a:fld>
             <a:endParaRPr lang="zh-TW" altLang="en-US"/>
           </a:p>
@@ -2510,7 +2510,7 @@
             <a:fld id="{CE2478EC-4E2B-4BB2-B91A-703F61575733}" type="datetimeFigureOut">
               <a:rPr lang="zh-TW" altLang="en-US" smtClean="0"/>
               <a:pPr/>
-              <a:t>2022/4/2</a:t>
+              <a:t>2022/5/28</a:t>
             </a:fld>
             <a:endParaRPr lang="zh-TW" altLang="en-US"/>
           </a:p>
@@ -2725,7 +2725,7 @@
             <a:fld id="{CE2478EC-4E2B-4BB2-B91A-703F61575733}" type="datetimeFigureOut">
               <a:rPr lang="zh-TW" altLang="en-US" smtClean="0"/>
               <a:pPr/>
-              <a:t>2022/4/2</a:t>
+              <a:t>2022/5/28</a:t>
             </a:fld>
             <a:endParaRPr lang="zh-TW" altLang="en-US"/>
           </a:p>
@@ -4920,7 +4920,17 @@
                 <a:latin typeface="微軟正黑體" pitchFamily="34" charset="-120"/>
                 <a:ea typeface="微軟正黑體" pitchFamily="34" charset="-120"/>
               </a:rPr>
-              <a:t>頌讚主聖名  除盡心裡之憂傷</a:t>
+              <a:t>讚頌主</a:t>
+            </a:r>
+            <a:r>
+              <a:rPr lang="zh-TW" altLang="en-US" sz="4800" b="1" cap="all" dirty="0">
+                <a:solidFill>
+                  <a:srgbClr val="000066"/>
+                </a:solidFill>
+                <a:latin typeface="微軟正黑體" pitchFamily="34" charset="-120"/>
+                <a:ea typeface="微軟正黑體" pitchFamily="34" charset="-120"/>
+              </a:rPr>
+              <a:t>聖名  除盡心裡之憂傷</a:t>
             </a:r>
             <a:endParaRPr lang="en-US" altLang="zh-TW" sz="4800" b="1" cap="all" dirty="0">
               <a:solidFill>

--- a/宣道詩/(宣道詩114)讚美讚美.pptx
+++ b/宣道詩/(宣道詩114)讚美讚美.pptx
@@ -317,7 +317,7 @@
             <a:fld id="{CE2478EC-4E2B-4BB2-B91A-703F61575733}" type="datetimeFigureOut">
               <a:rPr lang="zh-TW" altLang="en-US" smtClean="0"/>
               <a:pPr/>
-              <a:t>2022/5/28</a:t>
+              <a:t>2022/7/1</a:t>
             </a:fld>
             <a:endParaRPr lang="zh-TW" altLang="en-US"/>
           </a:p>
@@ -484,7 +484,7 @@
             <a:fld id="{CE2478EC-4E2B-4BB2-B91A-703F61575733}" type="datetimeFigureOut">
               <a:rPr lang="zh-TW" altLang="en-US" smtClean="0"/>
               <a:pPr/>
-              <a:t>2022/5/28</a:t>
+              <a:t>2022/7/1</a:t>
             </a:fld>
             <a:endParaRPr lang="zh-TW" altLang="en-US"/>
           </a:p>
@@ -661,7 +661,7 @@
             <a:fld id="{CE2478EC-4E2B-4BB2-B91A-703F61575733}" type="datetimeFigureOut">
               <a:rPr lang="zh-TW" altLang="en-US" smtClean="0"/>
               <a:pPr/>
-              <a:t>2022/5/28</a:t>
+              <a:t>2022/7/1</a:t>
             </a:fld>
             <a:endParaRPr lang="zh-TW" altLang="en-US"/>
           </a:p>
@@ -828,7 +828,7 @@
             <a:fld id="{CE2478EC-4E2B-4BB2-B91A-703F61575733}" type="datetimeFigureOut">
               <a:rPr lang="zh-TW" altLang="en-US" smtClean="0"/>
               <a:pPr/>
-              <a:t>2022/5/28</a:t>
+              <a:t>2022/7/1</a:t>
             </a:fld>
             <a:endParaRPr lang="zh-TW" altLang="en-US"/>
           </a:p>
@@ -1071,7 +1071,7 @@
             <a:fld id="{CE2478EC-4E2B-4BB2-B91A-703F61575733}" type="datetimeFigureOut">
               <a:rPr lang="zh-TW" altLang="en-US" smtClean="0"/>
               <a:pPr/>
-              <a:t>2022/5/28</a:t>
+              <a:t>2022/7/1</a:t>
             </a:fld>
             <a:endParaRPr lang="zh-TW" altLang="en-US"/>
           </a:p>
@@ -1356,7 +1356,7 @@
             <a:fld id="{CE2478EC-4E2B-4BB2-B91A-703F61575733}" type="datetimeFigureOut">
               <a:rPr lang="zh-TW" altLang="en-US" smtClean="0"/>
               <a:pPr/>
-              <a:t>2022/5/28</a:t>
+              <a:t>2022/7/1</a:t>
             </a:fld>
             <a:endParaRPr lang="zh-TW" altLang="en-US"/>
           </a:p>
@@ -1775,7 +1775,7 @@
             <a:fld id="{CE2478EC-4E2B-4BB2-B91A-703F61575733}" type="datetimeFigureOut">
               <a:rPr lang="zh-TW" altLang="en-US" smtClean="0"/>
               <a:pPr/>
-              <a:t>2022/5/28</a:t>
+              <a:t>2022/7/1</a:t>
             </a:fld>
             <a:endParaRPr lang="zh-TW" altLang="en-US"/>
           </a:p>
@@ -1890,7 +1890,7 @@
             <a:fld id="{CE2478EC-4E2B-4BB2-B91A-703F61575733}" type="datetimeFigureOut">
               <a:rPr lang="zh-TW" altLang="en-US" smtClean="0"/>
               <a:pPr/>
-              <a:t>2022/5/28</a:t>
+              <a:t>2022/7/1</a:t>
             </a:fld>
             <a:endParaRPr lang="zh-TW" altLang="en-US"/>
           </a:p>
@@ -1982,7 +1982,7 @@
             <a:fld id="{CE2478EC-4E2B-4BB2-B91A-703F61575733}" type="datetimeFigureOut">
               <a:rPr lang="zh-TW" altLang="en-US" smtClean="0"/>
               <a:pPr/>
-              <a:t>2022/5/28</a:t>
+              <a:t>2022/7/1</a:t>
             </a:fld>
             <a:endParaRPr lang="zh-TW" altLang="en-US"/>
           </a:p>
@@ -2256,7 +2256,7 @@
             <a:fld id="{CE2478EC-4E2B-4BB2-B91A-703F61575733}" type="datetimeFigureOut">
               <a:rPr lang="zh-TW" altLang="en-US" smtClean="0"/>
               <a:pPr/>
-              <a:t>2022/5/28</a:t>
+              <a:t>2022/7/1</a:t>
             </a:fld>
             <a:endParaRPr lang="zh-TW" altLang="en-US"/>
           </a:p>
@@ -2510,7 +2510,7 @@
             <a:fld id="{CE2478EC-4E2B-4BB2-B91A-703F61575733}" type="datetimeFigureOut">
               <a:rPr lang="zh-TW" altLang="en-US" smtClean="0"/>
               <a:pPr/>
-              <a:t>2022/5/28</a:t>
+              <a:t>2022/7/1</a:t>
             </a:fld>
             <a:endParaRPr lang="zh-TW" altLang="en-US"/>
           </a:p>
@@ -2725,7 +2725,7 @@
             <a:fld id="{CE2478EC-4E2B-4BB2-B91A-703F61575733}" type="datetimeFigureOut">
               <a:rPr lang="zh-TW" altLang="en-US" smtClean="0"/>
               <a:pPr/>
-              <a:t>2022/5/28</a:t>
+              <a:t>2022/7/1</a:t>
             </a:fld>
             <a:endParaRPr lang="zh-TW" altLang="en-US"/>
           </a:p>
@@ -3108,7 +3108,7 @@
         </p:nvSpPr>
         <p:spPr>
           <a:xfrm>
-            <a:off x="0" y="2143135"/>
+            <a:off x="0" y="2067694"/>
             <a:ext cx="9144000" cy="857250"/>
           </a:xfrm>
         </p:spPr>
@@ -3393,12 +3393,20 @@
               <a:t>3 </a:t>
             </a:r>
             <a:r>
+              <a:rPr lang="en-US" sz="3600" b="1" dirty="0" smtClean="0">
+                <a:solidFill>
+                  <a:srgbClr val="000066"/>
+                </a:solidFill>
+              </a:rPr>
+              <a:t>/ </a:t>
+            </a:r>
+            <a:r>
               <a:rPr lang="en-US" sz="3600" b="1" dirty="0">
                 <a:solidFill>
                   <a:srgbClr val="000066"/>
                 </a:solidFill>
               </a:rPr>
-              <a:t>– 3 )</a:t>
+              <a:t>3 )</a:t>
             </a:r>
             <a:endParaRPr lang="vi-VN" sz="3600" b="1" dirty="0">
               <a:solidFill>
@@ -3567,7 +3575,7 @@
                   <a:srgbClr val="000066"/>
                 </a:solidFill>
               </a:rPr>
-              <a:t>( 3 – 3 )</a:t>
+              <a:t>( 3 / 3 )</a:t>
             </a:r>
             <a:endParaRPr lang="vi-VN" sz="3600" b="1" dirty="0">
               <a:solidFill>
@@ -3703,7 +3711,7 @@
                   <a:srgbClr val="000066"/>
                 </a:solidFill>
               </a:rPr>
-              <a:t>( 3 – 3 )</a:t>
+              <a:t>( 3 / 3 )</a:t>
             </a:r>
             <a:endParaRPr lang="vi-VN" sz="3600" b="1" dirty="0">
               <a:solidFill>
@@ -4037,7 +4045,23 @@
                   <a:srgbClr val="000066"/>
                 </a:solidFill>
               </a:rPr>
-              <a:t>1 – 3 </a:t>
+              <a:t>1 </a:t>
+            </a:r>
+            <a:r>
+              <a:rPr lang="en-US" sz="3600" b="1" dirty="0" smtClean="0">
+                <a:solidFill>
+                  <a:srgbClr val="000066"/>
+                </a:solidFill>
+              </a:rPr>
+              <a:t>/ </a:t>
+            </a:r>
+            <a:r>
+              <a:rPr lang="en-US" sz="3600" b="1" dirty="0" smtClean="0">
+                <a:solidFill>
+                  <a:srgbClr val="000066"/>
+                </a:solidFill>
+              </a:rPr>
+              <a:t>3 </a:t>
             </a:r>
             <a:r>
               <a:rPr lang="en-US" sz="3600" b="1" dirty="0">
@@ -4187,7 +4211,7 @@
                   <a:srgbClr val="000066"/>
                 </a:solidFill>
               </a:rPr>
-              <a:t>( 1 – 3 )</a:t>
+              <a:t>( 1 / 3 )</a:t>
             </a:r>
             <a:endParaRPr lang="vi-VN" sz="3600" b="1" dirty="0">
               <a:solidFill>
@@ -4383,7 +4407,7 @@
                   <a:srgbClr val="000066"/>
                 </a:solidFill>
               </a:rPr>
-              <a:t>( 1 – 3 )</a:t>
+              <a:t>( 1 / 3 )</a:t>
             </a:r>
             <a:endParaRPr lang="vi-VN" sz="3600" b="1" dirty="0">
               <a:solidFill>
@@ -4693,12 +4717,20 @@
               <a:t>2 </a:t>
             </a:r>
             <a:r>
+              <a:rPr lang="en-US" sz="3600" b="1" dirty="0" smtClean="0">
+                <a:solidFill>
+                  <a:srgbClr val="000066"/>
+                </a:solidFill>
+              </a:rPr>
+              <a:t>/ </a:t>
+            </a:r>
+            <a:r>
               <a:rPr lang="en-US" sz="3600" b="1" dirty="0">
                 <a:solidFill>
                   <a:srgbClr val="000066"/>
                 </a:solidFill>
               </a:rPr>
-              <a:t>– 3 )</a:t>
+              <a:t>3 )</a:t>
             </a:r>
             <a:endParaRPr lang="vi-VN" sz="3600" b="1" dirty="0">
               <a:solidFill>
@@ -4847,7 +4879,7 @@
                   <a:srgbClr val="000066"/>
                 </a:solidFill>
               </a:rPr>
-              <a:t>( 2 – 3 )</a:t>
+              <a:t>( 2 / 3 )</a:t>
             </a:r>
             <a:endParaRPr lang="vi-VN" sz="3600" b="1" dirty="0">
               <a:solidFill>
@@ -4920,17 +4952,7 @@
                 <a:latin typeface="微軟正黑體" pitchFamily="34" charset="-120"/>
                 <a:ea typeface="微軟正黑體" pitchFamily="34" charset="-120"/>
               </a:rPr>
-              <a:t>讚頌主</a:t>
-            </a:r>
-            <a:r>
-              <a:rPr lang="zh-TW" altLang="en-US" sz="4800" b="1" cap="all" dirty="0">
-                <a:solidFill>
-                  <a:srgbClr val="000066"/>
-                </a:solidFill>
-                <a:latin typeface="微軟正黑體" pitchFamily="34" charset="-120"/>
-                <a:ea typeface="微軟正黑體" pitchFamily="34" charset="-120"/>
-              </a:rPr>
-              <a:t>聖名  除盡心裡之憂傷</a:t>
+              <a:t>讚頌主聖名  除盡心裡之憂傷</a:t>
             </a:r>
             <a:endParaRPr lang="en-US" altLang="zh-TW" sz="4800" b="1" cap="all" dirty="0">
               <a:solidFill>
@@ -4993,7 +5015,7 @@
                   <a:srgbClr val="000066"/>
                 </a:solidFill>
               </a:rPr>
-              <a:t>( 2 – 3 )</a:t>
+              <a:t>( 2 / 3 )</a:t>
             </a:r>
             <a:endParaRPr lang="vi-VN" sz="3600" b="1" dirty="0">
               <a:solidFill>

--- a/宣道詩/(宣道詩114)讚美讚美.pptx
+++ b/宣道詩/(宣道詩114)讚美讚美.pptx
@@ -317,7 +317,7 @@
             <a:fld id="{CE2478EC-4E2B-4BB2-B91A-703F61575733}" type="datetimeFigureOut">
               <a:rPr lang="zh-TW" altLang="en-US" smtClean="0"/>
               <a:pPr/>
-              <a:t>2022/7/1</a:t>
+              <a:t>2022/11/5</a:t>
             </a:fld>
             <a:endParaRPr lang="zh-TW" altLang="en-US"/>
           </a:p>
@@ -484,7 +484,7 @@
             <a:fld id="{CE2478EC-4E2B-4BB2-B91A-703F61575733}" type="datetimeFigureOut">
               <a:rPr lang="zh-TW" altLang="en-US" smtClean="0"/>
               <a:pPr/>
-              <a:t>2022/7/1</a:t>
+              <a:t>2022/11/5</a:t>
             </a:fld>
             <a:endParaRPr lang="zh-TW" altLang="en-US"/>
           </a:p>
@@ -661,7 +661,7 @@
             <a:fld id="{CE2478EC-4E2B-4BB2-B91A-703F61575733}" type="datetimeFigureOut">
               <a:rPr lang="zh-TW" altLang="en-US" smtClean="0"/>
               <a:pPr/>
-              <a:t>2022/7/1</a:t>
+              <a:t>2022/11/5</a:t>
             </a:fld>
             <a:endParaRPr lang="zh-TW" altLang="en-US"/>
           </a:p>
@@ -828,7 +828,7 @@
             <a:fld id="{CE2478EC-4E2B-4BB2-B91A-703F61575733}" type="datetimeFigureOut">
               <a:rPr lang="zh-TW" altLang="en-US" smtClean="0"/>
               <a:pPr/>
-              <a:t>2022/7/1</a:t>
+              <a:t>2022/11/5</a:t>
             </a:fld>
             <a:endParaRPr lang="zh-TW" altLang="en-US"/>
           </a:p>
@@ -1071,7 +1071,7 @@
             <a:fld id="{CE2478EC-4E2B-4BB2-B91A-703F61575733}" type="datetimeFigureOut">
               <a:rPr lang="zh-TW" altLang="en-US" smtClean="0"/>
               <a:pPr/>
-              <a:t>2022/7/1</a:t>
+              <a:t>2022/11/5</a:t>
             </a:fld>
             <a:endParaRPr lang="zh-TW" altLang="en-US"/>
           </a:p>
@@ -1356,7 +1356,7 @@
             <a:fld id="{CE2478EC-4E2B-4BB2-B91A-703F61575733}" type="datetimeFigureOut">
               <a:rPr lang="zh-TW" altLang="en-US" smtClean="0"/>
               <a:pPr/>
-              <a:t>2022/7/1</a:t>
+              <a:t>2022/11/5</a:t>
             </a:fld>
             <a:endParaRPr lang="zh-TW" altLang="en-US"/>
           </a:p>
@@ -1775,7 +1775,7 @@
             <a:fld id="{CE2478EC-4E2B-4BB2-B91A-703F61575733}" type="datetimeFigureOut">
               <a:rPr lang="zh-TW" altLang="en-US" smtClean="0"/>
               <a:pPr/>
-              <a:t>2022/7/1</a:t>
+              <a:t>2022/11/5</a:t>
             </a:fld>
             <a:endParaRPr lang="zh-TW" altLang="en-US"/>
           </a:p>
@@ -1890,7 +1890,7 @@
             <a:fld id="{CE2478EC-4E2B-4BB2-B91A-703F61575733}" type="datetimeFigureOut">
               <a:rPr lang="zh-TW" altLang="en-US" smtClean="0"/>
               <a:pPr/>
-              <a:t>2022/7/1</a:t>
+              <a:t>2022/11/5</a:t>
             </a:fld>
             <a:endParaRPr lang="zh-TW" altLang="en-US"/>
           </a:p>
@@ -1982,7 +1982,7 @@
             <a:fld id="{CE2478EC-4E2B-4BB2-B91A-703F61575733}" type="datetimeFigureOut">
               <a:rPr lang="zh-TW" altLang="en-US" smtClean="0"/>
               <a:pPr/>
-              <a:t>2022/7/1</a:t>
+              <a:t>2022/11/5</a:t>
             </a:fld>
             <a:endParaRPr lang="zh-TW" altLang="en-US"/>
           </a:p>
@@ -2256,7 +2256,7 @@
             <a:fld id="{CE2478EC-4E2B-4BB2-B91A-703F61575733}" type="datetimeFigureOut">
               <a:rPr lang="zh-TW" altLang="en-US" smtClean="0"/>
               <a:pPr/>
-              <a:t>2022/7/1</a:t>
+              <a:t>2022/11/5</a:t>
             </a:fld>
             <a:endParaRPr lang="zh-TW" altLang="en-US"/>
           </a:p>
@@ -2510,7 +2510,7 @@
             <a:fld id="{CE2478EC-4E2B-4BB2-B91A-703F61575733}" type="datetimeFigureOut">
               <a:rPr lang="zh-TW" altLang="en-US" smtClean="0"/>
               <a:pPr/>
-              <a:t>2022/7/1</a:t>
+              <a:t>2022/11/5</a:t>
             </a:fld>
             <a:endParaRPr lang="zh-TW" altLang="en-US"/>
           </a:p>
@@ -2725,7 +2725,7 @@
             <a:fld id="{CE2478EC-4E2B-4BB2-B91A-703F61575733}" type="datetimeFigureOut">
               <a:rPr lang="zh-TW" altLang="en-US" smtClean="0"/>
               <a:pPr/>
-              <a:t>2022/7/1</a:t>
+              <a:t>2022/11/5</a:t>
             </a:fld>
             <a:endParaRPr lang="zh-TW" altLang="en-US"/>
           </a:p>
@@ -3362,7 +3362,7 @@
         <p:spPr>
           <a:xfrm>
             <a:off x="0" y="3795886"/>
-            <a:ext cx="9144000" cy="646331"/>
+            <a:ext cx="9144000" cy="584775"/>
           </a:xfrm>
           <a:prstGeom prst="rect">
             <a:avLst/>
@@ -3377,7 +3377,7 @@
           <a:p>
             <a:pPr algn="ctr"/>
             <a:r>
-              <a:rPr lang="en-US" sz="3600" b="1" dirty="0">
+              <a:rPr lang="en-US" sz="3200" b="1" dirty="0">
                 <a:solidFill>
                   <a:srgbClr val="000066"/>
                 </a:solidFill>
@@ -3385,30 +3385,22 @@
               <a:t>( </a:t>
             </a:r>
             <a:r>
-              <a:rPr lang="en-US" sz="3600" b="1" dirty="0" smtClean="0">
-                <a:solidFill>
-                  <a:srgbClr val="000066"/>
-                </a:solidFill>
-              </a:rPr>
-              <a:t>3 </a:t>
-            </a:r>
-            <a:r>
-              <a:rPr lang="en-US" sz="3600" b="1" dirty="0" smtClean="0">
-                <a:solidFill>
-                  <a:srgbClr val="000066"/>
-                </a:solidFill>
-              </a:rPr>
-              <a:t>/ </a:t>
-            </a:r>
-            <a:r>
-              <a:rPr lang="en-US" sz="3600" b="1" dirty="0">
+              <a:rPr lang="en-US" sz="3200" b="1" dirty="0">
+                <a:solidFill>
+                  <a:srgbClr val="000066"/>
+                </a:solidFill>
+              </a:rPr>
+              <a:t>3 / </a:t>
+            </a:r>
+            <a:r>
+              <a:rPr lang="en-US" sz="3200" b="1" dirty="0">
                 <a:solidFill>
                   <a:srgbClr val="000066"/>
                 </a:solidFill>
               </a:rPr>
               <a:t>3 )</a:t>
             </a:r>
-            <a:endParaRPr lang="vi-VN" sz="3600" b="1" dirty="0">
+            <a:endParaRPr lang="vi-VN" sz="3200" b="1" dirty="0">
               <a:solidFill>
                 <a:srgbClr val="000066"/>
               </a:solidFill>
@@ -3555,7 +3547,7 @@
         <p:spPr>
           <a:xfrm>
             <a:off x="0" y="3795886"/>
-            <a:ext cx="9144000" cy="646331"/>
+            <a:ext cx="9144000" cy="584775"/>
           </a:xfrm>
           <a:prstGeom prst="rect">
             <a:avLst/>
@@ -3570,14 +3562,14 @@
           <a:p>
             <a:pPr algn="ctr"/>
             <a:r>
-              <a:rPr lang="en-US" sz="3600" b="1" dirty="0">
+              <a:rPr lang="en-US" sz="3200" b="1" dirty="0">
                 <a:solidFill>
                   <a:srgbClr val="000066"/>
                 </a:solidFill>
               </a:rPr>
               <a:t>( 3 / 3 )</a:t>
             </a:r>
-            <a:endParaRPr lang="vi-VN" sz="3600" b="1" dirty="0">
+            <a:endParaRPr lang="vi-VN" sz="3200" b="1" dirty="0">
               <a:solidFill>
                 <a:srgbClr val="000066"/>
               </a:solidFill>
@@ -3691,7 +3683,7 @@
         <p:spPr>
           <a:xfrm>
             <a:off x="0" y="3795886"/>
-            <a:ext cx="9144000" cy="646331"/>
+            <a:ext cx="9144000" cy="584775"/>
           </a:xfrm>
           <a:prstGeom prst="rect">
             <a:avLst/>
@@ -3706,14 +3698,14 @@
           <a:p>
             <a:pPr algn="ctr"/>
             <a:r>
-              <a:rPr lang="en-US" sz="3600" b="1" dirty="0">
+              <a:rPr lang="en-US" sz="3200" b="1" dirty="0">
                 <a:solidFill>
                   <a:srgbClr val="000066"/>
                 </a:solidFill>
               </a:rPr>
               <a:t>( 3 / 3 )</a:t>
             </a:r>
-            <a:endParaRPr lang="vi-VN" sz="3600" b="1" dirty="0">
+            <a:endParaRPr lang="vi-VN" sz="3200" b="1" dirty="0">
               <a:solidFill>
                 <a:srgbClr val="000066"/>
               </a:solidFill>
@@ -4017,7 +4009,7 @@
         <p:spPr>
           <a:xfrm>
             <a:off x="0" y="3795886"/>
-            <a:ext cx="9144000" cy="646331"/>
+            <a:ext cx="9144000" cy="584775"/>
           </a:xfrm>
           <a:prstGeom prst="rect">
             <a:avLst/>
@@ -4032,7 +4024,7 @@
           <a:p>
             <a:pPr algn="ctr"/>
             <a:r>
-              <a:rPr lang="en-US" sz="3600" b="1" dirty="0">
+              <a:rPr lang="en-US" sz="3200" b="1" dirty="0">
                 <a:solidFill>
                   <a:srgbClr val="000066"/>
                 </a:solidFill>
@@ -4040,38 +4032,22 @@
               <a:t>( </a:t>
             </a:r>
             <a:r>
-              <a:rPr lang="en-US" sz="3600" b="1" dirty="0" smtClean="0">
-                <a:solidFill>
-                  <a:srgbClr val="000066"/>
-                </a:solidFill>
-              </a:rPr>
-              <a:t>1 </a:t>
-            </a:r>
-            <a:r>
-              <a:rPr lang="en-US" sz="3600" b="1" dirty="0" smtClean="0">
-                <a:solidFill>
-                  <a:srgbClr val="000066"/>
-                </a:solidFill>
-              </a:rPr>
-              <a:t>/ </a:t>
-            </a:r>
-            <a:r>
-              <a:rPr lang="en-US" sz="3600" b="1" dirty="0" smtClean="0">
-                <a:solidFill>
-                  <a:srgbClr val="000066"/>
-                </a:solidFill>
-              </a:rPr>
-              <a:t>3 </a:t>
-            </a:r>
-            <a:r>
-              <a:rPr lang="en-US" sz="3600" b="1" dirty="0">
+              <a:rPr lang="en-US" sz="3200" b="1" dirty="0" smtClean="0">
+                <a:solidFill>
+                  <a:srgbClr val="000066"/>
+                </a:solidFill>
+              </a:rPr>
+              <a:t>1 / 3 </a:t>
+            </a:r>
+            <a:r>
+              <a:rPr lang="en-US" sz="3200" b="1" dirty="0">
                 <a:solidFill>
                   <a:srgbClr val="000066"/>
                 </a:solidFill>
               </a:rPr>
               <a:t>)</a:t>
             </a:r>
-            <a:endParaRPr lang="vi-VN" sz="3600" b="1" dirty="0">
+            <a:endParaRPr lang="vi-VN" sz="3200" b="1" dirty="0">
               <a:solidFill>
                 <a:srgbClr val="000066"/>
               </a:solidFill>
@@ -4191,7 +4167,7 @@
         <p:spPr>
           <a:xfrm>
             <a:off x="0" y="3795886"/>
-            <a:ext cx="9144000" cy="646331"/>
+            <a:ext cx="9144000" cy="584775"/>
           </a:xfrm>
           <a:prstGeom prst="rect">
             <a:avLst/>
@@ -4206,14 +4182,14 @@
           <a:p>
             <a:pPr algn="ctr"/>
             <a:r>
-              <a:rPr lang="en-US" sz="3600" b="1" dirty="0">
+              <a:rPr lang="en-US" sz="3200" b="1" dirty="0">
                 <a:solidFill>
                   <a:srgbClr val="000066"/>
                 </a:solidFill>
               </a:rPr>
               <a:t>( 1 / 3 )</a:t>
             </a:r>
-            <a:endParaRPr lang="vi-VN" sz="3600" b="1" dirty="0">
+            <a:endParaRPr lang="vi-VN" sz="3200" b="1" dirty="0">
               <a:solidFill>
                 <a:srgbClr val="000066"/>
               </a:solidFill>
@@ -4387,7 +4363,7 @@
         <p:spPr>
           <a:xfrm>
             <a:off x="0" y="3795886"/>
-            <a:ext cx="9144000" cy="646331"/>
+            <a:ext cx="9144000" cy="584775"/>
           </a:xfrm>
           <a:prstGeom prst="rect">
             <a:avLst/>
@@ -4402,14 +4378,14 @@
           <a:p>
             <a:pPr algn="ctr"/>
             <a:r>
-              <a:rPr lang="en-US" sz="3600" b="1" dirty="0">
+              <a:rPr lang="en-US" sz="3200" b="1" dirty="0">
                 <a:solidFill>
                   <a:srgbClr val="000066"/>
                 </a:solidFill>
               </a:rPr>
               <a:t>( 1 / 3 )</a:t>
             </a:r>
-            <a:endParaRPr lang="vi-VN" sz="3600" b="1" dirty="0">
+            <a:endParaRPr lang="vi-VN" sz="3200" b="1" dirty="0">
               <a:solidFill>
                 <a:srgbClr val="000066"/>
               </a:solidFill>
@@ -4686,7 +4662,7 @@
         <p:spPr>
           <a:xfrm>
             <a:off x="0" y="3795886"/>
-            <a:ext cx="9144000" cy="646331"/>
+            <a:ext cx="9144000" cy="584775"/>
           </a:xfrm>
           <a:prstGeom prst="rect">
             <a:avLst/>
@@ -4701,7 +4677,7 @@
           <a:p>
             <a:pPr algn="ctr"/>
             <a:r>
-              <a:rPr lang="en-US" sz="3600" b="1" dirty="0">
+              <a:rPr lang="en-US" sz="3200" b="1" dirty="0">
                 <a:solidFill>
                   <a:srgbClr val="000066"/>
                 </a:solidFill>
@@ -4709,30 +4685,22 @@
               <a:t>( </a:t>
             </a:r>
             <a:r>
-              <a:rPr lang="en-US" sz="3600" b="1" dirty="0" smtClean="0">
-                <a:solidFill>
-                  <a:srgbClr val="000066"/>
-                </a:solidFill>
-              </a:rPr>
-              <a:t>2 </a:t>
-            </a:r>
-            <a:r>
-              <a:rPr lang="en-US" sz="3600" b="1" dirty="0" smtClean="0">
-                <a:solidFill>
-                  <a:srgbClr val="000066"/>
-                </a:solidFill>
-              </a:rPr>
-              <a:t>/ </a:t>
-            </a:r>
-            <a:r>
-              <a:rPr lang="en-US" sz="3600" b="1" dirty="0">
+              <a:rPr lang="en-US" sz="3200" b="1" dirty="0">
+                <a:solidFill>
+                  <a:srgbClr val="000066"/>
+                </a:solidFill>
+              </a:rPr>
+              <a:t>2 / </a:t>
+            </a:r>
+            <a:r>
+              <a:rPr lang="en-US" sz="3200" b="1" dirty="0">
                 <a:solidFill>
                   <a:srgbClr val="000066"/>
                 </a:solidFill>
               </a:rPr>
               <a:t>3 )</a:t>
             </a:r>
-            <a:endParaRPr lang="vi-VN" sz="3600" b="1" dirty="0">
+            <a:endParaRPr lang="vi-VN" sz="3200" b="1" dirty="0">
               <a:solidFill>
                 <a:srgbClr val="000066"/>
               </a:solidFill>
@@ -4859,7 +4827,7 @@
         <p:spPr>
           <a:xfrm>
             <a:off x="0" y="3795886"/>
-            <a:ext cx="9144000" cy="646331"/>
+            <a:ext cx="9144000" cy="584775"/>
           </a:xfrm>
           <a:prstGeom prst="rect">
             <a:avLst/>
@@ -4874,14 +4842,14 @@
           <a:p>
             <a:pPr algn="ctr"/>
             <a:r>
-              <a:rPr lang="en-US" sz="3600" b="1" dirty="0">
+              <a:rPr lang="en-US" sz="3200" b="1" dirty="0">
                 <a:solidFill>
                   <a:srgbClr val="000066"/>
                 </a:solidFill>
               </a:rPr>
               <a:t>( 2 / 3 )</a:t>
             </a:r>
-            <a:endParaRPr lang="vi-VN" sz="3600" b="1" dirty="0">
+            <a:endParaRPr lang="vi-VN" sz="3200" b="1" dirty="0">
               <a:solidFill>
                 <a:srgbClr val="000066"/>
               </a:solidFill>
@@ -4995,7 +4963,7 @@
         <p:spPr>
           <a:xfrm>
             <a:off x="0" y="3795886"/>
-            <a:ext cx="9144000" cy="646331"/>
+            <a:ext cx="9144000" cy="584775"/>
           </a:xfrm>
           <a:prstGeom prst="rect">
             <a:avLst/>
@@ -5010,14 +4978,14 @@
           <a:p>
             <a:pPr algn="ctr"/>
             <a:r>
-              <a:rPr lang="en-US" sz="3600" b="1" dirty="0">
+              <a:rPr lang="en-US" sz="3200" b="1" dirty="0">
                 <a:solidFill>
                   <a:srgbClr val="000066"/>
                 </a:solidFill>
               </a:rPr>
               <a:t>( 2 / 3 )</a:t>
             </a:r>
-            <a:endParaRPr lang="vi-VN" sz="3600" b="1" dirty="0">
+            <a:endParaRPr lang="vi-VN" sz="3200" b="1" dirty="0">
               <a:solidFill>
                 <a:srgbClr val="000066"/>
               </a:solidFill>
